--- a/FinalProjectPresentation.pptx
+++ b/FinalProjectPresentation.pptx
@@ -115,6 +115,2813 @@
     </a:lvl9pPr>
   </p:defaultTextStyle>
 </p:presentation>
+</file>
+
+<file path=ppt/charts/chart1.xml><?xml version="1.0" encoding="utf-8"?>
+<c:chartSpace xmlns:c="http://schemas.openxmlformats.org/drawingml/2006/chart" xmlns:a="http://schemas.openxmlformats.org/drawingml/2006/main" xmlns:r="http://schemas.openxmlformats.org/officeDocument/2006/relationships">
+  <c:date1904 val="0"/>
+  <c:lang val="en-US"/>
+  <c:roundedCorners val="0"/>
+  <mc:AlternateContent xmlns:mc="http://schemas.openxmlformats.org/markup-compatibility/2006">
+    <mc:Choice xmlns:c14="http://schemas.microsoft.com/office/drawing/2007/8/2/chart" Requires="c14">
+      <c14:style val="102"/>
+    </mc:Choice>
+    <mc:Fallback>
+      <c:style val="2"/>
+    </mc:Fallback>
+  </mc:AlternateContent>
+  <c:chart>
+    <c:title>
+      <c:tx>
+        <c:rich>
+          <a:bodyPr rot="0" spcFirstLastPara="1" vertOverflow="ellipsis" vert="horz" wrap="square" anchor="ctr" anchorCtr="1"/>
+          <a:lstStyle/>
+          <a:p>
+            <a:pPr>
+              <a:defRPr sz="1400" b="0" i="0" u="none" strike="noStrike" kern="1200" spc="0" baseline="0">
+                <a:solidFill>
+                  <a:schemeClr val="tx1">
+                    <a:lumMod val="65000"/>
+                    <a:lumOff val="35000"/>
+                  </a:schemeClr>
+                </a:solidFill>
+                <a:latin typeface="+mn-lt"/>
+                <a:ea typeface="+mn-ea"/>
+                <a:cs typeface="+mn-cs"/>
+              </a:defRPr>
+            </a:pPr>
+            <a:r>
+              <a:rPr lang="en-US"/>
+              <a:t>IntLinkedBag</a:t>
+            </a:r>
+          </a:p>
+        </c:rich>
+      </c:tx>
+      <c:layout/>
+      <c:overlay val="0"/>
+      <c:spPr>
+        <a:noFill/>
+        <a:ln>
+          <a:noFill/>
+        </a:ln>
+        <a:effectLst/>
+      </c:spPr>
+      <c:txPr>
+        <a:bodyPr rot="0" spcFirstLastPara="1" vertOverflow="ellipsis" vert="horz" wrap="square" anchor="ctr" anchorCtr="1"/>
+        <a:lstStyle/>
+        <a:p>
+          <a:pPr>
+            <a:defRPr sz="1400" b="0" i="0" u="none" strike="noStrike" kern="1200" spc="0" baseline="0">
+              <a:solidFill>
+                <a:schemeClr val="tx1">
+                  <a:lumMod val="65000"/>
+                  <a:lumOff val="35000"/>
+                </a:schemeClr>
+              </a:solidFill>
+              <a:latin typeface="+mn-lt"/>
+              <a:ea typeface="+mn-ea"/>
+              <a:cs typeface="+mn-cs"/>
+            </a:defRPr>
+          </a:pPr>
+          <a:endParaRPr lang="en-US"/>
+        </a:p>
+      </c:txPr>
+    </c:title>
+    <c:autoTitleDeleted val="0"/>
+    <c:plotArea>
+      <c:layout/>
+      <c:scatterChart>
+        <c:scatterStyle val="lineMarker"/>
+        <c:varyColors val="0"/>
+        <c:ser>
+          <c:idx val="1"/>
+          <c:order val="0"/>
+          <c:tx>
+            <c:strRef>
+              <c:f>Sheet1!$K$3</c:f>
+              <c:strCache>
+                <c:ptCount val="1"/>
+                <c:pt idx="0">
+                  <c:v>add()</c:v>
+                </c:pt>
+              </c:strCache>
+            </c:strRef>
+          </c:tx>
+          <c:spPr>
+            <a:ln w="25400" cap="rnd">
+              <a:noFill/>
+              <a:round/>
+            </a:ln>
+            <a:effectLst/>
+          </c:spPr>
+          <c:marker>
+            <c:symbol val="circle"/>
+            <c:size val="5"/>
+            <c:spPr>
+              <a:solidFill>
+                <a:schemeClr val="accent2"/>
+              </a:solidFill>
+              <a:ln w="9525">
+                <a:solidFill>
+                  <a:schemeClr val="accent2"/>
+                </a:solidFill>
+              </a:ln>
+              <a:effectLst/>
+            </c:spPr>
+          </c:marker>
+          <c:trendline>
+            <c:spPr>
+              <a:ln w="19050" cap="rnd">
+                <a:solidFill>
+                  <a:schemeClr val="accent2"/>
+                </a:solidFill>
+                <a:prstDash val="sysDot"/>
+              </a:ln>
+              <a:effectLst/>
+            </c:spPr>
+            <c:trendlineType val="linear"/>
+            <c:dispRSqr val="0"/>
+            <c:dispEq val="0"/>
+          </c:trendline>
+          <c:yVal>
+            <c:numRef>
+              <c:f>Sheet1!$K$4:$K$8</c:f>
+              <c:numCache>
+                <c:formatCode>General</c:formatCode>
+                <c:ptCount val="5"/>
+                <c:pt idx="0">
+                  <c:v>6.0</c:v>
+                </c:pt>
+                <c:pt idx="1">
+                  <c:v>17.0</c:v>
+                </c:pt>
+                <c:pt idx="2">
+                  <c:v>36.0</c:v>
+                </c:pt>
+                <c:pt idx="3">
+                  <c:v>82.0</c:v>
+                </c:pt>
+                <c:pt idx="4">
+                  <c:v>160.0</c:v>
+                </c:pt>
+              </c:numCache>
+            </c:numRef>
+          </c:yVal>
+          <c:smooth val="0"/>
+        </c:ser>
+        <c:dLbls>
+          <c:showLegendKey val="0"/>
+          <c:showVal val="0"/>
+          <c:showCatName val="0"/>
+          <c:showSerName val="0"/>
+          <c:showPercent val="0"/>
+          <c:showBubbleSize val="0"/>
+        </c:dLbls>
+        <c:axId val="-2035605472"/>
+        <c:axId val="-2035603152"/>
+      </c:scatterChart>
+      <c:valAx>
+        <c:axId val="-2035605472"/>
+        <c:scaling>
+          <c:orientation val="minMax"/>
+        </c:scaling>
+        <c:delete val="0"/>
+        <c:axPos val="b"/>
+        <c:majorTickMark val="none"/>
+        <c:minorTickMark val="none"/>
+        <c:tickLblPos val="nextTo"/>
+        <c:spPr>
+          <a:noFill/>
+          <a:ln w="9525" cap="flat" cmpd="sng" algn="ctr">
+            <a:solidFill>
+              <a:schemeClr val="tx1">
+                <a:lumMod val="15000"/>
+                <a:lumOff val="85000"/>
+              </a:schemeClr>
+            </a:solidFill>
+            <a:round/>
+          </a:ln>
+          <a:effectLst/>
+        </c:spPr>
+        <c:txPr>
+          <a:bodyPr rot="-60000000" spcFirstLastPara="1" vertOverflow="ellipsis" vert="horz" wrap="square" anchor="ctr" anchorCtr="1"/>
+          <a:lstStyle/>
+          <a:p>
+            <a:pPr>
+              <a:defRPr sz="900" b="0" i="0" u="none" strike="noStrike" kern="1200" baseline="0">
+                <a:solidFill>
+                  <a:schemeClr val="tx1">
+                    <a:lumMod val="65000"/>
+                    <a:lumOff val="35000"/>
+                  </a:schemeClr>
+                </a:solidFill>
+                <a:latin typeface="+mn-lt"/>
+                <a:ea typeface="+mn-ea"/>
+                <a:cs typeface="+mn-cs"/>
+              </a:defRPr>
+            </a:pPr>
+            <a:endParaRPr lang="en-US"/>
+          </a:p>
+        </c:txPr>
+        <c:crossAx val="-2035603152"/>
+        <c:crosses val="autoZero"/>
+        <c:crossBetween val="midCat"/>
+      </c:valAx>
+      <c:valAx>
+        <c:axId val="-2035603152"/>
+        <c:scaling>
+          <c:orientation val="minMax"/>
+        </c:scaling>
+        <c:delete val="0"/>
+        <c:axPos val="l"/>
+        <c:majorGridlines>
+          <c:spPr>
+            <a:ln w="9525" cap="flat" cmpd="sng" algn="ctr">
+              <a:solidFill>
+                <a:schemeClr val="tx1">
+                  <a:lumMod val="15000"/>
+                  <a:lumOff val="85000"/>
+                </a:schemeClr>
+              </a:solidFill>
+              <a:round/>
+            </a:ln>
+            <a:effectLst/>
+          </c:spPr>
+        </c:majorGridlines>
+        <c:title>
+          <c:tx>
+            <c:rich>
+              <a:bodyPr rot="-5400000" spcFirstLastPara="1" vertOverflow="ellipsis" vert="horz" wrap="square" anchor="ctr" anchorCtr="1"/>
+              <a:lstStyle/>
+              <a:p>
+                <a:pPr>
+                  <a:defRPr sz="1000" b="0" i="0" u="none" strike="noStrike" kern="1200" baseline="0">
+                    <a:solidFill>
+                      <a:schemeClr val="tx1">
+                        <a:lumMod val="65000"/>
+                        <a:lumOff val="35000"/>
+                      </a:schemeClr>
+                    </a:solidFill>
+                    <a:latin typeface="+mn-lt"/>
+                    <a:ea typeface="+mn-ea"/>
+                    <a:cs typeface="+mn-cs"/>
+                  </a:defRPr>
+                </a:pPr>
+                <a:r>
+                  <a:rPr lang="en-US"/>
+                  <a:t>Time (ms)</a:t>
+                </a:r>
+              </a:p>
+            </c:rich>
+          </c:tx>
+          <c:layout/>
+          <c:overlay val="0"/>
+          <c:spPr>
+            <a:noFill/>
+            <a:ln>
+              <a:noFill/>
+            </a:ln>
+            <a:effectLst/>
+          </c:spPr>
+          <c:txPr>
+            <a:bodyPr rot="-5400000" spcFirstLastPara="1" vertOverflow="ellipsis" vert="horz" wrap="square" anchor="ctr" anchorCtr="1"/>
+            <a:lstStyle/>
+            <a:p>
+              <a:pPr>
+                <a:defRPr sz="1000" b="0" i="0" u="none" strike="noStrike" kern="1200" baseline="0">
+                  <a:solidFill>
+                    <a:schemeClr val="tx1">
+                      <a:lumMod val="65000"/>
+                      <a:lumOff val="35000"/>
+                    </a:schemeClr>
+                  </a:solidFill>
+                  <a:latin typeface="+mn-lt"/>
+                  <a:ea typeface="+mn-ea"/>
+                  <a:cs typeface="+mn-cs"/>
+                </a:defRPr>
+              </a:pPr>
+              <a:endParaRPr lang="en-US"/>
+            </a:p>
+          </c:txPr>
+        </c:title>
+        <c:numFmt formatCode="General" sourceLinked="0"/>
+        <c:majorTickMark val="none"/>
+        <c:minorTickMark val="none"/>
+        <c:tickLblPos val="nextTo"/>
+        <c:spPr>
+          <a:noFill/>
+          <a:ln>
+            <a:noFill/>
+          </a:ln>
+          <a:effectLst/>
+        </c:spPr>
+        <c:txPr>
+          <a:bodyPr rot="-60000000" spcFirstLastPara="1" vertOverflow="ellipsis" vert="horz" wrap="square" anchor="ctr" anchorCtr="1"/>
+          <a:lstStyle/>
+          <a:p>
+            <a:pPr>
+              <a:defRPr sz="900" b="0" i="0" u="none" strike="noStrike" kern="1200" baseline="0">
+                <a:solidFill>
+                  <a:schemeClr val="tx1">
+                    <a:lumMod val="65000"/>
+                    <a:lumOff val="35000"/>
+                  </a:schemeClr>
+                </a:solidFill>
+                <a:latin typeface="+mn-lt"/>
+                <a:ea typeface="+mn-ea"/>
+                <a:cs typeface="+mn-cs"/>
+              </a:defRPr>
+            </a:pPr>
+            <a:endParaRPr lang="en-US"/>
+          </a:p>
+        </c:txPr>
+        <c:crossAx val="-2035605472"/>
+        <c:crosses val="autoZero"/>
+        <c:crossBetween val="midCat"/>
+      </c:valAx>
+      <c:spPr>
+        <a:noFill/>
+        <a:ln>
+          <a:noFill/>
+        </a:ln>
+        <a:effectLst/>
+      </c:spPr>
+    </c:plotArea>
+    <c:legend>
+      <c:legendPos val="b"/>
+      <c:legendEntry>
+        <c:idx val="1"/>
+        <c:delete val="1"/>
+      </c:legendEntry>
+      <c:layout/>
+      <c:overlay val="0"/>
+      <c:spPr>
+        <a:noFill/>
+        <a:ln>
+          <a:noFill/>
+        </a:ln>
+        <a:effectLst/>
+      </c:spPr>
+      <c:txPr>
+        <a:bodyPr rot="0" spcFirstLastPara="1" vertOverflow="ellipsis" vert="horz" wrap="square" anchor="ctr" anchorCtr="1"/>
+        <a:lstStyle/>
+        <a:p>
+          <a:pPr>
+            <a:defRPr sz="900" b="0" i="0" u="none" strike="noStrike" kern="1200" baseline="0">
+              <a:solidFill>
+                <a:schemeClr val="tx1">
+                  <a:lumMod val="65000"/>
+                  <a:lumOff val="35000"/>
+                </a:schemeClr>
+              </a:solidFill>
+              <a:latin typeface="+mn-lt"/>
+              <a:ea typeface="+mn-ea"/>
+              <a:cs typeface="+mn-cs"/>
+            </a:defRPr>
+          </a:pPr>
+          <a:endParaRPr lang="en-US"/>
+        </a:p>
+      </c:txPr>
+    </c:legend>
+    <c:plotVisOnly val="1"/>
+    <c:dispBlanksAs val="gap"/>
+    <c:showDLblsOverMax val="0"/>
+  </c:chart>
+  <c:spPr>
+    <a:noFill/>
+    <a:ln>
+      <a:noFill/>
+    </a:ln>
+    <a:effectLst/>
+  </c:spPr>
+  <c:txPr>
+    <a:bodyPr/>
+    <a:lstStyle/>
+    <a:p>
+      <a:pPr>
+        <a:defRPr/>
+      </a:pPr>
+      <a:endParaRPr lang="en-US"/>
+    </a:p>
+  </c:txPr>
+  <c:externalData r:id="rId3">
+    <c:autoUpdate val="0"/>
+  </c:externalData>
+</c:chartSpace>
+</file>
+
+<file path=ppt/charts/chart2.xml><?xml version="1.0" encoding="utf-8"?>
+<c:chartSpace xmlns:c="http://schemas.openxmlformats.org/drawingml/2006/chart" xmlns:a="http://schemas.openxmlformats.org/drawingml/2006/main" xmlns:r="http://schemas.openxmlformats.org/officeDocument/2006/relationships">
+  <c:date1904 val="0"/>
+  <c:lang val="en-US"/>
+  <c:roundedCorners val="0"/>
+  <mc:AlternateContent xmlns:mc="http://schemas.openxmlformats.org/markup-compatibility/2006">
+    <mc:Choice xmlns:c14="http://schemas.microsoft.com/office/drawing/2007/8/2/chart" Requires="c14">
+      <c14:style val="102"/>
+    </mc:Choice>
+    <mc:Fallback>
+      <c:style val="2"/>
+    </mc:Fallback>
+  </mc:AlternateContent>
+  <c:chart>
+    <c:title>
+      <c:tx>
+        <c:rich>
+          <a:bodyPr rot="0" spcFirstLastPara="1" vertOverflow="ellipsis" vert="horz" wrap="square" anchor="ctr" anchorCtr="1"/>
+          <a:lstStyle/>
+          <a:p>
+            <a:pPr>
+              <a:defRPr sz="1400" b="0" i="0" u="none" strike="noStrike" kern="1200" spc="0" baseline="0">
+                <a:solidFill>
+                  <a:schemeClr val="tx1">
+                    <a:lumMod val="65000"/>
+                    <a:lumOff val="35000"/>
+                  </a:schemeClr>
+                </a:solidFill>
+                <a:latin typeface="+mn-lt"/>
+                <a:ea typeface="+mn-ea"/>
+                <a:cs typeface="+mn-cs"/>
+              </a:defRPr>
+            </a:pPr>
+            <a:r>
+              <a:rPr lang="en-US"/>
+              <a:t>IntLinkedBag</a:t>
+            </a:r>
+          </a:p>
+        </c:rich>
+      </c:tx>
+      <c:layout/>
+      <c:overlay val="0"/>
+      <c:spPr>
+        <a:noFill/>
+        <a:ln>
+          <a:noFill/>
+        </a:ln>
+        <a:effectLst/>
+      </c:spPr>
+      <c:txPr>
+        <a:bodyPr rot="0" spcFirstLastPara="1" vertOverflow="ellipsis" vert="horz" wrap="square" anchor="ctr" anchorCtr="1"/>
+        <a:lstStyle/>
+        <a:p>
+          <a:pPr>
+            <a:defRPr sz="1400" b="0" i="0" u="none" strike="noStrike" kern="1200" spc="0" baseline="0">
+              <a:solidFill>
+                <a:schemeClr val="tx1">
+                  <a:lumMod val="65000"/>
+                  <a:lumOff val="35000"/>
+                </a:schemeClr>
+              </a:solidFill>
+              <a:latin typeface="+mn-lt"/>
+              <a:ea typeface="+mn-ea"/>
+              <a:cs typeface="+mn-cs"/>
+            </a:defRPr>
+          </a:pPr>
+          <a:endParaRPr lang="en-US"/>
+        </a:p>
+      </c:txPr>
+    </c:title>
+    <c:autoTitleDeleted val="0"/>
+    <c:plotArea>
+      <c:layout/>
+      <c:scatterChart>
+        <c:scatterStyle val="lineMarker"/>
+        <c:varyColors val="0"/>
+        <c:ser>
+          <c:idx val="2"/>
+          <c:order val="0"/>
+          <c:tx>
+            <c:strRef>
+              <c:f>Sheet1!$L$3</c:f>
+              <c:strCache>
+                <c:ptCount val="1"/>
+                <c:pt idx="0">
+                  <c:v>remove()</c:v>
+                </c:pt>
+              </c:strCache>
+            </c:strRef>
+          </c:tx>
+          <c:spPr>
+            <a:ln w="25400" cap="rnd">
+              <a:noFill/>
+              <a:round/>
+            </a:ln>
+            <a:effectLst/>
+          </c:spPr>
+          <c:marker>
+            <c:symbol val="circle"/>
+            <c:size val="5"/>
+            <c:spPr>
+              <a:solidFill>
+                <a:schemeClr val="accent3"/>
+              </a:solidFill>
+              <a:ln w="9525">
+                <a:solidFill>
+                  <a:schemeClr val="accent3"/>
+                </a:solidFill>
+              </a:ln>
+              <a:effectLst/>
+            </c:spPr>
+          </c:marker>
+          <c:trendline>
+            <c:spPr>
+              <a:ln w="19050" cap="rnd">
+                <a:solidFill>
+                  <a:schemeClr val="accent3"/>
+                </a:solidFill>
+                <a:prstDash val="sysDot"/>
+              </a:ln>
+              <a:effectLst/>
+            </c:spPr>
+            <c:trendlineType val="linear"/>
+            <c:dispRSqr val="0"/>
+            <c:dispEq val="0"/>
+          </c:trendline>
+          <c:yVal>
+            <c:numRef>
+              <c:f>Sheet1!$L$4:$L$8</c:f>
+              <c:numCache>
+                <c:formatCode>General</c:formatCode>
+                <c:ptCount val="5"/>
+                <c:pt idx="0">
+                  <c:v>1.0</c:v>
+                </c:pt>
+                <c:pt idx="1">
+                  <c:v>7.0</c:v>
+                </c:pt>
+                <c:pt idx="2">
+                  <c:v>30.0</c:v>
+                </c:pt>
+                <c:pt idx="3">
+                  <c:v>63.0</c:v>
+                </c:pt>
+                <c:pt idx="4">
+                  <c:v>130.0</c:v>
+                </c:pt>
+              </c:numCache>
+            </c:numRef>
+          </c:yVal>
+          <c:smooth val="0"/>
+        </c:ser>
+        <c:dLbls>
+          <c:showLegendKey val="0"/>
+          <c:showVal val="0"/>
+          <c:showCatName val="0"/>
+          <c:showSerName val="0"/>
+          <c:showPercent val="0"/>
+          <c:showBubbleSize val="0"/>
+        </c:dLbls>
+        <c:axId val="-2030879792"/>
+        <c:axId val="-2030877472"/>
+      </c:scatterChart>
+      <c:valAx>
+        <c:axId val="-2030879792"/>
+        <c:scaling>
+          <c:orientation val="minMax"/>
+        </c:scaling>
+        <c:delete val="0"/>
+        <c:axPos val="b"/>
+        <c:majorTickMark val="none"/>
+        <c:minorTickMark val="none"/>
+        <c:tickLblPos val="nextTo"/>
+        <c:spPr>
+          <a:noFill/>
+          <a:ln w="9525" cap="flat" cmpd="sng" algn="ctr">
+            <a:solidFill>
+              <a:schemeClr val="tx1">
+                <a:lumMod val="15000"/>
+                <a:lumOff val="85000"/>
+              </a:schemeClr>
+            </a:solidFill>
+            <a:round/>
+          </a:ln>
+          <a:effectLst/>
+        </c:spPr>
+        <c:txPr>
+          <a:bodyPr rot="-60000000" spcFirstLastPara="1" vertOverflow="ellipsis" vert="horz" wrap="square" anchor="ctr" anchorCtr="1"/>
+          <a:lstStyle/>
+          <a:p>
+            <a:pPr>
+              <a:defRPr sz="900" b="0" i="0" u="none" strike="noStrike" kern="1200" baseline="0">
+                <a:solidFill>
+                  <a:schemeClr val="tx1">
+                    <a:lumMod val="65000"/>
+                    <a:lumOff val="35000"/>
+                  </a:schemeClr>
+                </a:solidFill>
+                <a:latin typeface="+mn-lt"/>
+                <a:ea typeface="+mn-ea"/>
+                <a:cs typeface="+mn-cs"/>
+              </a:defRPr>
+            </a:pPr>
+            <a:endParaRPr lang="en-US"/>
+          </a:p>
+        </c:txPr>
+        <c:crossAx val="-2030877472"/>
+        <c:crosses val="autoZero"/>
+        <c:crossBetween val="midCat"/>
+      </c:valAx>
+      <c:valAx>
+        <c:axId val="-2030877472"/>
+        <c:scaling>
+          <c:orientation val="minMax"/>
+        </c:scaling>
+        <c:delete val="0"/>
+        <c:axPos val="l"/>
+        <c:majorGridlines>
+          <c:spPr>
+            <a:ln w="9525" cap="flat" cmpd="sng" algn="ctr">
+              <a:solidFill>
+                <a:schemeClr val="tx1">
+                  <a:lumMod val="15000"/>
+                  <a:lumOff val="85000"/>
+                </a:schemeClr>
+              </a:solidFill>
+              <a:round/>
+            </a:ln>
+            <a:effectLst/>
+          </c:spPr>
+        </c:majorGridlines>
+        <c:title>
+          <c:tx>
+            <c:rich>
+              <a:bodyPr rot="-5400000" spcFirstLastPara="1" vertOverflow="ellipsis" vert="horz" wrap="square" anchor="ctr" anchorCtr="1"/>
+              <a:lstStyle/>
+              <a:p>
+                <a:pPr>
+                  <a:defRPr sz="1000" b="0" i="0" u="none" strike="noStrike" kern="1200" baseline="0">
+                    <a:solidFill>
+                      <a:schemeClr val="tx1">
+                        <a:lumMod val="65000"/>
+                        <a:lumOff val="35000"/>
+                      </a:schemeClr>
+                    </a:solidFill>
+                    <a:latin typeface="+mn-lt"/>
+                    <a:ea typeface="+mn-ea"/>
+                    <a:cs typeface="+mn-cs"/>
+                  </a:defRPr>
+                </a:pPr>
+                <a:r>
+                  <a:rPr lang="en-US"/>
+                  <a:t>Time (ms)</a:t>
+                </a:r>
+              </a:p>
+            </c:rich>
+          </c:tx>
+          <c:layout/>
+          <c:overlay val="0"/>
+          <c:spPr>
+            <a:noFill/>
+            <a:ln>
+              <a:noFill/>
+            </a:ln>
+            <a:effectLst/>
+          </c:spPr>
+          <c:txPr>
+            <a:bodyPr rot="-5400000" spcFirstLastPara="1" vertOverflow="ellipsis" vert="horz" wrap="square" anchor="ctr" anchorCtr="1"/>
+            <a:lstStyle/>
+            <a:p>
+              <a:pPr>
+                <a:defRPr sz="1000" b="0" i="0" u="none" strike="noStrike" kern="1200" baseline="0">
+                  <a:solidFill>
+                    <a:schemeClr val="tx1">
+                      <a:lumMod val="65000"/>
+                      <a:lumOff val="35000"/>
+                    </a:schemeClr>
+                  </a:solidFill>
+                  <a:latin typeface="+mn-lt"/>
+                  <a:ea typeface="+mn-ea"/>
+                  <a:cs typeface="+mn-cs"/>
+                </a:defRPr>
+              </a:pPr>
+              <a:endParaRPr lang="en-US"/>
+            </a:p>
+          </c:txPr>
+        </c:title>
+        <c:numFmt formatCode="General" sourceLinked="0"/>
+        <c:majorTickMark val="none"/>
+        <c:minorTickMark val="none"/>
+        <c:tickLblPos val="nextTo"/>
+        <c:spPr>
+          <a:noFill/>
+          <a:ln>
+            <a:noFill/>
+          </a:ln>
+          <a:effectLst/>
+        </c:spPr>
+        <c:txPr>
+          <a:bodyPr rot="-60000000" spcFirstLastPara="1" vertOverflow="ellipsis" vert="horz" wrap="square" anchor="ctr" anchorCtr="1"/>
+          <a:lstStyle/>
+          <a:p>
+            <a:pPr>
+              <a:defRPr sz="900" b="0" i="0" u="none" strike="noStrike" kern="1200" baseline="0">
+                <a:solidFill>
+                  <a:schemeClr val="tx1">
+                    <a:lumMod val="65000"/>
+                    <a:lumOff val="35000"/>
+                  </a:schemeClr>
+                </a:solidFill>
+                <a:latin typeface="+mn-lt"/>
+                <a:ea typeface="+mn-ea"/>
+                <a:cs typeface="+mn-cs"/>
+              </a:defRPr>
+            </a:pPr>
+            <a:endParaRPr lang="en-US"/>
+          </a:p>
+        </c:txPr>
+        <c:crossAx val="-2030879792"/>
+        <c:crosses val="autoZero"/>
+        <c:crossBetween val="midCat"/>
+      </c:valAx>
+      <c:spPr>
+        <a:noFill/>
+        <a:ln>
+          <a:noFill/>
+        </a:ln>
+        <a:effectLst/>
+      </c:spPr>
+    </c:plotArea>
+    <c:legend>
+      <c:legendPos val="b"/>
+      <c:legendEntry>
+        <c:idx val="1"/>
+        <c:delete val="1"/>
+      </c:legendEntry>
+      <c:layout/>
+      <c:overlay val="0"/>
+      <c:spPr>
+        <a:noFill/>
+        <a:ln>
+          <a:noFill/>
+        </a:ln>
+        <a:effectLst/>
+      </c:spPr>
+      <c:txPr>
+        <a:bodyPr rot="0" spcFirstLastPara="1" vertOverflow="ellipsis" vert="horz" wrap="square" anchor="ctr" anchorCtr="1"/>
+        <a:lstStyle/>
+        <a:p>
+          <a:pPr>
+            <a:defRPr sz="900" b="0" i="0" u="none" strike="noStrike" kern="1200" baseline="0">
+              <a:solidFill>
+                <a:schemeClr val="tx1">
+                  <a:lumMod val="65000"/>
+                  <a:lumOff val="35000"/>
+                </a:schemeClr>
+              </a:solidFill>
+              <a:latin typeface="+mn-lt"/>
+              <a:ea typeface="+mn-ea"/>
+              <a:cs typeface="+mn-cs"/>
+            </a:defRPr>
+          </a:pPr>
+          <a:endParaRPr lang="en-US"/>
+        </a:p>
+      </c:txPr>
+    </c:legend>
+    <c:plotVisOnly val="1"/>
+    <c:dispBlanksAs val="gap"/>
+    <c:showDLblsOverMax val="0"/>
+  </c:chart>
+  <c:spPr>
+    <a:noFill/>
+    <a:ln>
+      <a:noFill/>
+    </a:ln>
+    <a:effectLst/>
+  </c:spPr>
+  <c:txPr>
+    <a:bodyPr/>
+    <a:lstStyle/>
+    <a:p>
+      <a:pPr>
+        <a:defRPr/>
+      </a:pPr>
+      <a:endParaRPr lang="en-US"/>
+    </a:p>
+  </c:txPr>
+  <c:externalData r:id="rId3">
+    <c:autoUpdate val="0"/>
+  </c:externalData>
+</c:chartSpace>
+</file>
+
+<file path=ppt/charts/chart3.xml><?xml version="1.0" encoding="utf-8"?>
+<c:chartSpace xmlns:c="http://schemas.openxmlformats.org/drawingml/2006/chart" xmlns:a="http://schemas.openxmlformats.org/drawingml/2006/main" xmlns:r="http://schemas.openxmlformats.org/officeDocument/2006/relationships">
+  <c:date1904 val="0"/>
+  <c:lang val="en-US"/>
+  <c:roundedCorners val="0"/>
+  <mc:AlternateContent xmlns:mc="http://schemas.openxmlformats.org/markup-compatibility/2006">
+    <mc:Choice xmlns:c14="http://schemas.microsoft.com/office/drawing/2007/8/2/chart" Requires="c14">
+      <c14:style val="102"/>
+    </mc:Choice>
+    <mc:Fallback>
+      <c:style val="2"/>
+    </mc:Fallback>
+  </mc:AlternateContent>
+  <c:chart>
+    <c:title>
+      <c:tx>
+        <c:rich>
+          <a:bodyPr rot="0" spcFirstLastPara="1" vertOverflow="ellipsis" vert="horz" wrap="square" anchor="ctr" anchorCtr="1"/>
+          <a:lstStyle/>
+          <a:p>
+            <a:pPr>
+              <a:defRPr sz="1400" b="0" i="0" u="none" strike="noStrike" kern="1200" spc="0" baseline="0">
+                <a:solidFill>
+                  <a:schemeClr val="tx1">
+                    <a:lumMod val="65000"/>
+                    <a:lumOff val="35000"/>
+                  </a:schemeClr>
+                </a:solidFill>
+                <a:latin typeface="+mn-lt"/>
+                <a:ea typeface="+mn-ea"/>
+                <a:cs typeface="+mn-cs"/>
+              </a:defRPr>
+            </a:pPr>
+            <a:r>
+              <a:rPr lang="en-US"/>
+              <a:t>IntLinkedBag</a:t>
+            </a:r>
+          </a:p>
+        </c:rich>
+      </c:tx>
+      <c:layout/>
+      <c:overlay val="0"/>
+      <c:spPr>
+        <a:noFill/>
+        <a:ln>
+          <a:noFill/>
+        </a:ln>
+        <a:effectLst/>
+      </c:spPr>
+      <c:txPr>
+        <a:bodyPr rot="0" spcFirstLastPara="1" vertOverflow="ellipsis" vert="horz" wrap="square" anchor="ctr" anchorCtr="1"/>
+        <a:lstStyle/>
+        <a:p>
+          <a:pPr>
+            <a:defRPr sz="1400" b="0" i="0" u="none" strike="noStrike" kern="1200" spc="0" baseline="0">
+              <a:solidFill>
+                <a:schemeClr val="tx1">
+                  <a:lumMod val="65000"/>
+                  <a:lumOff val="35000"/>
+                </a:schemeClr>
+              </a:solidFill>
+              <a:latin typeface="+mn-lt"/>
+              <a:ea typeface="+mn-ea"/>
+              <a:cs typeface="+mn-cs"/>
+            </a:defRPr>
+          </a:pPr>
+          <a:endParaRPr lang="en-US"/>
+        </a:p>
+      </c:txPr>
+    </c:title>
+    <c:autoTitleDeleted val="0"/>
+    <c:plotArea>
+      <c:layout/>
+      <c:scatterChart>
+        <c:scatterStyle val="lineMarker"/>
+        <c:varyColors val="0"/>
+        <c:ser>
+          <c:idx val="3"/>
+          <c:order val="0"/>
+          <c:tx>
+            <c:strRef>
+              <c:f>Sheet1!$M$3</c:f>
+              <c:strCache>
+                <c:ptCount val="1"/>
+                <c:pt idx="0">
+                  <c:v>addAll()</c:v>
+                </c:pt>
+              </c:strCache>
+            </c:strRef>
+          </c:tx>
+          <c:spPr>
+            <a:ln w="25400" cap="rnd">
+              <a:noFill/>
+              <a:round/>
+            </a:ln>
+            <a:effectLst/>
+          </c:spPr>
+          <c:marker>
+            <c:symbol val="circle"/>
+            <c:size val="5"/>
+            <c:spPr>
+              <a:solidFill>
+                <a:schemeClr val="accent4"/>
+              </a:solidFill>
+              <a:ln w="9525">
+                <a:solidFill>
+                  <a:schemeClr val="accent4"/>
+                </a:solidFill>
+              </a:ln>
+              <a:effectLst/>
+            </c:spPr>
+          </c:marker>
+          <c:trendline>
+            <c:spPr>
+              <a:ln w="19050" cap="rnd">
+                <a:solidFill>
+                  <a:schemeClr val="accent4"/>
+                </a:solidFill>
+                <a:prstDash val="sysDot"/>
+              </a:ln>
+              <a:effectLst/>
+            </c:spPr>
+            <c:trendlineType val="log"/>
+            <c:dispRSqr val="0"/>
+            <c:dispEq val="0"/>
+          </c:trendline>
+          <c:yVal>
+            <c:numRef>
+              <c:f>Sheet1!$M$4:$M$8</c:f>
+              <c:numCache>
+                <c:formatCode>General</c:formatCode>
+                <c:ptCount val="5"/>
+                <c:pt idx="0">
+                  <c:v>1.0</c:v>
+                </c:pt>
+                <c:pt idx="1">
+                  <c:v>1.0</c:v>
+                </c:pt>
+                <c:pt idx="2">
+                  <c:v>1.0</c:v>
+                </c:pt>
+                <c:pt idx="3">
+                  <c:v>1.0</c:v>
+                </c:pt>
+                <c:pt idx="4">
+                  <c:v>1.0</c:v>
+                </c:pt>
+              </c:numCache>
+            </c:numRef>
+          </c:yVal>
+          <c:smooth val="0"/>
+        </c:ser>
+        <c:dLbls>
+          <c:showLegendKey val="0"/>
+          <c:showVal val="0"/>
+          <c:showCatName val="0"/>
+          <c:showSerName val="0"/>
+          <c:showPercent val="0"/>
+          <c:showBubbleSize val="0"/>
+        </c:dLbls>
+        <c:axId val="-2032136016"/>
+        <c:axId val="-2114108288"/>
+      </c:scatterChart>
+      <c:valAx>
+        <c:axId val="-2032136016"/>
+        <c:scaling>
+          <c:orientation val="minMax"/>
+        </c:scaling>
+        <c:delete val="0"/>
+        <c:axPos val="b"/>
+        <c:majorTickMark val="none"/>
+        <c:minorTickMark val="none"/>
+        <c:tickLblPos val="nextTo"/>
+        <c:spPr>
+          <a:noFill/>
+          <a:ln w="9525" cap="flat" cmpd="sng" algn="ctr">
+            <a:solidFill>
+              <a:schemeClr val="tx1">
+                <a:lumMod val="15000"/>
+                <a:lumOff val="85000"/>
+              </a:schemeClr>
+            </a:solidFill>
+            <a:round/>
+          </a:ln>
+          <a:effectLst/>
+        </c:spPr>
+        <c:txPr>
+          <a:bodyPr rot="-60000000" spcFirstLastPara="1" vertOverflow="ellipsis" vert="horz" wrap="square" anchor="ctr" anchorCtr="1"/>
+          <a:lstStyle/>
+          <a:p>
+            <a:pPr>
+              <a:defRPr sz="900" b="0" i="0" u="none" strike="noStrike" kern="1200" baseline="0">
+                <a:solidFill>
+                  <a:schemeClr val="tx1">
+                    <a:lumMod val="65000"/>
+                    <a:lumOff val="35000"/>
+                  </a:schemeClr>
+                </a:solidFill>
+                <a:latin typeface="+mn-lt"/>
+                <a:ea typeface="+mn-ea"/>
+                <a:cs typeface="+mn-cs"/>
+              </a:defRPr>
+            </a:pPr>
+            <a:endParaRPr lang="en-US"/>
+          </a:p>
+        </c:txPr>
+        <c:crossAx val="-2114108288"/>
+        <c:crosses val="autoZero"/>
+        <c:crossBetween val="midCat"/>
+      </c:valAx>
+      <c:valAx>
+        <c:axId val="-2114108288"/>
+        <c:scaling>
+          <c:orientation val="minMax"/>
+        </c:scaling>
+        <c:delete val="0"/>
+        <c:axPos val="l"/>
+        <c:majorGridlines>
+          <c:spPr>
+            <a:ln w="9525" cap="flat" cmpd="sng" algn="ctr">
+              <a:solidFill>
+                <a:schemeClr val="tx1">
+                  <a:lumMod val="15000"/>
+                  <a:lumOff val="85000"/>
+                </a:schemeClr>
+              </a:solidFill>
+              <a:round/>
+            </a:ln>
+            <a:effectLst/>
+          </c:spPr>
+        </c:majorGridlines>
+        <c:title>
+          <c:tx>
+            <c:rich>
+              <a:bodyPr rot="-5400000" spcFirstLastPara="1" vertOverflow="ellipsis" vert="horz" wrap="square" anchor="ctr" anchorCtr="1"/>
+              <a:lstStyle/>
+              <a:p>
+                <a:pPr>
+                  <a:defRPr sz="1000" b="0" i="0" u="none" strike="noStrike" kern="1200" baseline="0">
+                    <a:solidFill>
+                      <a:schemeClr val="tx1">
+                        <a:lumMod val="65000"/>
+                        <a:lumOff val="35000"/>
+                      </a:schemeClr>
+                    </a:solidFill>
+                    <a:latin typeface="+mn-lt"/>
+                    <a:ea typeface="+mn-ea"/>
+                    <a:cs typeface="+mn-cs"/>
+                  </a:defRPr>
+                </a:pPr>
+                <a:r>
+                  <a:rPr lang="en-US"/>
+                  <a:t>Time (ms)</a:t>
+                </a:r>
+              </a:p>
+            </c:rich>
+          </c:tx>
+          <c:layout/>
+          <c:overlay val="0"/>
+          <c:spPr>
+            <a:noFill/>
+            <a:ln>
+              <a:noFill/>
+            </a:ln>
+            <a:effectLst/>
+          </c:spPr>
+          <c:txPr>
+            <a:bodyPr rot="-5400000" spcFirstLastPara="1" vertOverflow="ellipsis" vert="horz" wrap="square" anchor="ctr" anchorCtr="1"/>
+            <a:lstStyle/>
+            <a:p>
+              <a:pPr>
+                <a:defRPr sz="1000" b="0" i="0" u="none" strike="noStrike" kern="1200" baseline="0">
+                  <a:solidFill>
+                    <a:schemeClr val="tx1">
+                      <a:lumMod val="65000"/>
+                      <a:lumOff val="35000"/>
+                    </a:schemeClr>
+                  </a:solidFill>
+                  <a:latin typeface="+mn-lt"/>
+                  <a:ea typeface="+mn-ea"/>
+                  <a:cs typeface="+mn-cs"/>
+                </a:defRPr>
+              </a:pPr>
+              <a:endParaRPr lang="en-US"/>
+            </a:p>
+          </c:txPr>
+        </c:title>
+        <c:majorTickMark val="none"/>
+        <c:minorTickMark val="none"/>
+        <c:tickLblPos val="nextTo"/>
+        <c:spPr>
+          <a:noFill/>
+          <a:ln>
+            <a:noFill/>
+          </a:ln>
+          <a:effectLst/>
+        </c:spPr>
+        <c:txPr>
+          <a:bodyPr rot="-60000000" spcFirstLastPara="1" vertOverflow="ellipsis" vert="horz" wrap="square" anchor="ctr" anchorCtr="1"/>
+          <a:lstStyle/>
+          <a:p>
+            <a:pPr>
+              <a:defRPr sz="900" b="0" i="0" u="none" strike="noStrike" kern="1200" baseline="0">
+                <a:solidFill>
+                  <a:schemeClr val="tx1">
+                    <a:lumMod val="65000"/>
+                    <a:lumOff val="35000"/>
+                  </a:schemeClr>
+                </a:solidFill>
+                <a:latin typeface="+mn-lt"/>
+                <a:ea typeface="+mn-ea"/>
+                <a:cs typeface="+mn-cs"/>
+              </a:defRPr>
+            </a:pPr>
+            <a:endParaRPr lang="en-US"/>
+          </a:p>
+        </c:txPr>
+        <c:crossAx val="-2032136016"/>
+        <c:crosses val="autoZero"/>
+        <c:crossBetween val="midCat"/>
+      </c:valAx>
+      <c:spPr>
+        <a:noFill/>
+        <a:ln>
+          <a:noFill/>
+        </a:ln>
+        <a:effectLst/>
+      </c:spPr>
+    </c:plotArea>
+    <c:legend>
+      <c:legendPos val="b"/>
+      <c:legendEntry>
+        <c:idx val="1"/>
+        <c:delete val="1"/>
+      </c:legendEntry>
+      <c:layout/>
+      <c:overlay val="0"/>
+      <c:spPr>
+        <a:noFill/>
+        <a:ln>
+          <a:noFill/>
+        </a:ln>
+        <a:effectLst/>
+      </c:spPr>
+      <c:txPr>
+        <a:bodyPr rot="0" spcFirstLastPara="1" vertOverflow="ellipsis" vert="horz" wrap="square" anchor="ctr" anchorCtr="1"/>
+        <a:lstStyle/>
+        <a:p>
+          <a:pPr>
+            <a:defRPr sz="900" b="0" i="0" u="none" strike="noStrike" kern="1200" baseline="0">
+              <a:solidFill>
+                <a:schemeClr val="tx1">
+                  <a:lumMod val="65000"/>
+                  <a:lumOff val="35000"/>
+                </a:schemeClr>
+              </a:solidFill>
+              <a:latin typeface="+mn-lt"/>
+              <a:ea typeface="+mn-ea"/>
+              <a:cs typeface="+mn-cs"/>
+            </a:defRPr>
+          </a:pPr>
+          <a:endParaRPr lang="en-US"/>
+        </a:p>
+      </c:txPr>
+    </c:legend>
+    <c:plotVisOnly val="1"/>
+    <c:dispBlanksAs val="gap"/>
+    <c:showDLblsOverMax val="0"/>
+  </c:chart>
+  <c:spPr>
+    <a:noFill/>
+    <a:ln>
+      <a:noFill/>
+    </a:ln>
+    <a:effectLst/>
+  </c:spPr>
+  <c:txPr>
+    <a:bodyPr/>
+    <a:lstStyle/>
+    <a:p>
+      <a:pPr>
+        <a:defRPr/>
+      </a:pPr>
+      <a:endParaRPr lang="en-US"/>
+    </a:p>
+  </c:txPr>
+  <c:externalData r:id="rId3">
+    <c:autoUpdate val="0"/>
+  </c:externalData>
+</c:chartSpace>
+</file>
+
+<file path=ppt/charts/colors1.xml><?xml version="1.0" encoding="utf-8"?>
+<cs:colorStyle xmlns:cs="http://schemas.microsoft.com/office/drawing/2012/chartStyle" xmlns:a="http://schemas.openxmlformats.org/drawingml/2006/main" meth="cycle" id="10">
+  <a:schemeClr val="accent1"/>
+  <a:schemeClr val="accent2"/>
+  <a:schemeClr val="accent3"/>
+  <a:schemeClr val="accent4"/>
+  <a:schemeClr val="accent5"/>
+  <a:schemeClr val="accent6"/>
+  <cs:variation/>
+  <cs:variation>
+    <a:lumMod val="60000"/>
+  </cs:variation>
+  <cs:variation>
+    <a:lumMod val="80000"/>
+    <a:lumOff val="20000"/>
+  </cs:variation>
+  <cs:variation>
+    <a:lumMod val="80000"/>
+  </cs:variation>
+  <cs:variation>
+    <a:lumMod val="60000"/>
+    <a:lumOff val="40000"/>
+  </cs:variation>
+  <cs:variation>
+    <a:lumMod val="50000"/>
+  </cs:variation>
+  <cs:variation>
+    <a:lumMod val="70000"/>
+    <a:lumOff val="30000"/>
+  </cs:variation>
+  <cs:variation>
+    <a:lumMod val="70000"/>
+  </cs:variation>
+  <cs:variation>
+    <a:lumMod val="50000"/>
+    <a:lumOff val="50000"/>
+  </cs:variation>
+</cs:colorStyle>
+</file>
+
+<file path=ppt/charts/colors2.xml><?xml version="1.0" encoding="utf-8"?>
+<cs:colorStyle xmlns:cs="http://schemas.microsoft.com/office/drawing/2012/chartStyle" xmlns:a="http://schemas.openxmlformats.org/drawingml/2006/main" meth="cycle" id="10">
+  <a:schemeClr val="accent1"/>
+  <a:schemeClr val="accent2"/>
+  <a:schemeClr val="accent3"/>
+  <a:schemeClr val="accent4"/>
+  <a:schemeClr val="accent5"/>
+  <a:schemeClr val="accent6"/>
+  <cs:variation/>
+  <cs:variation>
+    <a:lumMod val="60000"/>
+  </cs:variation>
+  <cs:variation>
+    <a:lumMod val="80000"/>
+    <a:lumOff val="20000"/>
+  </cs:variation>
+  <cs:variation>
+    <a:lumMod val="80000"/>
+  </cs:variation>
+  <cs:variation>
+    <a:lumMod val="60000"/>
+    <a:lumOff val="40000"/>
+  </cs:variation>
+  <cs:variation>
+    <a:lumMod val="50000"/>
+  </cs:variation>
+  <cs:variation>
+    <a:lumMod val="70000"/>
+    <a:lumOff val="30000"/>
+  </cs:variation>
+  <cs:variation>
+    <a:lumMod val="70000"/>
+  </cs:variation>
+  <cs:variation>
+    <a:lumMod val="50000"/>
+    <a:lumOff val="50000"/>
+  </cs:variation>
+</cs:colorStyle>
+</file>
+
+<file path=ppt/charts/colors3.xml><?xml version="1.0" encoding="utf-8"?>
+<cs:colorStyle xmlns:cs="http://schemas.microsoft.com/office/drawing/2012/chartStyle" xmlns:a="http://schemas.openxmlformats.org/drawingml/2006/main" meth="cycle" id="10">
+  <a:schemeClr val="accent1"/>
+  <a:schemeClr val="accent2"/>
+  <a:schemeClr val="accent3"/>
+  <a:schemeClr val="accent4"/>
+  <a:schemeClr val="accent5"/>
+  <a:schemeClr val="accent6"/>
+  <cs:variation/>
+  <cs:variation>
+    <a:lumMod val="60000"/>
+  </cs:variation>
+  <cs:variation>
+    <a:lumMod val="80000"/>
+    <a:lumOff val="20000"/>
+  </cs:variation>
+  <cs:variation>
+    <a:lumMod val="80000"/>
+  </cs:variation>
+  <cs:variation>
+    <a:lumMod val="60000"/>
+    <a:lumOff val="40000"/>
+  </cs:variation>
+  <cs:variation>
+    <a:lumMod val="50000"/>
+  </cs:variation>
+  <cs:variation>
+    <a:lumMod val="70000"/>
+    <a:lumOff val="30000"/>
+  </cs:variation>
+  <cs:variation>
+    <a:lumMod val="70000"/>
+  </cs:variation>
+  <cs:variation>
+    <a:lumMod val="50000"/>
+    <a:lumOff val="50000"/>
+  </cs:variation>
+</cs:colorStyle>
+</file>
+
+<file path=ppt/charts/style1.xml><?xml version="1.0" encoding="utf-8"?>
+<cs:chartStyle xmlns:cs="http://schemas.microsoft.com/office/drawing/2012/chartStyle" xmlns:a="http://schemas.openxmlformats.org/drawingml/2006/main" id="332">
+  <cs:axisTitle>
+    <cs:lnRef idx="0"/>
+    <cs:fillRef idx="0"/>
+    <cs:effectRef idx="0"/>
+    <cs:fontRef idx="minor">
+      <a:schemeClr val="tx1">
+        <a:lumMod val="65000"/>
+        <a:lumOff val="35000"/>
+      </a:schemeClr>
+    </cs:fontRef>
+    <cs:defRPr sz="1000" kern="1200"/>
+  </cs:axisTitle>
+  <cs:categoryAxis>
+    <cs:lnRef idx="0"/>
+    <cs:fillRef idx="0"/>
+    <cs:effectRef idx="0"/>
+    <cs:fontRef idx="minor">
+      <a:schemeClr val="tx1">
+        <a:lumMod val="65000"/>
+        <a:lumOff val="35000"/>
+      </a:schemeClr>
+    </cs:fontRef>
+    <cs:spPr>
+      <a:ln w="9525" cap="flat" cmpd="sng" algn="ctr">
+        <a:solidFill>
+          <a:schemeClr val="tx1">
+            <a:lumMod val="15000"/>
+            <a:lumOff val="85000"/>
+          </a:schemeClr>
+        </a:solidFill>
+        <a:round/>
+      </a:ln>
+    </cs:spPr>
+    <cs:defRPr sz="900" kern="1200"/>
+  </cs:categoryAxis>
+  <cs:chartArea mods="allowNoFillOverride allowNoLineOverride">
+    <cs:lnRef idx="0"/>
+    <cs:fillRef idx="0"/>
+    <cs:effectRef idx="0"/>
+    <cs:fontRef idx="minor">
+      <a:schemeClr val="tx1"/>
+    </cs:fontRef>
+    <cs:spPr>
+      <a:solidFill>
+        <a:schemeClr val="bg1"/>
+      </a:solidFill>
+      <a:ln w="9525" cap="flat" cmpd="sng" algn="ctr">
+        <a:solidFill>
+          <a:schemeClr val="tx1">
+            <a:lumMod val="15000"/>
+            <a:lumOff val="85000"/>
+          </a:schemeClr>
+        </a:solidFill>
+        <a:round/>
+      </a:ln>
+    </cs:spPr>
+    <cs:defRPr sz="1000" kern="1200"/>
+  </cs:chartArea>
+  <cs:dataLabel>
+    <cs:lnRef idx="0"/>
+    <cs:fillRef idx="0"/>
+    <cs:effectRef idx="0"/>
+    <cs:fontRef idx="minor">
+      <a:schemeClr val="tx1">
+        <a:lumMod val="75000"/>
+        <a:lumOff val="25000"/>
+      </a:schemeClr>
+    </cs:fontRef>
+    <cs:defRPr sz="900" kern="1200"/>
+  </cs:dataLabel>
+  <cs:dataLabelCallout>
+    <cs:lnRef idx="0"/>
+    <cs:fillRef idx="0"/>
+    <cs:effectRef idx="0"/>
+    <cs:fontRef idx="minor">
+      <a:schemeClr val="dk1">
+        <a:lumMod val="65000"/>
+        <a:lumOff val="35000"/>
+      </a:schemeClr>
+    </cs:fontRef>
+    <cs:spPr>
+      <a:solidFill>
+        <a:schemeClr val="lt1"/>
+      </a:solidFill>
+      <a:ln>
+        <a:solidFill>
+          <a:schemeClr val="dk1">
+            <a:lumMod val="25000"/>
+            <a:lumOff val="75000"/>
+          </a:schemeClr>
+        </a:solidFill>
+      </a:ln>
+    </cs:spPr>
+    <cs:defRPr sz="900" kern="1200"/>
+    <cs:bodyPr rot="0" spcFirstLastPara="1" vertOverflow="clip" horzOverflow="clip" vert="horz" wrap="square" lIns="36576" tIns="18288" rIns="36576" bIns="18288" anchor="ctr" anchorCtr="1">
+      <a:spAutoFit/>
+    </cs:bodyPr>
+  </cs:dataLabelCallout>
+  <cs:dataPoint>
+    <cs:lnRef idx="0"/>
+    <cs:fillRef idx="1">
+      <cs:styleClr val="auto"/>
+    </cs:fillRef>
+    <cs:effectRef idx="0"/>
+    <cs:fontRef idx="minor">
+      <a:schemeClr val="tx1"/>
+    </cs:fontRef>
+  </cs:dataPoint>
+  <cs:dataPoint3D>
+    <cs:lnRef idx="0"/>
+    <cs:fillRef idx="1">
+      <cs:styleClr val="auto"/>
+    </cs:fillRef>
+    <cs:effectRef idx="0"/>
+    <cs:fontRef idx="minor">
+      <a:schemeClr val="tx1"/>
+    </cs:fontRef>
+  </cs:dataPoint3D>
+  <cs:dataPointLine>
+    <cs:lnRef idx="0">
+      <cs:styleClr val="auto"/>
+    </cs:lnRef>
+    <cs:fillRef idx="1"/>
+    <cs:effectRef idx="0"/>
+    <cs:fontRef idx="minor">
+      <a:schemeClr val="tx1"/>
+    </cs:fontRef>
+    <cs:spPr>
+      <a:ln w="28575" cap="rnd">
+        <a:solidFill>
+          <a:schemeClr val="phClr"/>
+        </a:solidFill>
+        <a:round/>
+      </a:ln>
+    </cs:spPr>
+  </cs:dataPointLine>
+  <cs:dataPointMarker>
+    <cs:lnRef idx="0">
+      <cs:styleClr val="auto"/>
+    </cs:lnRef>
+    <cs:fillRef idx="1">
+      <cs:styleClr val="auto"/>
+    </cs:fillRef>
+    <cs:effectRef idx="0"/>
+    <cs:fontRef idx="minor">
+      <a:schemeClr val="tx1"/>
+    </cs:fontRef>
+    <cs:spPr>
+      <a:ln w="9525">
+        <a:solidFill>
+          <a:schemeClr val="phClr"/>
+        </a:solidFill>
+      </a:ln>
+    </cs:spPr>
+  </cs:dataPointMarker>
+  <cs:dataPointMarkerLayout symbol="circle" size="5"/>
+  <cs:dataPointWireframe>
+    <cs:lnRef idx="0">
+      <cs:styleClr val="auto"/>
+    </cs:lnRef>
+    <cs:fillRef idx="1"/>
+    <cs:effectRef idx="0"/>
+    <cs:fontRef idx="minor">
+      <a:schemeClr val="tx1"/>
+    </cs:fontRef>
+    <cs:spPr>
+      <a:ln w="9525" cap="rnd">
+        <a:solidFill>
+          <a:schemeClr val="phClr"/>
+        </a:solidFill>
+        <a:round/>
+      </a:ln>
+    </cs:spPr>
+  </cs:dataPointWireframe>
+  <cs:dataTable>
+    <cs:lnRef idx="0"/>
+    <cs:fillRef idx="0"/>
+    <cs:effectRef idx="0"/>
+    <cs:fontRef idx="minor">
+      <a:schemeClr val="tx1">
+        <a:lumMod val="65000"/>
+        <a:lumOff val="35000"/>
+      </a:schemeClr>
+    </cs:fontRef>
+    <cs:spPr>
+      <a:noFill/>
+      <a:ln w="9525" cap="flat" cmpd="sng" algn="ctr">
+        <a:solidFill>
+          <a:schemeClr val="tx1">
+            <a:lumMod val="15000"/>
+            <a:lumOff val="85000"/>
+          </a:schemeClr>
+        </a:solidFill>
+        <a:round/>
+      </a:ln>
+    </cs:spPr>
+    <cs:defRPr sz="900" kern="1200"/>
+  </cs:dataTable>
+  <cs:downBar>
+    <cs:lnRef idx="0"/>
+    <cs:fillRef idx="0"/>
+    <cs:effectRef idx="0"/>
+    <cs:fontRef idx="minor">
+      <a:schemeClr val="dk1"/>
+    </cs:fontRef>
+    <cs:spPr>
+      <a:solidFill>
+        <a:schemeClr val="dk1">
+          <a:lumMod val="65000"/>
+          <a:lumOff val="35000"/>
+        </a:schemeClr>
+      </a:solidFill>
+      <a:ln w="9525">
+        <a:solidFill>
+          <a:schemeClr val="tx1">
+            <a:lumMod val="65000"/>
+            <a:lumOff val="35000"/>
+          </a:schemeClr>
+        </a:solidFill>
+      </a:ln>
+    </cs:spPr>
+  </cs:downBar>
+  <cs:dropLine>
+    <cs:lnRef idx="0"/>
+    <cs:fillRef idx="0"/>
+    <cs:effectRef idx="0"/>
+    <cs:fontRef idx="minor">
+      <a:schemeClr val="tx1"/>
+    </cs:fontRef>
+    <cs:spPr>
+      <a:ln w="9525" cap="flat" cmpd="sng" algn="ctr">
+        <a:solidFill>
+          <a:schemeClr val="tx1">
+            <a:lumMod val="35000"/>
+            <a:lumOff val="65000"/>
+          </a:schemeClr>
+        </a:solidFill>
+        <a:round/>
+      </a:ln>
+    </cs:spPr>
+  </cs:dropLine>
+  <cs:errorBar>
+    <cs:lnRef idx="0"/>
+    <cs:fillRef idx="0"/>
+    <cs:effectRef idx="0"/>
+    <cs:fontRef idx="minor">
+      <a:schemeClr val="tx1"/>
+    </cs:fontRef>
+    <cs:spPr>
+      <a:ln w="9525" cap="flat" cmpd="sng" algn="ctr">
+        <a:solidFill>
+          <a:schemeClr val="tx1">
+            <a:lumMod val="65000"/>
+            <a:lumOff val="35000"/>
+          </a:schemeClr>
+        </a:solidFill>
+        <a:round/>
+      </a:ln>
+    </cs:spPr>
+  </cs:errorBar>
+  <cs:floor>
+    <cs:lnRef idx="0"/>
+    <cs:fillRef idx="0"/>
+    <cs:effectRef idx="0"/>
+    <cs:fontRef idx="minor">
+      <a:schemeClr val="tx1"/>
+    </cs:fontRef>
+    <cs:spPr>
+      <a:noFill/>
+      <a:ln>
+        <a:noFill/>
+      </a:ln>
+    </cs:spPr>
+  </cs:floor>
+  <cs:gridlineMajor>
+    <cs:lnRef idx="0"/>
+    <cs:fillRef idx="0"/>
+    <cs:effectRef idx="0"/>
+    <cs:fontRef idx="minor">
+      <a:schemeClr val="tx1"/>
+    </cs:fontRef>
+    <cs:spPr>
+      <a:ln w="9525" cap="flat" cmpd="sng" algn="ctr">
+        <a:solidFill>
+          <a:schemeClr val="tx1">
+            <a:lumMod val="15000"/>
+            <a:lumOff val="85000"/>
+          </a:schemeClr>
+        </a:solidFill>
+        <a:round/>
+      </a:ln>
+    </cs:spPr>
+  </cs:gridlineMajor>
+  <cs:gridlineMinor>
+    <cs:lnRef idx="0"/>
+    <cs:fillRef idx="0"/>
+    <cs:effectRef idx="0"/>
+    <cs:fontRef idx="minor">
+      <a:schemeClr val="tx1"/>
+    </cs:fontRef>
+    <cs:spPr>
+      <a:ln w="9525" cap="flat" cmpd="sng" algn="ctr">
+        <a:solidFill>
+          <a:schemeClr val="tx1">
+            <a:lumMod val="5000"/>
+            <a:lumOff val="95000"/>
+          </a:schemeClr>
+        </a:solidFill>
+        <a:round/>
+      </a:ln>
+    </cs:spPr>
+  </cs:gridlineMinor>
+  <cs:hiLoLine>
+    <cs:lnRef idx="0"/>
+    <cs:fillRef idx="0"/>
+    <cs:effectRef idx="0"/>
+    <cs:fontRef idx="minor">
+      <a:schemeClr val="tx1"/>
+    </cs:fontRef>
+    <cs:spPr>
+      <a:ln w="9525" cap="flat" cmpd="sng" algn="ctr">
+        <a:solidFill>
+          <a:schemeClr val="tx1">
+            <a:lumMod val="75000"/>
+            <a:lumOff val="25000"/>
+          </a:schemeClr>
+        </a:solidFill>
+        <a:round/>
+      </a:ln>
+    </cs:spPr>
+  </cs:hiLoLine>
+  <cs:leaderLine>
+    <cs:lnRef idx="0"/>
+    <cs:fillRef idx="0"/>
+    <cs:effectRef idx="0"/>
+    <cs:fontRef idx="minor">
+      <a:schemeClr val="tx1"/>
+    </cs:fontRef>
+    <cs:spPr>
+      <a:ln w="9525" cap="flat" cmpd="sng" algn="ctr">
+        <a:solidFill>
+          <a:schemeClr val="tx1">
+            <a:lumMod val="35000"/>
+            <a:lumOff val="65000"/>
+          </a:schemeClr>
+        </a:solidFill>
+        <a:round/>
+      </a:ln>
+    </cs:spPr>
+  </cs:leaderLine>
+  <cs:legend>
+    <cs:lnRef idx="0"/>
+    <cs:fillRef idx="0"/>
+    <cs:effectRef idx="0"/>
+    <cs:fontRef idx="minor">
+      <a:schemeClr val="tx1">
+        <a:lumMod val="65000"/>
+        <a:lumOff val="35000"/>
+      </a:schemeClr>
+    </cs:fontRef>
+    <cs:defRPr sz="900" kern="1200"/>
+  </cs:legend>
+  <cs:plotArea mods="allowNoFillOverride allowNoLineOverride">
+    <cs:lnRef idx="0"/>
+    <cs:fillRef idx="0"/>
+    <cs:effectRef idx="0"/>
+    <cs:fontRef idx="minor">
+      <a:schemeClr val="tx1"/>
+    </cs:fontRef>
+  </cs:plotArea>
+  <cs:plotArea3D mods="allowNoFillOverride allowNoLineOverride">
+    <cs:lnRef idx="0"/>
+    <cs:fillRef idx="0"/>
+    <cs:effectRef idx="0"/>
+    <cs:fontRef idx="minor">
+      <a:schemeClr val="tx1"/>
+    </cs:fontRef>
+  </cs:plotArea3D>
+  <cs:seriesAxis>
+    <cs:lnRef idx="0"/>
+    <cs:fillRef idx="0"/>
+    <cs:effectRef idx="0"/>
+    <cs:fontRef idx="minor">
+      <a:schemeClr val="tx1">
+        <a:lumMod val="65000"/>
+        <a:lumOff val="35000"/>
+      </a:schemeClr>
+    </cs:fontRef>
+    <cs:defRPr sz="900" kern="1200"/>
+  </cs:seriesAxis>
+  <cs:seriesLine>
+    <cs:lnRef idx="0"/>
+    <cs:fillRef idx="0"/>
+    <cs:effectRef idx="0"/>
+    <cs:fontRef idx="minor">
+      <a:schemeClr val="tx1"/>
+    </cs:fontRef>
+    <cs:spPr>
+      <a:ln w="9525" cap="flat" cmpd="sng" algn="ctr">
+        <a:solidFill>
+          <a:schemeClr val="tx1">
+            <a:lumMod val="35000"/>
+            <a:lumOff val="65000"/>
+          </a:schemeClr>
+        </a:solidFill>
+        <a:round/>
+      </a:ln>
+    </cs:spPr>
+  </cs:seriesLine>
+  <cs:title>
+    <cs:lnRef idx="0"/>
+    <cs:fillRef idx="0"/>
+    <cs:effectRef idx="0"/>
+    <cs:fontRef idx="minor">
+      <a:schemeClr val="tx1">
+        <a:lumMod val="65000"/>
+        <a:lumOff val="35000"/>
+      </a:schemeClr>
+    </cs:fontRef>
+    <cs:defRPr sz="1400" b="0" kern="1200" spc="0" baseline="0"/>
+  </cs:title>
+  <cs:trendline>
+    <cs:lnRef idx="0">
+      <cs:styleClr val="auto"/>
+    </cs:lnRef>
+    <cs:fillRef idx="0"/>
+    <cs:effectRef idx="0"/>
+    <cs:fontRef idx="minor">
+      <a:schemeClr val="tx1"/>
+    </cs:fontRef>
+    <cs:spPr>
+      <a:ln w="19050" cap="rnd">
+        <a:solidFill>
+          <a:schemeClr val="phClr"/>
+        </a:solidFill>
+        <a:prstDash val="sysDot"/>
+      </a:ln>
+    </cs:spPr>
+  </cs:trendline>
+  <cs:trendlineLabel>
+    <cs:lnRef idx="0"/>
+    <cs:fillRef idx="0"/>
+    <cs:effectRef idx="0"/>
+    <cs:fontRef idx="minor">
+      <a:schemeClr val="tx1">
+        <a:lumMod val="65000"/>
+        <a:lumOff val="35000"/>
+      </a:schemeClr>
+    </cs:fontRef>
+    <cs:defRPr sz="900" kern="1200"/>
+  </cs:trendlineLabel>
+  <cs:upBar>
+    <cs:lnRef idx="0"/>
+    <cs:fillRef idx="0"/>
+    <cs:effectRef idx="0"/>
+    <cs:fontRef idx="minor">
+      <a:schemeClr val="dk1"/>
+    </cs:fontRef>
+    <cs:spPr>
+      <a:solidFill>
+        <a:schemeClr val="lt1"/>
+      </a:solidFill>
+      <a:ln w="9525">
+        <a:solidFill>
+          <a:schemeClr val="tx1">
+            <a:lumMod val="15000"/>
+            <a:lumOff val="85000"/>
+          </a:schemeClr>
+        </a:solidFill>
+      </a:ln>
+    </cs:spPr>
+  </cs:upBar>
+  <cs:valueAxis>
+    <cs:lnRef idx="0"/>
+    <cs:fillRef idx="0"/>
+    <cs:effectRef idx="0"/>
+    <cs:fontRef idx="minor">
+      <a:schemeClr val="tx1">
+        <a:lumMod val="65000"/>
+        <a:lumOff val="35000"/>
+      </a:schemeClr>
+    </cs:fontRef>
+    <cs:defRPr sz="900" kern="1200"/>
+  </cs:valueAxis>
+  <cs:wall>
+    <cs:lnRef idx="0"/>
+    <cs:fillRef idx="0"/>
+    <cs:effectRef idx="0"/>
+    <cs:fontRef idx="minor">
+      <a:schemeClr val="tx1"/>
+    </cs:fontRef>
+    <cs:spPr>
+      <a:noFill/>
+      <a:ln>
+        <a:noFill/>
+      </a:ln>
+    </cs:spPr>
+  </cs:wall>
+</cs:chartStyle>
+</file>
+
+<file path=ppt/charts/style2.xml><?xml version="1.0" encoding="utf-8"?>
+<cs:chartStyle xmlns:cs="http://schemas.microsoft.com/office/drawing/2012/chartStyle" xmlns:a="http://schemas.openxmlformats.org/drawingml/2006/main" id="332">
+  <cs:axisTitle>
+    <cs:lnRef idx="0"/>
+    <cs:fillRef idx="0"/>
+    <cs:effectRef idx="0"/>
+    <cs:fontRef idx="minor">
+      <a:schemeClr val="tx1">
+        <a:lumMod val="65000"/>
+        <a:lumOff val="35000"/>
+      </a:schemeClr>
+    </cs:fontRef>
+    <cs:defRPr sz="1000" kern="1200"/>
+  </cs:axisTitle>
+  <cs:categoryAxis>
+    <cs:lnRef idx="0"/>
+    <cs:fillRef idx="0"/>
+    <cs:effectRef idx="0"/>
+    <cs:fontRef idx="minor">
+      <a:schemeClr val="tx1">
+        <a:lumMod val="65000"/>
+        <a:lumOff val="35000"/>
+      </a:schemeClr>
+    </cs:fontRef>
+    <cs:spPr>
+      <a:ln w="9525" cap="flat" cmpd="sng" algn="ctr">
+        <a:solidFill>
+          <a:schemeClr val="tx1">
+            <a:lumMod val="15000"/>
+            <a:lumOff val="85000"/>
+          </a:schemeClr>
+        </a:solidFill>
+        <a:round/>
+      </a:ln>
+    </cs:spPr>
+    <cs:defRPr sz="900" kern="1200"/>
+  </cs:categoryAxis>
+  <cs:chartArea mods="allowNoFillOverride allowNoLineOverride">
+    <cs:lnRef idx="0"/>
+    <cs:fillRef idx="0"/>
+    <cs:effectRef idx="0"/>
+    <cs:fontRef idx="minor">
+      <a:schemeClr val="tx1"/>
+    </cs:fontRef>
+    <cs:spPr>
+      <a:solidFill>
+        <a:schemeClr val="bg1"/>
+      </a:solidFill>
+      <a:ln w="9525" cap="flat" cmpd="sng" algn="ctr">
+        <a:solidFill>
+          <a:schemeClr val="tx1">
+            <a:lumMod val="15000"/>
+            <a:lumOff val="85000"/>
+          </a:schemeClr>
+        </a:solidFill>
+        <a:round/>
+      </a:ln>
+    </cs:spPr>
+    <cs:defRPr sz="1000" kern="1200"/>
+  </cs:chartArea>
+  <cs:dataLabel>
+    <cs:lnRef idx="0"/>
+    <cs:fillRef idx="0"/>
+    <cs:effectRef idx="0"/>
+    <cs:fontRef idx="minor">
+      <a:schemeClr val="tx1">
+        <a:lumMod val="75000"/>
+        <a:lumOff val="25000"/>
+      </a:schemeClr>
+    </cs:fontRef>
+    <cs:defRPr sz="900" kern="1200"/>
+  </cs:dataLabel>
+  <cs:dataLabelCallout>
+    <cs:lnRef idx="0"/>
+    <cs:fillRef idx="0"/>
+    <cs:effectRef idx="0"/>
+    <cs:fontRef idx="minor">
+      <a:schemeClr val="dk1">
+        <a:lumMod val="65000"/>
+        <a:lumOff val="35000"/>
+      </a:schemeClr>
+    </cs:fontRef>
+    <cs:spPr>
+      <a:solidFill>
+        <a:schemeClr val="lt1"/>
+      </a:solidFill>
+      <a:ln>
+        <a:solidFill>
+          <a:schemeClr val="dk1">
+            <a:lumMod val="25000"/>
+            <a:lumOff val="75000"/>
+          </a:schemeClr>
+        </a:solidFill>
+      </a:ln>
+    </cs:spPr>
+    <cs:defRPr sz="900" kern="1200"/>
+    <cs:bodyPr rot="0" spcFirstLastPara="1" vertOverflow="clip" horzOverflow="clip" vert="horz" wrap="square" lIns="36576" tIns="18288" rIns="36576" bIns="18288" anchor="ctr" anchorCtr="1">
+      <a:spAutoFit/>
+    </cs:bodyPr>
+  </cs:dataLabelCallout>
+  <cs:dataPoint>
+    <cs:lnRef idx="0"/>
+    <cs:fillRef idx="1">
+      <cs:styleClr val="auto"/>
+    </cs:fillRef>
+    <cs:effectRef idx="0"/>
+    <cs:fontRef idx="minor">
+      <a:schemeClr val="tx1"/>
+    </cs:fontRef>
+  </cs:dataPoint>
+  <cs:dataPoint3D>
+    <cs:lnRef idx="0"/>
+    <cs:fillRef idx="1">
+      <cs:styleClr val="auto"/>
+    </cs:fillRef>
+    <cs:effectRef idx="0"/>
+    <cs:fontRef idx="minor">
+      <a:schemeClr val="tx1"/>
+    </cs:fontRef>
+  </cs:dataPoint3D>
+  <cs:dataPointLine>
+    <cs:lnRef idx="0">
+      <cs:styleClr val="auto"/>
+    </cs:lnRef>
+    <cs:fillRef idx="1"/>
+    <cs:effectRef idx="0"/>
+    <cs:fontRef idx="minor">
+      <a:schemeClr val="tx1"/>
+    </cs:fontRef>
+    <cs:spPr>
+      <a:ln w="28575" cap="rnd">
+        <a:solidFill>
+          <a:schemeClr val="phClr"/>
+        </a:solidFill>
+        <a:round/>
+      </a:ln>
+    </cs:spPr>
+  </cs:dataPointLine>
+  <cs:dataPointMarker>
+    <cs:lnRef idx="0">
+      <cs:styleClr val="auto"/>
+    </cs:lnRef>
+    <cs:fillRef idx="1">
+      <cs:styleClr val="auto"/>
+    </cs:fillRef>
+    <cs:effectRef idx="0"/>
+    <cs:fontRef idx="minor">
+      <a:schemeClr val="tx1"/>
+    </cs:fontRef>
+    <cs:spPr>
+      <a:ln w="9525">
+        <a:solidFill>
+          <a:schemeClr val="phClr"/>
+        </a:solidFill>
+      </a:ln>
+    </cs:spPr>
+  </cs:dataPointMarker>
+  <cs:dataPointMarkerLayout symbol="circle" size="5"/>
+  <cs:dataPointWireframe>
+    <cs:lnRef idx="0">
+      <cs:styleClr val="auto"/>
+    </cs:lnRef>
+    <cs:fillRef idx="1"/>
+    <cs:effectRef idx="0"/>
+    <cs:fontRef idx="minor">
+      <a:schemeClr val="tx1"/>
+    </cs:fontRef>
+    <cs:spPr>
+      <a:ln w="9525" cap="rnd">
+        <a:solidFill>
+          <a:schemeClr val="phClr"/>
+        </a:solidFill>
+        <a:round/>
+      </a:ln>
+    </cs:spPr>
+  </cs:dataPointWireframe>
+  <cs:dataTable>
+    <cs:lnRef idx="0"/>
+    <cs:fillRef idx="0"/>
+    <cs:effectRef idx="0"/>
+    <cs:fontRef idx="minor">
+      <a:schemeClr val="tx1">
+        <a:lumMod val="65000"/>
+        <a:lumOff val="35000"/>
+      </a:schemeClr>
+    </cs:fontRef>
+    <cs:spPr>
+      <a:noFill/>
+      <a:ln w="9525" cap="flat" cmpd="sng" algn="ctr">
+        <a:solidFill>
+          <a:schemeClr val="tx1">
+            <a:lumMod val="15000"/>
+            <a:lumOff val="85000"/>
+          </a:schemeClr>
+        </a:solidFill>
+        <a:round/>
+      </a:ln>
+    </cs:spPr>
+    <cs:defRPr sz="900" kern="1200"/>
+  </cs:dataTable>
+  <cs:downBar>
+    <cs:lnRef idx="0"/>
+    <cs:fillRef idx="0"/>
+    <cs:effectRef idx="0"/>
+    <cs:fontRef idx="minor">
+      <a:schemeClr val="dk1"/>
+    </cs:fontRef>
+    <cs:spPr>
+      <a:solidFill>
+        <a:schemeClr val="dk1">
+          <a:lumMod val="65000"/>
+          <a:lumOff val="35000"/>
+        </a:schemeClr>
+      </a:solidFill>
+      <a:ln w="9525">
+        <a:solidFill>
+          <a:schemeClr val="tx1">
+            <a:lumMod val="65000"/>
+            <a:lumOff val="35000"/>
+          </a:schemeClr>
+        </a:solidFill>
+      </a:ln>
+    </cs:spPr>
+  </cs:downBar>
+  <cs:dropLine>
+    <cs:lnRef idx="0"/>
+    <cs:fillRef idx="0"/>
+    <cs:effectRef idx="0"/>
+    <cs:fontRef idx="minor">
+      <a:schemeClr val="tx1"/>
+    </cs:fontRef>
+    <cs:spPr>
+      <a:ln w="9525" cap="flat" cmpd="sng" algn="ctr">
+        <a:solidFill>
+          <a:schemeClr val="tx1">
+            <a:lumMod val="35000"/>
+            <a:lumOff val="65000"/>
+          </a:schemeClr>
+        </a:solidFill>
+        <a:round/>
+      </a:ln>
+    </cs:spPr>
+  </cs:dropLine>
+  <cs:errorBar>
+    <cs:lnRef idx="0"/>
+    <cs:fillRef idx="0"/>
+    <cs:effectRef idx="0"/>
+    <cs:fontRef idx="minor">
+      <a:schemeClr val="tx1"/>
+    </cs:fontRef>
+    <cs:spPr>
+      <a:ln w="9525" cap="flat" cmpd="sng" algn="ctr">
+        <a:solidFill>
+          <a:schemeClr val="tx1">
+            <a:lumMod val="65000"/>
+            <a:lumOff val="35000"/>
+          </a:schemeClr>
+        </a:solidFill>
+        <a:round/>
+      </a:ln>
+    </cs:spPr>
+  </cs:errorBar>
+  <cs:floor>
+    <cs:lnRef idx="0"/>
+    <cs:fillRef idx="0"/>
+    <cs:effectRef idx="0"/>
+    <cs:fontRef idx="minor">
+      <a:schemeClr val="tx1"/>
+    </cs:fontRef>
+    <cs:spPr>
+      <a:noFill/>
+      <a:ln>
+        <a:noFill/>
+      </a:ln>
+    </cs:spPr>
+  </cs:floor>
+  <cs:gridlineMajor>
+    <cs:lnRef idx="0"/>
+    <cs:fillRef idx="0"/>
+    <cs:effectRef idx="0"/>
+    <cs:fontRef idx="minor">
+      <a:schemeClr val="tx1"/>
+    </cs:fontRef>
+    <cs:spPr>
+      <a:ln w="9525" cap="flat" cmpd="sng" algn="ctr">
+        <a:solidFill>
+          <a:schemeClr val="tx1">
+            <a:lumMod val="15000"/>
+            <a:lumOff val="85000"/>
+          </a:schemeClr>
+        </a:solidFill>
+        <a:round/>
+      </a:ln>
+    </cs:spPr>
+  </cs:gridlineMajor>
+  <cs:gridlineMinor>
+    <cs:lnRef idx="0"/>
+    <cs:fillRef idx="0"/>
+    <cs:effectRef idx="0"/>
+    <cs:fontRef idx="minor">
+      <a:schemeClr val="tx1"/>
+    </cs:fontRef>
+    <cs:spPr>
+      <a:ln w="9525" cap="flat" cmpd="sng" algn="ctr">
+        <a:solidFill>
+          <a:schemeClr val="tx1">
+            <a:lumMod val="5000"/>
+            <a:lumOff val="95000"/>
+          </a:schemeClr>
+        </a:solidFill>
+        <a:round/>
+      </a:ln>
+    </cs:spPr>
+  </cs:gridlineMinor>
+  <cs:hiLoLine>
+    <cs:lnRef idx="0"/>
+    <cs:fillRef idx="0"/>
+    <cs:effectRef idx="0"/>
+    <cs:fontRef idx="minor">
+      <a:schemeClr val="tx1"/>
+    </cs:fontRef>
+    <cs:spPr>
+      <a:ln w="9525" cap="flat" cmpd="sng" algn="ctr">
+        <a:solidFill>
+          <a:schemeClr val="tx1">
+            <a:lumMod val="75000"/>
+            <a:lumOff val="25000"/>
+          </a:schemeClr>
+        </a:solidFill>
+        <a:round/>
+      </a:ln>
+    </cs:spPr>
+  </cs:hiLoLine>
+  <cs:leaderLine>
+    <cs:lnRef idx="0"/>
+    <cs:fillRef idx="0"/>
+    <cs:effectRef idx="0"/>
+    <cs:fontRef idx="minor">
+      <a:schemeClr val="tx1"/>
+    </cs:fontRef>
+    <cs:spPr>
+      <a:ln w="9525" cap="flat" cmpd="sng" algn="ctr">
+        <a:solidFill>
+          <a:schemeClr val="tx1">
+            <a:lumMod val="35000"/>
+            <a:lumOff val="65000"/>
+          </a:schemeClr>
+        </a:solidFill>
+        <a:round/>
+      </a:ln>
+    </cs:spPr>
+  </cs:leaderLine>
+  <cs:legend>
+    <cs:lnRef idx="0"/>
+    <cs:fillRef idx="0"/>
+    <cs:effectRef idx="0"/>
+    <cs:fontRef idx="minor">
+      <a:schemeClr val="tx1">
+        <a:lumMod val="65000"/>
+        <a:lumOff val="35000"/>
+      </a:schemeClr>
+    </cs:fontRef>
+    <cs:defRPr sz="900" kern="1200"/>
+  </cs:legend>
+  <cs:plotArea mods="allowNoFillOverride allowNoLineOverride">
+    <cs:lnRef idx="0"/>
+    <cs:fillRef idx="0"/>
+    <cs:effectRef idx="0"/>
+    <cs:fontRef idx="minor">
+      <a:schemeClr val="tx1"/>
+    </cs:fontRef>
+  </cs:plotArea>
+  <cs:plotArea3D mods="allowNoFillOverride allowNoLineOverride">
+    <cs:lnRef idx="0"/>
+    <cs:fillRef idx="0"/>
+    <cs:effectRef idx="0"/>
+    <cs:fontRef idx="minor">
+      <a:schemeClr val="tx1"/>
+    </cs:fontRef>
+  </cs:plotArea3D>
+  <cs:seriesAxis>
+    <cs:lnRef idx="0"/>
+    <cs:fillRef idx="0"/>
+    <cs:effectRef idx="0"/>
+    <cs:fontRef idx="minor">
+      <a:schemeClr val="tx1">
+        <a:lumMod val="65000"/>
+        <a:lumOff val="35000"/>
+      </a:schemeClr>
+    </cs:fontRef>
+    <cs:defRPr sz="900" kern="1200"/>
+  </cs:seriesAxis>
+  <cs:seriesLine>
+    <cs:lnRef idx="0"/>
+    <cs:fillRef idx="0"/>
+    <cs:effectRef idx="0"/>
+    <cs:fontRef idx="minor">
+      <a:schemeClr val="tx1"/>
+    </cs:fontRef>
+    <cs:spPr>
+      <a:ln w="9525" cap="flat" cmpd="sng" algn="ctr">
+        <a:solidFill>
+          <a:schemeClr val="tx1">
+            <a:lumMod val="35000"/>
+            <a:lumOff val="65000"/>
+          </a:schemeClr>
+        </a:solidFill>
+        <a:round/>
+      </a:ln>
+    </cs:spPr>
+  </cs:seriesLine>
+  <cs:title>
+    <cs:lnRef idx="0"/>
+    <cs:fillRef idx="0"/>
+    <cs:effectRef idx="0"/>
+    <cs:fontRef idx="minor">
+      <a:schemeClr val="tx1">
+        <a:lumMod val="65000"/>
+        <a:lumOff val="35000"/>
+      </a:schemeClr>
+    </cs:fontRef>
+    <cs:defRPr sz="1400" b="0" kern="1200" spc="0" baseline="0"/>
+  </cs:title>
+  <cs:trendline>
+    <cs:lnRef idx="0">
+      <cs:styleClr val="auto"/>
+    </cs:lnRef>
+    <cs:fillRef idx="0"/>
+    <cs:effectRef idx="0"/>
+    <cs:fontRef idx="minor">
+      <a:schemeClr val="tx1"/>
+    </cs:fontRef>
+    <cs:spPr>
+      <a:ln w="19050" cap="rnd">
+        <a:solidFill>
+          <a:schemeClr val="phClr"/>
+        </a:solidFill>
+        <a:prstDash val="sysDot"/>
+      </a:ln>
+    </cs:spPr>
+  </cs:trendline>
+  <cs:trendlineLabel>
+    <cs:lnRef idx="0"/>
+    <cs:fillRef idx="0"/>
+    <cs:effectRef idx="0"/>
+    <cs:fontRef idx="minor">
+      <a:schemeClr val="tx1">
+        <a:lumMod val="65000"/>
+        <a:lumOff val="35000"/>
+      </a:schemeClr>
+    </cs:fontRef>
+    <cs:defRPr sz="900" kern="1200"/>
+  </cs:trendlineLabel>
+  <cs:upBar>
+    <cs:lnRef idx="0"/>
+    <cs:fillRef idx="0"/>
+    <cs:effectRef idx="0"/>
+    <cs:fontRef idx="minor">
+      <a:schemeClr val="dk1"/>
+    </cs:fontRef>
+    <cs:spPr>
+      <a:solidFill>
+        <a:schemeClr val="lt1"/>
+      </a:solidFill>
+      <a:ln w="9525">
+        <a:solidFill>
+          <a:schemeClr val="tx1">
+            <a:lumMod val="15000"/>
+            <a:lumOff val="85000"/>
+          </a:schemeClr>
+        </a:solidFill>
+      </a:ln>
+    </cs:spPr>
+  </cs:upBar>
+  <cs:valueAxis>
+    <cs:lnRef idx="0"/>
+    <cs:fillRef idx="0"/>
+    <cs:effectRef idx="0"/>
+    <cs:fontRef idx="minor">
+      <a:schemeClr val="tx1">
+        <a:lumMod val="65000"/>
+        <a:lumOff val="35000"/>
+      </a:schemeClr>
+    </cs:fontRef>
+    <cs:defRPr sz="900" kern="1200"/>
+  </cs:valueAxis>
+  <cs:wall>
+    <cs:lnRef idx="0"/>
+    <cs:fillRef idx="0"/>
+    <cs:effectRef idx="0"/>
+    <cs:fontRef idx="minor">
+      <a:schemeClr val="tx1"/>
+    </cs:fontRef>
+    <cs:spPr>
+      <a:noFill/>
+      <a:ln>
+        <a:noFill/>
+      </a:ln>
+    </cs:spPr>
+  </cs:wall>
+</cs:chartStyle>
+</file>
+
+<file path=ppt/charts/style3.xml><?xml version="1.0" encoding="utf-8"?>
+<cs:chartStyle xmlns:cs="http://schemas.microsoft.com/office/drawing/2012/chartStyle" xmlns:a="http://schemas.openxmlformats.org/drawingml/2006/main" id="332">
+  <cs:axisTitle>
+    <cs:lnRef idx="0"/>
+    <cs:fillRef idx="0"/>
+    <cs:effectRef idx="0"/>
+    <cs:fontRef idx="minor">
+      <a:schemeClr val="tx1">
+        <a:lumMod val="65000"/>
+        <a:lumOff val="35000"/>
+      </a:schemeClr>
+    </cs:fontRef>
+    <cs:defRPr sz="1000" kern="1200"/>
+  </cs:axisTitle>
+  <cs:categoryAxis>
+    <cs:lnRef idx="0"/>
+    <cs:fillRef idx="0"/>
+    <cs:effectRef idx="0"/>
+    <cs:fontRef idx="minor">
+      <a:schemeClr val="tx1">
+        <a:lumMod val="65000"/>
+        <a:lumOff val="35000"/>
+      </a:schemeClr>
+    </cs:fontRef>
+    <cs:spPr>
+      <a:ln w="9525" cap="flat" cmpd="sng" algn="ctr">
+        <a:solidFill>
+          <a:schemeClr val="tx1">
+            <a:lumMod val="15000"/>
+            <a:lumOff val="85000"/>
+          </a:schemeClr>
+        </a:solidFill>
+        <a:round/>
+      </a:ln>
+    </cs:spPr>
+    <cs:defRPr sz="900" kern="1200"/>
+  </cs:categoryAxis>
+  <cs:chartArea mods="allowNoFillOverride allowNoLineOverride">
+    <cs:lnRef idx="0"/>
+    <cs:fillRef idx="0"/>
+    <cs:effectRef idx="0"/>
+    <cs:fontRef idx="minor">
+      <a:schemeClr val="tx1"/>
+    </cs:fontRef>
+    <cs:spPr>
+      <a:solidFill>
+        <a:schemeClr val="bg1"/>
+      </a:solidFill>
+      <a:ln w="9525" cap="flat" cmpd="sng" algn="ctr">
+        <a:solidFill>
+          <a:schemeClr val="tx1">
+            <a:lumMod val="15000"/>
+            <a:lumOff val="85000"/>
+          </a:schemeClr>
+        </a:solidFill>
+        <a:round/>
+      </a:ln>
+    </cs:spPr>
+    <cs:defRPr sz="1000" kern="1200"/>
+  </cs:chartArea>
+  <cs:dataLabel>
+    <cs:lnRef idx="0"/>
+    <cs:fillRef idx="0"/>
+    <cs:effectRef idx="0"/>
+    <cs:fontRef idx="minor">
+      <a:schemeClr val="tx1">
+        <a:lumMod val="75000"/>
+        <a:lumOff val="25000"/>
+      </a:schemeClr>
+    </cs:fontRef>
+    <cs:defRPr sz="900" kern="1200"/>
+  </cs:dataLabel>
+  <cs:dataLabelCallout>
+    <cs:lnRef idx="0"/>
+    <cs:fillRef idx="0"/>
+    <cs:effectRef idx="0"/>
+    <cs:fontRef idx="minor">
+      <a:schemeClr val="dk1">
+        <a:lumMod val="65000"/>
+        <a:lumOff val="35000"/>
+      </a:schemeClr>
+    </cs:fontRef>
+    <cs:spPr>
+      <a:solidFill>
+        <a:schemeClr val="lt1"/>
+      </a:solidFill>
+      <a:ln>
+        <a:solidFill>
+          <a:schemeClr val="dk1">
+            <a:lumMod val="25000"/>
+            <a:lumOff val="75000"/>
+          </a:schemeClr>
+        </a:solidFill>
+      </a:ln>
+    </cs:spPr>
+    <cs:defRPr sz="900" kern="1200"/>
+    <cs:bodyPr rot="0" spcFirstLastPara="1" vertOverflow="clip" horzOverflow="clip" vert="horz" wrap="square" lIns="36576" tIns="18288" rIns="36576" bIns="18288" anchor="ctr" anchorCtr="1">
+      <a:spAutoFit/>
+    </cs:bodyPr>
+  </cs:dataLabelCallout>
+  <cs:dataPoint>
+    <cs:lnRef idx="0"/>
+    <cs:fillRef idx="1">
+      <cs:styleClr val="auto"/>
+    </cs:fillRef>
+    <cs:effectRef idx="0"/>
+    <cs:fontRef idx="minor">
+      <a:schemeClr val="tx1"/>
+    </cs:fontRef>
+  </cs:dataPoint>
+  <cs:dataPoint3D>
+    <cs:lnRef idx="0"/>
+    <cs:fillRef idx="1">
+      <cs:styleClr val="auto"/>
+    </cs:fillRef>
+    <cs:effectRef idx="0"/>
+    <cs:fontRef idx="minor">
+      <a:schemeClr val="tx1"/>
+    </cs:fontRef>
+  </cs:dataPoint3D>
+  <cs:dataPointLine>
+    <cs:lnRef idx="0">
+      <cs:styleClr val="auto"/>
+    </cs:lnRef>
+    <cs:fillRef idx="1"/>
+    <cs:effectRef idx="0"/>
+    <cs:fontRef idx="minor">
+      <a:schemeClr val="tx1"/>
+    </cs:fontRef>
+    <cs:spPr>
+      <a:ln w="28575" cap="rnd">
+        <a:solidFill>
+          <a:schemeClr val="phClr"/>
+        </a:solidFill>
+        <a:round/>
+      </a:ln>
+    </cs:spPr>
+  </cs:dataPointLine>
+  <cs:dataPointMarker>
+    <cs:lnRef idx="0">
+      <cs:styleClr val="auto"/>
+    </cs:lnRef>
+    <cs:fillRef idx="1">
+      <cs:styleClr val="auto"/>
+    </cs:fillRef>
+    <cs:effectRef idx="0"/>
+    <cs:fontRef idx="minor">
+      <a:schemeClr val="tx1"/>
+    </cs:fontRef>
+    <cs:spPr>
+      <a:ln w="9525">
+        <a:solidFill>
+          <a:schemeClr val="phClr"/>
+        </a:solidFill>
+      </a:ln>
+    </cs:spPr>
+  </cs:dataPointMarker>
+  <cs:dataPointMarkerLayout symbol="circle" size="5"/>
+  <cs:dataPointWireframe>
+    <cs:lnRef idx="0">
+      <cs:styleClr val="auto"/>
+    </cs:lnRef>
+    <cs:fillRef idx="1"/>
+    <cs:effectRef idx="0"/>
+    <cs:fontRef idx="minor">
+      <a:schemeClr val="tx1"/>
+    </cs:fontRef>
+    <cs:spPr>
+      <a:ln w="9525" cap="rnd">
+        <a:solidFill>
+          <a:schemeClr val="phClr"/>
+        </a:solidFill>
+        <a:round/>
+      </a:ln>
+    </cs:spPr>
+  </cs:dataPointWireframe>
+  <cs:dataTable>
+    <cs:lnRef idx="0"/>
+    <cs:fillRef idx="0"/>
+    <cs:effectRef idx="0"/>
+    <cs:fontRef idx="minor">
+      <a:schemeClr val="tx1">
+        <a:lumMod val="65000"/>
+        <a:lumOff val="35000"/>
+      </a:schemeClr>
+    </cs:fontRef>
+    <cs:spPr>
+      <a:noFill/>
+      <a:ln w="9525" cap="flat" cmpd="sng" algn="ctr">
+        <a:solidFill>
+          <a:schemeClr val="tx1">
+            <a:lumMod val="15000"/>
+            <a:lumOff val="85000"/>
+          </a:schemeClr>
+        </a:solidFill>
+        <a:round/>
+      </a:ln>
+    </cs:spPr>
+    <cs:defRPr sz="900" kern="1200"/>
+  </cs:dataTable>
+  <cs:downBar>
+    <cs:lnRef idx="0"/>
+    <cs:fillRef idx="0"/>
+    <cs:effectRef idx="0"/>
+    <cs:fontRef idx="minor">
+      <a:schemeClr val="dk1"/>
+    </cs:fontRef>
+    <cs:spPr>
+      <a:solidFill>
+        <a:schemeClr val="dk1">
+          <a:lumMod val="65000"/>
+          <a:lumOff val="35000"/>
+        </a:schemeClr>
+      </a:solidFill>
+      <a:ln w="9525">
+        <a:solidFill>
+          <a:schemeClr val="tx1">
+            <a:lumMod val="65000"/>
+            <a:lumOff val="35000"/>
+          </a:schemeClr>
+        </a:solidFill>
+      </a:ln>
+    </cs:spPr>
+  </cs:downBar>
+  <cs:dropLine>
+    <cs:lnRef idx="0"/>
+    <cs:fillRef idx="0"/>
+    <cs:effectRef idx="0"/>
+    <cs:fontRef idx="minor">
+      <a:schemeClr val="tx1"/>
+    </cs:fontRef>
+    <cs:spPr>
+      <a:ln w="9525" cap="flat" cmpd="sng" algn="ctr">
+        <a:solidFill>
+          <a:schemeClr val="tx1">
+            <a:lumMod val="35000"/>
+            <a:lumOff val="65000"/>
+          </a:schemeClr>
+        </a:solidFill>
+        <a:round/>
+      </a:ln>
+    </cs:spPr>
+  </cs:dropLine>
+  <cs:errorBar>
+    <cs:lnRef idx="0"/>
+    <cs:fillRef idx="0"/>
+    <cs:effectRef idx="0"/>
+    <cs:fontRef idx="minor">
+      <a:schemeClr val="tx1"/>
+    </cs:fontRef>
+    <cs:spPr>
+      <a:ln w="9525" cap="flat" cmpd="sng" algn="ctr">
+        <a:solidFill>
+          <a:schemeClr val="tx1">
+            <a:lumMod val="65000"/>
+            <a:lumOff val="35000"/>
+          </a:schemeClr>
+        </a:solidFill>
+        <a:round/>
+      </a:ln>
+    </cs:spPr>
+  </cs:errorBar>
+  <cs:floor>
+    <cs:lnRef idx="0"/>
+    <cs:fillRef idx="0"/>
+    <cs:effectRef idx="0"/>
+    <cs:fontRef idx="minor">
+      <a:schemeClr val="tx1"/>
+    </cs:fontRef>
+    <cs:spPr>
+      <a:noFill/>
+      <a:ln>
+        <a:noFill/>
+      </a:ln>
+    </cs:spPr>
+  </cs:floor>
+  <cs:gridlineMajor>
+    <cs:lnRef idx="0"/>
+    <cs:fillRef idx="0"/>
+    <cs:effectRef idx="0"/>
+    <cs:fontRef idx="minor">
+      <a:schemeClr val="tx1"/>
+    </cs:fontRef>
+    <cs:spPr>
+      <a:ln w="9525" cap="flat" cmpd="sng" algn="ctr">
+        <a:solidFill>
+          <a:schemeClr val="tx1">
+            <a:lumMod val="15000"/>
+            <a:lumOff val="85000"/>
+          </a:schemeClr>
+        </a:solidFill>
+        <a:round/>
+      </a:ln>
+    </cs:spPr>
+  </cs:gridlineMajor>
+  <cs:gridlineMinor>
+    <cs:lnRef idx="0"/>
+    <cs:fillRef idx="0"/>
+    <cs:effectRef idx="0"/>
+    <cs:fontRef idx="minor">
+      <a:schemeClr val="tx1"/>
+    </cs:fontRef>
+    <cs:spPr>
+      <a:ln w="9525" cap="flat" cmpd="sng" algn="ctr">
+        <a:solidFill>
+          <a:schemeClr val="tx1">
+            <a:lumMod val="5000"/>
+            <a:lumOff val="95000"/>
+          </a:schemeClr>
+        </a:solidFill>
+        <a:round/>
+      </a:ln>
+    </cs:spPr>
+  </cs:gridlineMinor>
+  <cs:hiLoLine>
+    <cs:lnRef idx="0"/>
+    <cs:fillRef idx="0"/>
+    <cs:effectRef idx="0"/>
+    <cs:fontRef idx="minor">
+      <a:schemeClr val="tx1"/>
+    </cs:fontRef>
+    <cs:spPr>
+      <a:ln w="9525" cap="flat" cmpd="sng" algn="ctr">
+        <a:solidFill>
+          <a:schemeClr val="tx1">
+            <a:lumMod val="75000"/>
+            <a:lumOff val="25000"/>
+          </a:schemeClr>
+        </a:solidFill>
+        <a:round/>
+      </a:ln>
+    </cs:spPr>
+  </cs:hiLoLine>
+  <cs:leaderLine>
+    <cs:lnRef idx="0"/>
+    <cs:fillRef idx="0"/>
+    <cs:effectRef idx="0"/>
+    <cs:fontRef idx="minor">
+      <a:schemeClr val="tx1"/>
+    </cs:fontRef>
+    <cs:spPr>
+      <a:ln w="9525" cap="flat" cmpd="sng" algn="ctr">
+        <a:solidFill>
+          <a:schemeClr val="tx1">
+            <a:lumMod val="35000"/>
+            <a:lumOff val="65000"/>
+          </a:schemeClr>
+        </a:solidFill>
+        <a:round/>
+      </a:ln>
+    </cs:spPr>
+  </cs:leaderLine>
+  <cs:legend>
+    <cs:lnRef idx="0"/>
+    <cs:fillRef idx="0"/>
+    <cs:effectRef idx="0"/>
+    <cs:fontRef idx="minor">
+      <a:schemeClr val="tx1">
+        <a:lumMod val="65000"/>
+        <a:lumOff val="35000"/>
+      </a:schemeClr>
+    </cs:fontRef>
+    <cs:defRPr sz="900" kern="1200"/>
+  </cs:legend>
+  <cs:plotArea mods="allowNoFillOverride allowNoLineOverride">
+    <cs:lnRef idx="0"/>
+    <cs:fillRef idx="0"/>
+    <cs:effectRef idx="0"/>
+    <cs:fontRef idx="minor">
+      <a:schemeClr val="tx1"/>
+    </cs:fontRef>
+  </cs:plotArea>
+  <cs:plotArea3D mods="allowNoFillOverride allowNoLineOverride">
+    <cs:lnRef idx="0"/>
+    <cs:fillRef idx="0"/>
+    <cs:effectRef idx="0"/>
+    <cs:fontRef idx="minor">
+      <a:schemeClr val="tx1"/>
+    </cs:fontRef>
+  </cs:plotArea3D>
+  <cs:seriesAxis>
+    <cs:lnRef idx="0"/>
+    <cs:fillRef idx="0"/>
+    <cs:effectRef idx="0"/>
+    <cs:fontRef idx="minor">
+      <a:schemeClr val="tx1">
+        <a:lumMod val="65000"/>
+        <a:lumOff val="35000"/>
+      </a:schemeClr>
+    </cs:fontRef>
+    <cs:defRPr sz="900" kern="1200"/>
+  </cs:seriesAxis>
+  <cs:seriesLine>
+    <cs:lnRef idx="0"/>
+    <cs:fillRef idx="0"/>
+    <cs:effectRef idx="0"/>
+    <cs:fontRef idx="minor">
+      <a:schemeClr val="tx1"/>
+    </cs:fontRef>
+    <cs:spPr>
+      <a:ln w="9525" cap="flat" cmpd="sng" algn="ctr">
+        <a:solidFill>
+          <a:schemeClr val="tx1">
+            <a:lumMod val="35000"/>
+            <a:lumOff val="65000"/>
+          </a:schemeClr>
+        </a:solidFill>
+        <a:round/>
+      </a:ln>
+    </cs:spPr>
+  </cs:seriesLine>
+  <cs:title>
+    <cs:lnRef idx="0"/>
+    <cs:fillRef idx="0"/>
+    <cs:effectRef idx="0"/>
+    <cs:fontRef idx="minor">
+      <a:schemeClr val="tx1">
+        <a:lumMod val="65000"/>
+        <a:lumOff val="35000"/>
+      </a:schemeClr>
+    </cs:fontRef>
+    <cs:defRPr sz="1400" b="0" kern="1200" spc="0" baseline="0"/>
+  </cs:title>
+  <cs:trendline>
+    <cs:lnRef idx="0">
+      <cs:styleClr val="auto"/>
+    </cs:lnRef>
+    <cs:fillRef idx="0"/>
+    <cs:effectRef idx="0"/>
+    <cs:fontRef idx="minor">
+      <a:schemeClr val="tx1"/>
+    </cs:fontRef>
+    <cs:spPr>
+      <a:ln w="19050" cap="rnd">
+        <a:solidFill>
+          <a:schemeClr val="phClr"/>
+        </a:solidFill>
+        <a:prstDash val="sysDot"/>
+      </a:ln>
+    </cs:spPr>
+  </cs:trendline>
+  <cs:trendlineLabel>
+    <cs:lnRef idx="0"/>
+    <cs:fillRef idx="0"/>
+    <cs:effectRef idx="0"/>
+    <cs:fontRef idx="minor">
+      <a:schemeClr val="tx1">
+        <a:lumMod val="65000"/>
+        <a:lumOff val="35000"/>
+      </a:schemeClr>
+    </cs:fontRef>
+    <cs:defRPr sz="900" kern="1200"/>
+  </cs:trendlineLabel>
+  <cs:upBar>
+    <cs:lnRef idx="0"/>
+    <cs:fillRef idx="0"/>
+    <cs:effectRef idx="0"/>
+    <cs:fontRef idx="minor">
+      <a:schemeClr val="dk1"/>
+    </cs:fontRef>
+    <cs:spPr>
+      <a:solidFill>
+        <a:schemeClr val="lt1"/>
+      </a:solidFill>
+      <a:ln w="9525">
+        <a:solidFill>
+          <a:schemeClr val="tx1">
+            <a:lumMod val="15000"/>
+            <a:lumOff val="85000"/>
+          </a:schemeClr>
+        </a:solidFill>
+      </a:ln>
+    </cs:spPr>
+  </cs:upBar>
+  <cs:valueAxis>
+    <cs:lnRef idx="0"/>
+    <cs:fillRef idx="0"/>
+    <cs:effectRef idx="0"/>
+    <cs:fontRef idx="minor">
+      <a:schemeClr val="tx1">
+        <a:lumMod val="65000"/>
+        <a:lumOff val="35000"/>
+      </a:schemeClr>
+    </cs:fontRef>
+    <cs:defRPr sz="900" kern="1200"/>
+  </cs:valueAxis>
+  <cs:wall>
+    <cs:lnRef idx="0"/>
+    <cs:fillRef idx="0"/>
+    <cs:effectRef idx="0"/>
+    <cs:fontRef idx="minor">
+      <a:schemeClr val="tx1"/>
+    </cs:fontRef>
+    <cs:spPr>
+      <a:noFill/>
+      <a:ln>
+        <a:noFill/>
+      </a:ln>
+    </cs:spPr>
+  </cs:wall>
+</cs:chartStyle>
 </file>
 
 <file path=ppt/notesMasters/notesMaster1.xml><?xml version="1.0" encoding="utf-8"?>
@@ -3686,25 +6493,30 @@
           </a:p>
         </p:txBody>
       </p:sp>
-      <p:sp>
-        <p:nvSpPr>
-          <p:cNvPr id="3" name="Content Placeholder 2"/>
-          <p:cNvSpPr>
-            <a:spLocks noGrp="1"/>
-          </p:cNvSpPr>
-          <p:nvPr>
-            <p:ph idx="1"/>
-          </p:nvPr>
-        </p:nvSpPr>
-        <p:spPr/>
-        <p:txBody>
-          <a:bodyPr/>
-          <a:lstStyle/>
-          <a:p>
-            <a:endParaRPr lang="en-US"/>
-          </a:p>
-        </p:txBody>
-      </p:sp>
+      <p:graphicFrame>
+        <p:nvGraphicFramePr>
+          <p:cNvPr id="6" name="Chart 5"/>
+          <p:cNvGraphicFramePr>
+            <a:graphicFrameLocks/>
+          </p:cNvGraphicFramePr>
+          <p:nvPr>
+            <p:extLst>
+              <p:ext uri="{D42A27DB-BD31-4B8C-83A1-F6EECF244321}">
+                <p14:modId xmlns:p14="http://schemas.microsoft.com/office/powerpoint/2010/main" val="922085140"/>
+              </p:ext>
+            </p:extLst>
+          </p:nvPr>
+        </p:nvGraphicFramePr>
+        <p:xfrm>
+          <a:off x="838199" y="1690688"/>
+          <a:ext cx="4909457" cy="4460730"/>
+        </p:xfrm>
+        <a:graphic>
+          <a:graphicData uri="http://schemas.openxmlformats.org/drawingml/2006/chart">
+            <c:chart xmlns:c="http://schemas.openxmlformats.org/drawingml/2006/chart" xmlns:r="http://schemas.openxmlformats.org/officeDocument/2006/relationships" r:id="rId2"/>
+          </a:graphicData>
+        </a:graphic>
+      </p:graphicFrame>
     </p:spTree>
     <p:extLst>
       <p:ext uri="{BB962C8B-B14F-4D97-AF65-F5344CB8AC3E}">
@@ -3884,25 +6696,30 @@
           </a:p>
         </p:txBody>
       </p:sp>
-      <p:sp>
-        <p:nvSpPr>
-          <p:cNvPr id="3" name="Content Placeholder 2"/>
-          <p:cNvSpPr>
-            <a:spLocks noGrp="1"/>
-          </p:cNvSpPr>
-          <p:nvPr>
-            <p:ph idx="1"/>
-          </p:nvPr>
-        </p:nvSpPr>
-        <p:spPr/>
-        <p:txBody>
-          <a:bodyPr/>
-          <a:lstStyle/>
-          <a:p>
-            <a:endParaRPr lang="en-US"/>
-          </a:p>
-        </p:txBody>
-      </p:sp>
+      <p:graphicFrame>
+        <p:nvGraphicFramePr>
+          <p:cNvPr id="4" name="Chart 3"/>
+          <p:cNvGraphicFramePr>
+            <a:graphicFrameLocks/>
+          </p:cNvGraphicFramePr>
+          <p:nvPr>
+            <p:extLst>
+              <p:ext uri="{D42A27DB-BD31-4B8C-83A1-F6EECF244321}">
+                <p14:modId xmlns:p14="http://schemas.microsoft.com/office/powerpoint/2010/main" val="2103724963"/>
+              </p:ext>
+            </p:extLst>
+          </p:nvPr>
+        </p:nvGraphicFramePr>
+        <p:xfrm>
+          <a:off x="838200" y="1690688"/>
+          <a:ext cx="5135088" cy="4330102"/>
+        </p:xfrm>
+        <a:graphic>
+          <a:graphicData uri="http://schemas.openxmlformats.org/drawingml/2006/chart">
+            <c:chart xmlns:c="http://schemas.openxmlformats.org/drawingml/2006/chart" xmlns:r="http://schemas.openxmlformats.org/officeDocument/2006/relationships" r:id="rId2"/>
+          </a:graphicData>
+        </a:graphic>
+      </p:graphicFrame>
     </p:spTree>
     <p:extLst>
       <p:ext uri="{BB962C8B-B14F-4D97-AF65-F5344CB8AC3E}">
@@ -4003,13 +6820,139 @@
           <a:p>
             <a:r>
               <a:rPr lang="en-US" dirty="0" err="1" smtClean="0"/>
-              <a:t>IntArrayBag.mergesort</a:t>
-            </a:r>
-            <a:r>
-              <a:rPr lang="en-US" smtClean="0"/>
-              <a:t>(): </a:t>
-            </a:r>
-            <a:endParaRPr lang="en-US" dirty="0"/>
+              <a:t>IntArrayBag.mergeSort</a:t>
+            </a:r>
+            <a:r>
+              <a:rPr lang="en-US" dirty="0" smtClean="0"/>
+              <a:t>(): O(N</a:t>
+            </a:r>
+            <a:r>
+              <a:rPr lang="en-US" baseline="-25000" dirty="0" smtClean="0"/>
+              <a:t>1</a:t>
+            </a:r>
+            <a:r>
+              <a:rPr lang="en-US" dirty="0" smtClean="0"/>
+              <a:t>+N</a:t>
+            </a:r>
+            <a:r>
+              <a:rPr lang="en-US" baseline="-25000" dirty="0" smtClean="0"/>
+              <a:t>2</a:t>
+            </a:r>
+            <a:r>
+              <a:rPr lang="en-US" dirty="0" smtClean="0"/>
+              <a:t>logN</a:t>
+            </a:r>
+            <a:r>
+              <a:rPr lang="en-US" baseline="-25000" dirty="0" smtClean="0"/>
+              <a:t>2</a:t>
+            </a:r>
+            <a:r>
+              <a:rPr lang="en-US" dirty="0" smtClean="0"/>
+              <a:t>) as N</a:t>
+            </a:r>
+            <a:r>
+              <a:rPr lang="en-US" baseline="-25000" dirty="0" smtClean="0"/>
+              <a:t>1</a:t>
+            </a:r>
+            <a:r>
+              <a:rPr lang="en-US" dirty="0" smtClean="0"/>
+              <a:t> </a:t>
+            </a:r>
+            <a:r>
+              <a:rPr lang="en-US" dirty="0"/>
+              <a:t>e</a:t>
+            </a:r>
+            <a:r>
+              <a:rPr lang="en-US" dirty="0" smtClean="0"/>
+              <a:t>lements are added to the end of the bag first. Then </a:t>
+            </a:r>
+            <a:r>
+              <a:rPr lang="en-US" dirty="0" err="1" smtClean="0"/>
+              <a:t>mergesort</a:t>
+            </a:r>
+            <a:r>
+              <a:rPr lang="en-US" dirty="0" smtClean="0"/>
+              <a:t> is called to sort the final array with N</a:t>
+            </a:r>
+            <a:r>
+              <a:rPr lang="en-US" baseline="-25000" dirty="0" smtClean="0"/>
+              <a:t>2</a:t>
+            </a:r>
+            <a:r>
+              <a:rPr lang="en-US" dirty="0" smtClean="0"/>
+              <a:t> elements.</a:t>
+            </a:r>
+          </a:p>
+          <a:p>
+            <a:r>
+              <a:rPr lang="en-US" dirty="0" err="1" smtClean="0"/>
+              <a:t>IntLinkedBag.mergeSort</a:t>
+            </a:r>
+            <a:r>
+              <a:rPr lang="en-US" dirty="0" smtClean="0"/>
+              <a:t>(): O(</a:t>
+            </a:r>
+            <a:r>
+              <a:rPr lang="en-US" dirty="0" smtClean="0"/>
+              <a:t>N</a:t>
+            </a:r>
+            <a:r>
+              <a:rPr lang="en-US" baseline="-25000" dirty="0" smtClean="0"/>
+              <a:t>1</a:t>
+            </a:r>
+            <a:r>
+              <a:rPr lang="en-US" dirty="0" smtClean="0"/>
+              <a:t>+N</a:t>
+            </a:r>
+            <a:r>
+              <a:rPr lang="en-US" baseline="-25000" dirty="0" smtClean="0"/>
+              <a:t>2</a:t>
+            </a:r>
+            <a:r>
+              <a:rPr lang="en-US" dirty="0" smtClean="0"/>
+              <a:t>logN</a:t>
+            </a:r>
+            <a:r>
+              <a:rPr lang="en-US" baseline="-25000" dirty="0" smtClean="0"/>
+              <a:t>2</a:t>
+            </a:r>
+            <a:r>
+              <a:rPr lang="en-US" dirty="0" smtClean="0"/>
+              <a:t>) as the linked list elements (N</a:t>
+            </a:r>
+            <a:r>
+              <a:rPr lang="en-US" baseline="-25000" dirty="0" smtClean="0"/>
+              <a:t>1</a:t>
+            </a:r>
+            <a:r>
+              <a:rPr lang="en-US" dirty="0" smtClean="0"/>
+              <a:t>) are added to the start of the array, which needs us to get the last link in the elements to be added. Then </a:t>
+            </a:r>
+            <a:r>
+              <a:rPr lang="en-US" dirty="0" err="1" smtClean="0"/>
+              <a:t>mergesort</a:t>
+            </a:r>
+            <a:r>
+              <a:rPr lang="en-US" dirty="0" smtClean="0"/>
+              <a:t> is called to the final array with </a:t>
+            </a:r>
+            <a:r>
+              <a:rPr lang="en-US" dirty="0" smtClean="0"/>
+              <a:t>N</a:t>
+            </a:r>
+            <a:r>
+              <a:rPr lang="en-US" baseline="-25000" dirty="0" smtClean="0"/>
+              <a:t>2</a:t>
+            </a:r>
+            <a:r>
+              <a:rPr lang="en-US" dirty="0"/>
+              <a:t> </a:t>
+            </a:r>
+            <a:r>
+              <a:rPr lang="en-US" dirty="0" smtClean="0"/>
+              <a:t>elements.</a:t>
+            </a:r>
+            <a:endParaRPr lang="en-US" dirty="0" smtClean="0"/>
           </a:p>
         </p:txBody>
       </p:sp>
@@ -4074,25 +7017,30 @@
           </a:p>
         </p:txBody>
       </p:sp>
-      <p:sp>
-        <p:nvSpPr>
-          <p:cNvPr id="3" name="Content Placeholder 2"/>
-          <p:cNvSpPr>
-            <a:spLocks noGrp="1"/>
-          </p:cNvSpPr>
-          <p:nvPr>
-            <p:ph idx="1"/>
-          </p:nvPr>
-        </p:nvSpPr>
-        <p:spPr/>
-        <p:txBody>
-          <a:bodyPr/>
-          <a:lstStyle/>
-          <a:p>
-            <a:endParaRPr lang="en-US"/>
-          </a:p>
-        </p:txBody>
-      </p:sp>
+      <p:graphicFrame>
+        <p:nvGraphicFramePr>
+          <p:cNvPr id="4" name="Chart 3"/>
+          <p:cNvGraphicFramePr>
+            <a:graphicFrameLocks/>
+          </p:cNvGraphicFramePr>
+          <p:nvPr>
+            <p:extLst>
+              <p:ext uri="{D42A27DB-BD31-4B8C-83A1-F6EECF244321}">
+                <p14:modId xmlns:p14="http://schemas.microsoft.com/office/powerpoint/2010/main" val="872405445"/>
+              </p:ext>
+            </p:extLst>
+          </p:nvPr>
+        </p:nvGraphicFramePr>
+        <p:xfrm>
+          <a:off x="838200" y="1690687"/>
+          <a:ext cx="4933208" cy="4508231"/>
+        </p:xfrm>
+        <a:graphic>
+          <a:graphicData uri="http://schemas.openxmlformats.org/drawingml/2006/chart">
+            <c:chart xmlns:c="http://schemas.openxmlformats.org/drawingml/2006/chart" xmlns:r="http://schemas.openxmlformats.org/officeDocument/2006/relationships" r:id="rId2"/>
+          </a:graphicData>
+        </a:graphic>
+      </p:graphicFrame>
     </p:spTree>
     <p:extLst>
       <p:ext uri="{BB962C8B-B14F-4D97-AF65-F5344CB8AC3E}">

--- a/FinalProjectPresentation.pptx
+++ b/FinalProjectPresentation.pptx
@@ -5,7 +5,7 @@
     <p:sldMasterId id="2147483648" r:id="rId1"/>
   </p:sldMasterIdLst>
   <p:notesMasterIdLst>
-    <p:notesMasterId r:id="rId10"/>
+    <p:notesMasterId r:id="rId11"/>
   </p:notesMasterIdLst>
   <p:sldIdLst>
     <p:sldId id="256" r:id="rId2"/>
@@ -16,6 +16,7 @@
     <p:sldId id="261" r:id="rId7"/>
     <p:sldId id="262" r:id="rId8"/>
     <p:sldId id="263" r:id="rId9"/>
+    <p:sldId id="264" r:id="rId10"/>
   </p:sldIdLst>
   <p:sldSz cx="12192000" cy="6858000"/>
   <p:notesSz cx="6858000" cy="9144000"/>
@@ -114,10 +115,452 @@
       </a:defRPr>
     </a:lvl9pPr>
   </p:defaultTextStyle>
+  <p:extLst>
+    <p:ext uri="{EFAFB233-063F-42B5-8137-9DF3F51BA10A}">
+      <p15:sldGuideLst xmlns:p15="http://schemas.microsoft.com/office/powerpoint/2012/main"/>
+    </p:ext>
+  </p:extLst>
 </p:presentation>
 </file>
 
 <file path=ppt/charts/chart1.xml><?xml version="1.0" encoding="utf-8"?>
+<c:chartSpace xmlns:c="http://schemas.openxmlformats.org/drawingml/2006/chart" xmlns:a="http://schemas.openxmlformats.org/drawingml/2006/main" xmlns:r="http://schemas.openxmlformats.org/officeDocument/2006/relationships">
+  <c:date1904 val="0"/>
+  <c:lang val="en-US"/>
+  <c:roundedCorners val="0"/>
+  <mc:AlternateContent xmlns:mc="http://schemas.openxmlformats.org/markup-compatibility/2006">
+    <mc:Choice xmlns:c14="http://schemas.microsoft.com/office/drawing/2007/8/2/chart" Requires="c14">
+      <c14:style val="102"/>
+    </mc:Choice>
+    <mc:Fallback>
+      <c:style val="2"/>
+    </mc:Fallback>
+  </mc:AlternateContent>
+  <c:chart>
+    <c:title>
+      <c:tx>
+        <c:rich>
+          <a:bodyPr rot="0" spcFirstLastPara="1" vertOverflow="ellipsis" vert="horz" wrap="square" anchor="ctr" anchorCtr="1"/>
+          <a:lstStyle/>
+          <a:p>
+            <a:pPr>
+              <a:defRPr sz="1400" b="0" i="0" u="none" strike="noStrike" kern="1200" spc="0" baseline="0">
+                <a:solidFill>
+                  <a:schemeClr val="tx1">
+                    <a:lumMod val="65000"/>
+                    <a:lumOff val="35000"/>
+                  </a:schemeClr>
+                </a:solidFill>
+                <a:latin typeface="+mn-lt"/>
+                <a:ea typeface="+mn-ea"/>
+                <a:cs typeface="+mn-cs"/>
+              </a:defRPr>
+            </a:pPr>
+            <a:r>
+              <a:rPr lang="en-US"/>
+              <a:t>IntArrayBag</a:t>
+            </a:r>
+            <a:endParaRPr lang="mr-IN"/>
+          </a:p>
+        </c:rich>
+      </c:tx>
+      <c:layout/>
+      <c:overlay val="0"/>
+      <c:spPr>
+        <a:noFill/>
+        <a:ln>
+          <a:noFill/>
+        </a:ln>
+        <a:effectLst/>
+      </c:spPr>
+      <c:txPr>
+        <a:bodyPr rot="0" spcFirstLastPara="1" vertOverflow="ellipsis" vert="horz" wrap="square" anchor="ctr" anchorCtr="1"/>
+        <a:lstStyle/>
+        <a:p>
+          <a:pPr>
+            <a:defRPr sz="1400" b="0" i="0" u="none" strike="noStrike" kern="1200" spc="0" baseline="0">
+              <a:solidFill>
+                <a:schemeClr val="tx1">
+                  <a:lumMod val="65000"/>
+                  <a:lumOff val="35000"/>
+                </a:schemeClr>
+              </a:solidFill>
+              <a:latin typeface="+mn-lt"/>
+              <a:ea typeface="+mn-ea"/>
+              <a:cs typeface="+mn-cs"/>
+            </a:defRPr>
+          </a:pPr>
+          <a:endParaRPr lang="en-US"/>
+        </a:p>
+      </c:txPr>
+    </c:title>
+    <c:autoTitleDeleted val="0"/>
+    <c:plotArea>
+      <c:layout/>
+      <c:scatterChart>
+        <c:scatterStyle val="lineMarker"/>
+        <c:varyColors val="0"/>
+        <c:ser>
+          <c:idx val="0"/>
+          <c:order val="0"/>
+          <c:tx>
+            <c:strRef>
+              <c:f>Sheet1!$R$4</c:f>
+              <c:strCache>
+                <c:ptCount val="1"/>
+                <c:pt idx="0">
+                  <c:v>add()</c:v>
+                </c:pt>
+              </c:strCache>
+            </c:strRef>
+          </c:tx>
+          <c:spPr>
+            <a:ln w="31750" cap="rnd">
+              <a:noFill/>
+              <a:round/>
+            </a:ln>
+            <a:effectLst/>
+          </c:spPr>
+          <c:marker>
+            <c:symbol val="circle"/>
+            <c:size val="5"/>
+            <c:spPr>
+              <a:solidFill>
+                <a:schemeClr val="accent1"/>
+              </a:solidFill>
+              <a:ln w="9525">
+                <a:solidFill>
+                  <a:schemeClr val="accent1"/>
+                </a:solidFill>
+              </a:ln>
+              <a:effectLst/>
+            </c:spPr>
+          </c:marker>
+          <c:trendline>
+            <c:spPr>
+              <a:ln w="19050" cap="rnd">
+                <a:solidFill>
+                  <a:schemeClr val="accent1"/>
+                </a:solidFill>
+                <a:prstDash val="sysDot"/>
+              </a:ln>
+              <a:effectLst/>
+            </c:spPr>
+            <c:trendlineType val="linear"/>
+            <c:dispRSqr val="0"/>
+            <c:dispEq val="0"/>
+          </c:trendline>
+          <c:xVal>
+            <c:numRef>
+              <c:f>Sheet1!$Q$5:$Q$9</c:f>
+              <c:numCache>
+                <c:formatCode>General</c:formatCode>
+                <c:ptCount val="5"/>
+                <c:pt idx="0">
+                  <c:v>1.0</c:v>
+                </c:pt>
+                <c:pt idx="1">
+                  <c:v>2.0</c:v>
+                </c:pt>
+                <c:pt idx="2">
+                  <c:v>3.0</c:v>
+                </c:pt>
+                <c:pt idx="3">
+                  <c:v>4.0</c:v>
+                </c:pt>
+                <c:pt idx="4">
+                  <c:v>5.0</c:v>
+                </c:pt>
+              </c:numCache>
+            </c:numRef>
+          </c:xVal>
+          <c:yVal>
+            <c:numRef>
+              <c:f>Sheet1!$R$5:$R$9</c:f>
+              <c:numCache>
+                <c:formatCode>General</c:formatCode>
+                <c:ptCount val="5"/>
+                <c:pt idx="0">
+                  <c:v>23.0</c:v>
+                </c:pt>
+                <c:pt idx="1">
+                  <c:v>71.0</c:v>
+                </c:pt>
+                <c:pt idx="2">
+                  <c:v>165.0</c:v>
+                </c:pt>
+                <c:pt idx="3">
+                  <c:v>285.0</c:v>
+                </c:pt>
+                <c:pt idx="4">
+                  <c:v>424.0</c:v>
+                </c:pt>
+              </c:numCache>
+            </c:numRef>
+          </c:yVal>
+          <c:smooth val="0"/>
+        </c:ser>
+        <c:dLbls>
+          <c:showLegendKey val="0"/>
+          <c:showVal val="0"/>
+          <c:showCatName val="0"/>
+          <c:showSerName val="0"/>
+          <c:showPercent val="0"/>
+          <c:showBubbleSize val="0"/>
+        </c:dLbls>
+        <c:axId val="-183308416"/>
+        <c:axId val="-182792112"/>
+      </c:scatterChart>
+      <c:valAx>
+        <c:axId val="-183308416"/>
+        <c:scaling>
+          <c:orientation val="minMax"/>
+        </c:scaling>
+        <c:delete val="0"/>
+        <c:axPos val="b"/>
+        <c:majorGridlines>
+          <c:spPr>
+            <a:ln w="9525" cap="flat" cmpd="sng" algn="ctr">
+              <a:solidFill>
+                <a:schemeClr val="tx1">
+                  <a:lumMod val="15000"/>
+                  <a:lumOff val="85000"/>
+                </a:schemeClr>
+              </a:solidFill>
+              <a:round/>
+            </a:ln>
+            <a:effectLst/>
+          </c:spPr>
+        </c:majorGridlines>
+        <c:majorTickMark val="none"/>
+        <c:minorTickMark val="none"/>
+        <c:tickLblPos val="nextTo"/>
+        <c:spPr>
+          <a:noFill/>
+          <a:ln w="9525" cap="flat" cmpd="sng" algn="ctr">
+            <a:solidFill>
+              <a:schemeClr val="tx1">
+                <a:lumMod val="25000"/>
+                <a:lumOff val="75000"/>
+              </a:schemeClr>
+            </a:solidFill>
+            <a:round/>
+          </a:ln>
+          <a:effectLst/>
+        </c:spPr>
+        <c:txPr>
+          <a:bodyPr rot="-60000000" spcFirstLastPara="1" vertOverflow="ellipsis" vert="horz" wrap="square" anchor="ctr" anchorCtr="1"/>
+          <a:lstStyle/>
+          <a:p>
+            <a:pPr>
+              <a:defRPr sz="900" b="0" i="0" u="none" strike="noStrike" kern="1200" baseline="0">
+                <a:solidFill>
+                  <a:schemeClr val="tx1">
+                    <a:lumMod val="65000"/>
+                    <a:lumOff val="35000"/>
+                  </a:schemeClr>
+                </a:solidFill>
+                <a:latin typeface="+mn-lt"/>
+                <a:ea typeface="+mn-ea"/>
+                <a:cs typeface="+mn-cs"/>
+              </a:defRPr>
+            </a:pPr>
+            <a:endParaRPr lang="en-US"/>
+          </a:p>
+        </c:txPr>
+        <c:crossAx val="-182792112"/>
+        <c:crosses val="autoZero"/>
+        <c:crossBetween val="midCat"/>
+      </c:valAx>
+      <c:valAx>
+        <c:axId val="-182792112"/>
+        <c:scaling>
+          <c:orientation val="minMax"/>
+        </c:scaling>
+        <c:delete val="0"/>
+        <c:axPos val="l"/>
+        <c:majorGridlines>
+          <c:spPr>
+            <a:ln w="9525" cap="flat" cmpd="sng" algn="ctr">
+              <a:solidFill>
+                <a:schemeClr val="tx1">
+                  <a:lumMod val="15000"/>
+                  <a:lumOff val="85000"/>
+                </a:schemeClr>
+              </a:solidFill>
+              <a:round/>
+            </a:ln>
+            <a:effectLst/>
+          </c:spPr>
+        </c:majorGridlines>
+        <c:title>
+          <c:tx>
+            <c:rich>
+              <a:bodyPr rot="-5400000" spcFirstLastPara="1" vertOverflow="ellipsis" vert="horz" wrap="square" anchor="ctr" anchorCtr="1"/>
+              <a:lstStyle/>
+              <a:p>
+                <a:pPr>
+                  <a:defRPr sz="1000" b="0" i="0" u="none" strike="noStrike" kern="1200" baseline="0">
+                    <a:solidFill>
+                      <a:schemeClr val="tx1">
+                        <a:lumMod val="65000"/>
+                        <a:lumOff val="35000"/>
+                      </a:schemeClr>
+                    </a:solidFill>
+                    <a:latin typeface="+mn-lt"/>
+                    <a:ea typeface="+mn-ea"/>
+                    <a:cs typeface="+mn-cs"/>
+                  </a:defRPr>
+                </a:pPr>
+                <a:r>
+                  <a:rPr lang="en-US"/>
+                  <a:t>Time (ms)</a:t>
+                </a:r>
+              </a:p>
+            </c:rich>
+          </c:tx>
+          <c:layout/>
+          <c:overlay val="0"/>
+          <c:spPr>
+            <a:noFill/>
+            <a:ln>
+              <a:noFill/>
+            </a:ln>
+            <a:effectLst/>
+          </c:spPr>
+          <c:txPr>
+            <a:bodyPr rot="-5400000" spcFirstLastPara="1" vertOverflow="ellipsis" vert="horz" wrap="square" anchor="ctr" anchorCtr="1"/>
+            <a:lstStyle/>
+            <a:p>
+              <a:pPr>
+                <a:defRPr sz="1000" b="0" i="0" u="none" strike="noStrike" kern="1200" baseline="0">
+                  <a:solidFill>
+                    <a:schemeClr val="tx1">
+                      <a:lumMod val="65000"/>
+                      <a:lumOff val="35000"/>
+                    </a:schemeClr>
+                  </a:solidFill>
+                  <a:latin typeface="+mn-lt"/>
+                  <a:ea typeface="+mn-ea"/>
+                  <a:cs typeface="+mn-cs"/>
+                </a:defRPr>
+              </a:pPr>
+              <a:endParaRPr lang="en-US"/>
+            </a:p>
+          </c:txPr>
+        </c:title>
+        <c:majorTickMark val="none"/>
+        <c:minorTickMark val="none"/>
+        <c:tickLblPos val="nextTo"/>
+        <c:spPr>
+          <a:noFill/>
+          <a:ln w="9525" cap="flat" cmpd="sng" algn="ctr">
+            <a:solidFill>
+              <a:schemeClr val="tx1">
+                <a:lumMod val="25000"/>
+                <a:lumOff val="75000"/>
+              </a:schemeClr>
+            </a:solidFill>
+            <a:round/>
+          </a:ln>
+          <a:effectLst/>
+        </c:spPr>
+        <c:txPr>
+          <a:bodyPr rot="-60000000" spcFirstLastPara="1" vertOverflow="ellipsis" vert="horz" wrap="square" anchor="ctr" anchorCtr="1"/>
+          <a:lstStyle/>
+          <a:p>
+            <a:pPr>
+              <a:defRPr sz="900" b="0" i="0" u="none" strike="noStrike" kern="1200" baseline="0">
+                <a:solidFill>
+                  <a:schemeClr val="tx1">
+                    <a:lumMod val="65000"/>
+                    <a:lumOff val="35000"/>
+                  </a:schemeClr>
+                </a:solidFill>
+                <a:latin typeface="+mn-lt"/>
+                <a:ea typeface="+mn-ea"/>
+                <a:cs typeface="+mn-cs"/>
+              </a:defRPr>
+            </a:pPr>
+            <a:endParaRPr lang="en-US"/>
+          </a:p>
+        </c:txPr>
+        <c:crossAx val="-183308416"/>
+        <c:crosses val="autoZero"/>
+        <c:crossBetween val="midCat"/>
+      </c:valAx>
+      <c:spPr>
+        <a:noFill/>
+        <a:ln>
+          <a:noFill/>
+        </a:ln>
+        <a:effectLst/>
+      </c:spPr>
+    </c:plotArea>
+    <c:legend>
+      <c:legendPos val="b"/>
+      <c:legendEntry>
+        <c:idx val="1"/>
+        <c:delete val="1"/>
+      </c:legendEntry>
+      <c:layout/>
+      <c:overlay val="0"/>
+      <c:spPr>
+        <a:noFill/>
+        <a:ln>
+          <a:noFill/>
+        </a:ln>
+        <a:effectLst/>
+      </c:spPr>
+      <c:txPr>
+        <a:bodyPr rot="0" spcFirstLastPara="1" vertOverflow="ellipsis" vert="horz" wrap="square" anchor="ctr" anchorCtr="1"/>
+        <a:lstStyle/>
+        <a:p>
+          <a:pPr>
+            <a:defRPr sz="900" b="0" i="0" u="none" strike="noStrike" kern="1200" baseline="0">
+              <a:solidFill>
+                <a:schemeClr val="tx1">
+                  <a:lumMod val="65000"/>
+                  <a:lumOff val="35000"/>
+                </a:schemeClr>
+              </a:solidFill>
+              <a:latin typeface="+mn-lt"/>
+              <a:ea typeface="+mn-ea"/>
+              <a:cs typeface="+mn-cs"/>
+            </a:defRPr>
+          </a:pPr>
+          <a:endParaRPr lang="en-US"/>
+        </a:p>
+      </c:txPr>
+    </c:legend>
+    <c:plotVisOnly val="1"/>
+    <c:dispBlanksAs val="gap"/>
+    <c:showDLblsOverMax val="0"/>
+  </c:chart>
+  <c:spPr>
+    <a:noFill/>
+    <a:ln>
+      <a:noFill/>
+    </a:ln>
+    <a:effectLst/>
+  </c:spPr>
+  <c:txPr>
+    <a:bodyPr/>
+    <a:lstStyle/>
+    <a:p>
+      <a:pPr>
+        <a:defRPr/>
+      </a:pPr>
+      <a:endParaRPr lang="en-US"/>
+    </a:p>
+  </c:txPr>
+  <c:externalData r:id="rId3">
+    <c:autoUpdate val="0"/>
+  </c:externalData>
+</c:chartSpace>
+</file>
+
+<file path=ppt/charts/chart2.xml><?xml version="1.0" encoding="utf-8"?>
 <c:chartSpace xmlns:c="http://schemas.openxmlformats.org/drawingml/2006/chart" xmlns:a="http://schemas.openxmlformats.org/drawingml/2006/main" xmlns:r="http://schemas.openxmlformats.org/officeDocument/2006/relationships">
   <c:date1904 val="0"/>
   <c:lang val="en-US"/>
@@ -250,19 +693,19 @@
                 <c:formatCode>General</c:formatCode>
                 <c:ptCount val="5"/>
                 <c:pt idx="0">
-                  <c:v>6.0</c:v>
+                  <c:v>91.0</c:v>
                 </c:pt>
                 <c:pt idx="1">
-                  <c:v>17.0</c:v>
+                  <c:v>975.0</c:v>
                 </c:pt>
                 <c:pt idx="2">
-                  <c:v>36.0</c:v>
+                  <c:v>3619.0</c:v>
                 </c:pt>
                 <c:pt idx="3">
-                  <c:v>82.0</c:v>
+                  <c:v>5803.0</c:v>
                 </c:pt>
                 <c:pt idx="4">
-                  <c:v>160.0</c:v>
+                  <c:v>10081.0</c:v>
                 </c:pt>
               </c:numCache>
             </c:numRef>
@@ -277,16 +720,30 @@
           <c:showPercent val="0"/>
           <c:showBubbleSize val="0"/>
         </c:dLbls>
-        <c:axId val="-2035605472"/>
-        <c:axId val="-2035603152"/>
+        <c:axId val="-179981312"/>
+        <c:axId val="-179979536"/>
       </c:scatterChart>
       <c:valAx>
-        <c:axId val="-2035605472"/>
+        <c:axId val="-179981312"/>
         <c:scaling>
           <c:orientation val="minMax"/>
         </c:scaling>
         <c:delete val="0"/>
         <c:axPos val="b"/>
+        <c:majorGridlines>
+          <c:spPr>
+            <a:ln w="9525" cap="flat" cmpd="sng" algn="ctr">
+              <a:solidFill>
+                <a:schemeClr val="tx1">
+                  <a:lumMod val="15000"/>
+                  <a:lumOff val="85000"/>
+                </a:schemeClr>
+              </a:solidFill>
+              <a:round/>
+            </a:ln>
+            <a:effectLst/>
+          </c:spPr>
+        </c:majorGridlines>
         <c:majorTickMark val="none"/>
         <c:minorTickMark val="none"/>
         <c:tickLblPos val="nextTo"/>
@@ -295,8 +752,8 @@
           <a:ln w="9525" cap="flat" cmpd="sng" algn="ctr">
             <a:solidFill>
               <a:schemeClr val="tx1">
-                <a:lumMod val="15000"/>
-                <a:lumOff val="85000"/>
+                <a:lumMod val="25000"/>
+                <a:lumOff val="75000"/>
               </a:schemeClr>
             </a:solidFill>
             <a:round/>
@@ -323,12 +780,12 @@
             <a:endParaRPr lang="en-US"/>
           </a:p>
         </c:txPr>
-        <c:crossAx val="-2035603152"/>
+        <c:crossAx val="-179979536"/>
         <c:crosses val="autoZero"/>
         <c:crossBetween val="midCat"/>
       </c:valAx>
       <c:valAx>
-        <c:axId val="-2035603152"/>
+        <c:axId val="-179979536"/>
         <c:scaling>
           <c:orientation val="minMax"/>
         </c:scaling>
@@ -404,14 +861,19 @@
             </a:p>
           </c:txPr>
         </c:title>
-        <c:numFmt formatCode="General" sourceLinked="0"/>
         <c:majorTickMark val="none"/>
         <c:minorTickMark val="none"/>
         <c:tickLblPos val="nextTo"/>
         <c:spPr>
           <a:noFill/>
-          <a:ln>
-            <a:noFill/>
+          <a:ln w="9525" cap="flat" cmpd="sng" algn="ctr">
+            <a:solidFill>
+              <a:schemeClr val="tx1">
+                <a:lumMod val="25000"/>
+                <a:lumOff val="75000"/>
+              </a:schemeClr>
+            </a:solidFill>
+            <a:round/>
           </a:ln>
           <a:effectLst/>
         </c:spPr>
@@ -435,7 +897,7 @@
             <a:endParaRPr lang="en-US"/>
           </a:p>
         </c:txPr>
-        <c:crossAx val="-2035605472"/>
+        <c:crossAx val="-179981312"/>
         <c:crosses val="autoZero"/>
         <c:crossBetween val="midCat"/>
       </c:valAx>
@@ -510,7 +972,7 @@
 </c:chartSpace>
 </file>
 
-<file path=ppt/charts/chart2.xml><?xml version="1.0" encoding="utf-8"?>
+<file path=ppt/charts/chart3.xml><?xml version="1.0" encoding="utf-8"?>
 <c:chartSpace xmlns:c="http://schemas.openxmlformats.org/drawingml/2006/chart" xmlns:a="http://schemas.openxmlformats.org/drawingml/2006/main" xmlns:r="http://schemas.openxmlformats.org/officeDocument/2006/relationships">
   <c:date1904 val="0"/>
   <c:lang val="en-US"/>
@@ -643,19 +1105,19 @@
                 <c:formatCode>General</c:formatCode>
                 <c:ptCount val="5"/>
                 <c:pt idx="0">
-                  <c:v>1.0</c:v>
+                  <c:v>49.0</c:v>
                 </c:pt>
                 <c:pt idx="1">
-                  <c:v>7.0</c:v>
+                  <c:v>613.0</c:v>
                 </c:pt>
                 <c:pt idx="2">
-                  <c:v>30.0</c:v>
+                  <c:v>2828.0</c:v>
                 </c:pt>
                 <c:pt idx="3">
-                  <c:v>63.0</c:v>
+                  <c:v>4787.0</c:v>
                 </c:pt>
                 <c:pt idx="4">
-                  <c:v>130.0</c:v>
+                  <c:v>9149.0</c:v>
                 </c:pt>
               </c:numCache>
             </c:numRef>
@@ -670,16 +1132,30 @@
           <c:showPercent val="0"/>
           <c:showBubbleSize val="0"/>
         </c:dLbls>
-        <c:axId val="-2030879792"/>
-        <c:axId val="-2030877472"/>
+        <c:axId val="-178027376"/>
+        <c:axId val="-178025056"/>
       </c:scatterChart>
       <c:valAx>
-        <c:axId val="-2030879792"/>
+        <c:axId val="-178027376"/>
         <c:scaling>
           <c:orientation val="minMax"/>
         </c:scaling>
         <c:delete val="0"/>
         <c:axPos val="b"/>
+        <c:majorGridlines>
+          <c:spPr>
+            <a:ln w="9525" cap="flat" cmpd="sng" algn="ctr">
+              <a:solidFill>
+                <a:schemeClr val="tx1">
+                  <a:lumMod val="15000"/>
+                  <a:lumOff val="85000"/>
+                </a:schemeClr>
+              </a:solidFill>
+              <a:round/>
+            </a:ln>
+            <a:effectLst/>
+          </c:spPr>
+        </c:majorGridlines>
         <c:majorTickMark val="none"/>
         <c:minorTickMark val="none"/>
         <c:tickLblPos val="nextTo"/>
@@ -688,8 +1164,8 @@
           <a:ln w="9525" cap="flat" cmpd="sng" algn="ctr">
             <a:solidFill>
               <a:schemeClr val="tx1">
-                <a:lumMod val="15000"/>
-                <a:lumOff val="85000"/>
+                <a:lumMod val="25000"/>
+                <a:lumOff val="75000"/>
               </a:schemeClr>
             </a:solidFill>
             <a:round/>
@@ -716,12 +1192,12 @@
             <a:endParaRPr lang="en-US"/>
           </a:p>
         </c:txPr>
-        <c:crossAx val="-2030877472"/>
+        <c:crossAx val="-178025056"/>
         <c:crosses val="autoZero"/>
         <c:crossBetween val="midCat"/>
       </c:valAx>
       <c:valAx>
-        <c:axId val="-2030877472"/>
+        <c:axId val="-178025056"/>
         <c:scaling>
           <c:orientation val="minMax"/>
         </c:scaling>
@@ -803,8 +1279,14 @@
         <c:tickLblPos val="nextTo"/>
         <c:spPr>
           <a:noFill/>
-          <a:ln>
-            <a:noFill/>
+          <a:ln w="9525" cap="flat" cmpd="sng" algn="ctr">
+            <a:solidFill>
+              <a:schemeClr val="tx1">
+                <a:lumMod val="25000"/>
+                <a:lumOff val="75000"/>
+              </a:schemeClr>
+            </a:solidFill>
+            <a:round/>
           </a:ln>
           <a:effectLst/>
         </c:spPr>
@@ -828,7 +1310,7 @@
             <a:endParaRPr lang="en-US"/>
           </a:p>
         </c:txPr>
-        <c:crossAx val="-2030879792"/>
+        <c:crossAx val="-178027376"/>
         <c:crosses val="autoZero"/>
         <c:crossBetween val="midCat"/>
       </c:valAx>
@@ -903,7 +1385,823 @@
 </c:chartSpace>
 </file>
 
-<file path=ppt/charts/chart3.xml><?xml version="1.0" encoding="utf-8"?>
+<file path=ppt/charts/chart4.xml><?xml version="1.0" encoding="utf-8"?>
+<c:chartSpace xmlns:c="http://schemas.openxmlformats.org/drawingml/2006/chart" xmlns:a="http://schemas.openxmlformats.org/drawingml/2006/main" xmlns:r="http://schemas.openxmlformats.org/officeDocument/2006/relationships">
+  <c:date1904 val="0"/>
+  <c:lang val="en-US"/>
+  <c:roundedCorners val="0"/>
+  <mc:AlternateContent xmlns:mc="http://schemas.openxmlformats.org/markup-compatibility/2006">
+    <mc:Choice xmlns:c14="http://schemas.microsoft.com/office/drawing/2007/8/2/chart" Requires="c14">
+      <c14:style val="102"/>
+    </mc:Choice>
+    <mc:Fallback>
+      <c:style val="2"/>
+    </mc:Fallback>
+  </mc:AlternateContent>
+  <c:chart>
+    <c:title>
+      <c:tx>
+        <c:rich>
+          <a:bodyPr rot="0" spcFirstLastPara="1" vertOverflow="ellipsis" vert="horz" wrap="square" anchor="ctr" anchorCtr="1"/>
+          <a:lstStyle/>
+          <a:p>
+            <a:pPr>
+              <a:defRPr sz="1400" b="0" i="0" u="none" strike="noStrike" kern="1200" spc="0" baseline="0">
+                <a:solidFill>
+                  <a:schemeClr val="tx1">
+                    <a:lumMod val="65000"/>
+                    <a:lumOff val="35000"/>
+                  </a:schemeClr>
+                </a:solidFill>
+                <a:latin typeface="+mn-lt"/>
+                <a:ea typeface="+mn-ea"/>
+                <a:cs typeface="+mn-cs"/>
+              </a:defRPr>
+            </a:pPr>
+            <a:r>
+              <a:rPr lang="en-US"/>
+              <a:t>IntArrayBag</a:t>
+            </a:r>
+          </a:p>
+        </c:rich>
+      </c:tx>
+      <c:layout/>
+      <c:overlay val="0"/>
+      <c:spPr>
+        <a:noFill/>
+        <a:ln>
+          <a:noFill/>
+        </a:ln>
+        <a:effectLst/>
+      </c:spPr>
+      <c:txPr>
+        <a:bodyPr rot="0" spcFirstLastPara="1" vertOverflow="ellipsis" vert="horz" wrap="square" anchor="ctr" anchorCtr="1"/>
+        <a:lstStyle/>
+        <a:p>
+          <a:pPr>
+            <a:defRPr sz="1400" b="0" i="0" u="none" strike="noStrike" kern="1200" spc="0" baseline="0">
+              <a:solidFill>
+                <a:schemeClr val="tx1">
+                  <a:lumMod val="65000"/>
+                  <a:lumOff val="35000"/>
+                </a:schemeClr>
+              </a:solidFill>
+              <a:latin typeface="+mn-lt"/>
+              <a:ea typeface="+mn-ea"/>
+              <a:cs typeface="+mn-cs"/>
+            </a:defRPr>
+          </a:pPr>
+          <a:endParaRPr lang="en-US"/>
+        </a:p>
+      </c:txPr>
+    </c:title>
+    <c:autoTitleDeleted val="0"/>
+    <c:plotArea>
+      <c:layout/>
+      <c:scatterChart>
+        <c:scatterStyle val="lineMarker"/>
+        <c:varyColors val="0"/>
+        <c:ser>
+          <c:idx val="1"/>
+          <c:order val="0"/>
+          <c:tx>
+            <c:strRef>
+              <c:f>Sheet1!$S$4</c:f>
+              <c:strCache>
+                <c:ptCount val="1"/>
+                <c:pt idx="0">
+                  <c:v>remove()</c:v>
+                </c:pt>
+              </c:strCache>
+            </c:strRef>
+          </c:tx>
+          <c:spPr>
+            <a:ln w="31750" cap="rnd">
+              <a:noFill/>
+              <a:round/>
+            </a:ln>
+            <a:effectLst/>
+          </c:spPr>
+          <c:marker>
+            <c:symbol val="circle"/>
+            <c:size val="5"/>
+            <c:spPr>
+              <a:solidFill>
+                <a:schemeClr val="accent2"/>
+              </a:solidFill>
+              <a:ln w="9525">
+                <a:solidFill>
+                  <a:schemeClr val="accent2"/>
+                </a:solidFill>
+              </a:ln>
+              <a:effectLst/>
+            </c:spPr>
+          </c:marker>
+          <c:trendline>
+            <c:spPr>
+              <a:ln w="19050" cap="rnd">
+                <a:solidFill>
+                  <a:schemeClr val="accent2"/>
+                </a:solidFill>
+                <a:prstDash val="sysDot"/>
+              </a:ln>
+              <a:effectLst/>
+            </c:spPr>
+            <c:trendlineType val="linear"/>
+            <c:dispRSqr val="0"/>
+            <c:dispEq val="0"/>
+          </c:trendline>
+          <c:xVal>
+            <c:numRef>
+              <c:f>Sheet1!$Q$5:$Q$9</c:f>
+              <c:numCache>
+                <c:formatCode>General</c:formatCode>
+                <c:ptCount val="5"/>
+                <c:pt idx="0">
+                  <c:v>1.0</c:v>
+                </c:pt>
+                <c:pt idx="1">
+                  <c:v>2.0</c:v>
+                </c:pt>
+                <c:pt idx="2">
+                  <c:v>3.0</c:v>
+                </c:pt>
+                <c:pt idx="3">
+                  <c:v>4.0</c:v>
+                </c:pt>
+                <c:pt idx="4">
+                  <c:v>5.0</c:v>
+                </c:pt>
+              </c:numCache>
+            </c:numRef>
+          </c:xVal>
+          <c:yVal>
+            <c:numRef>
+              <c:f>Sheet1!$S$5:$S$9</c:f>
+              <c:numCache>
+                <c:formatCode>General</c:formatCode>
+                <c:ptCount val="5"/>
+                <c:pt idx="0">
+                  <c:v>26.0</c:v>
+                </c:pt>
+                <c:pt idx="1">
+                  <c:v>70.0</c:v>
+                </c:pt>
+                <c:pt idx="2">
+                  <c:v>170.0</c:v>
+                </c:pt>
+                <c:pt idx="3">
+                  <c:v>323.0</c:v>
+                </c:pt>
+                <c:pt idx="4">
+                  <c:v>537.0</c:v>
+                </c:pt>
+              </c:numCache>
+            </c:numRef>
+          </c:yVal>
+          <c:smooth val="0"/>
+        </c:ser>
+        <c:dLbls>
+          <c:showLegendKey val="0"/>
+          <c:showVal val="0"/>
+          <c:showCatName val="0"/>
+          <c:showSerName val="0"/>
+          <c:showPercent val="0"/>
+          <c:showBubbleSize val="0"/>
+        </c:dLbls>
+        <c:axId val="-178919200"/>
+        <c:axId val="-178833440"/>
+      </c:scatterChart>
+      <c:valAx>
+        <c:axId val="-178919200"/>
+        <c:scaling>
+          <c:orientation val="minMax"/>
+        </c:scaling>
+        <c:delete val="0"/>
+        <c:axPos val="b"/>
+        <c:majorGridlines>
+          <c:spPr>
+            <a:ln w="9525" cap="flat" cmpd="sng" algn="ctr">
+              <a:solidFill>
+                <a:schemeClr val="tx1">
+                  <a:lumMod val="15000"/>
+                  <a:lumOff val="85000"/>
+                </a:schemeClr>
+              </a:solidFill>
+              <a:round/>
+            </a:ln>
+            <a:effectLst/>
+          </c:spPr>
+        </c:majorGridlines>
+        <c:majorTickMark val="none"/>
+        <c:minorTickMark val="none"/>
+        <c:tickLblPos val="nextTo"/>
+        <c:spPr>
+          <a:noFill/>
+          <a:ln w="9525" cap="flat" cmpd="sng" algn="ctr">
+            <a:solidFill>
+              <a:schemeClr val="tx1">
+                <a:lumMod val="25000"/>
+                <a:lumOff val="75000"/>
+              </a:schemeClr>
+            </a:solidFill>
+            <a:round/>
+          </a:ln>
+          <a:effectLst/>
+        </c:spPr>
+        <c:txPr>
+          <a:bodyPr rot="-60000000" spcFirstLastPara="1" vertOverflow="ellipsis" vert="horz" wrap="square" anchor="ctr" anchorCtr="1"/>
+          <a:lstStyle/>
+          <a:p>
+            <a:pPr>
+              <a:defRPr sz="900" b="0" i="0" u="none" strike="noStrike" kern="1200" baseline="0">
+                <a:solidFill>
+                  <a:schemeClr val="tx1">
+                    <a:lumMod val="65000"/>
+                    <a:lumOff val="35000"/>
+                  </a:schemeClr>
+                </a:solidFill>
+                <a:latin typeface="+mn-lt"/>
+                <a:ea typeface="+mn-ea"/>
+                <a:cs typeface="+mn-cs"/>
+              </a:defRPr>
+            </a:pPr>
+            <a:endParaRPr lang="en-US"/>
+          </a:p>
+        </c:txPr>
+        <c:crossAx val="-178833440"/>
+        <c:crosses val="autoZero"/>
+        <c:crossBetween val="midCat"/>
+      </c:valAx>
+      <c:valAx>
+        <c:axId val="-178833440"/>
+        <c:scaling>
+          <c:orientation val="minMax"/>
+        </c:scaling>
+        <c:delete val="0"/>
+        <c:axPos val="l"/>
+        <c:majorGridlines>
+          <c:spPr>
+            <a:ln w="9525" cap="flat" cmpd="sng" algn="ctr">
+              <a:solidFill>
+                <a:schemeClr val="tx1">
+                  <a:lumMod val="15000"/>
+                  <a:lumOff val="85000"/>
+                </a:schemeClr>
+              </a:solidFill>
+              <a:round/>
+            </a:ln>
+            <a:effectLst/>
+          </c:spPr>
+        </c:majorGridlines>
+        <c:title>
+          <c:tx>
+            <c:rich>
+              <a:bodyPr rot="-5400000" spcFirstLastPara="1" vertOverflow="ellipsis" vert="horz" wrap="square" anchor="ctr" anchorCtr="1"/>
+              <a:lstStyle/>
+              <a:p>
+                <a:pPr>
+                  <a:defRPr sz="1000" b="0" i="0" u="none" strike="noStrike" kern="1200" baseline="0">
+                    <a:solidFill>
+                      <a:schemeClr val="tx1">
+                        <a:lumMod val="65000"/>
+                        <a:lumOff val="35000"/>
+                      </a:schemeClr>
+                    </a:solidFill>
+                    <a:latin typeface="+mn-lt"/>
+                    <a:ea typeface="+mn-ea"/>
+                    <a:cs typeface="+mn-cs"/>
+                  </a:defRPr>
+                </a:pPr>
+                <a:r>
+                  <a:rPr lang="en-US"/>
+                  <a:t>TIme (ms)</a:t>
+                </a:r>
+              </a:p>
+            </c:rich>
+          </c:tx>
+          <c:layout/>
+          <c:overlay val="0"/>
+          <c:spPr>
+            <a:noFill/>
+            <a:ln>
+              <a:noFill/>
+            </a:ln>
+            <a:effectLst/>
+          </c:spPr>
+          <c:txPr>
+            <a:bodyPr rot="-5400000" spcFirstLastPara="1" vertOverflow="ellipsis" vert="horz" wrap="square" anchor="ctr" anchorCtr="1"/>
+            <a:lstStyle/>
+            <a:p>
+              <a:pPr>
+                <a:defRPr sz="1000" b="0" i="0" u="none" strike="noStrike" kern="1200" baseline="0">
+                  <a:solidFill>
+                    <a:schemeClr val="tx1">
+                      <a:lumMod val="65000"/>
+                      <a:lumOff val="35000"/>
+                    </a:schemeClr>
+                  </a:solidFill>
+                  <a:latin typeface="+mn-lt"/>
+                  <a:ea typeface="+mn-ea"/>
+                  <a:cs typeface="+mn-cs"/>
+                </a:defRPr>
+              </a:pPr>
+              <a:endParaRPr lang="en-US"/>
+            </a:p>
+          </c:txPr>
+        </c:title>
+        <c:majorTickMark val="none"/>
+        <c:minorTickMark val="none"/>
+        <c:tickLblPos val="nextTo"/>
+        <c:spPr>
+          <a:noFill/>
+          <a:ln w="9525" cap="flat" cmpd="sng" algn="ctr">
+            <a:solidFill>
+              <a:schemeClr val="tx1">
+                <a:lumMod val="25000"/>
+                <a:lumOff val="75000"/>
+              </a:schemeClr>
+            </a:solidFill>
+            <a:round/>
+          </a:ln>
+          <a:effectLst/>
+        </c:spPr>
+        <c:txPr>
+          <a:bodyPr rot="-60000000" spcFirstLastPara="1" vertOverflow="ellipsis" vert="horz" wrap="square" anchor="ctr" anchorCtr="1"/>
+          <a:lstStyle/>
+          <a:p>
+            <a:pPr>
+              <a:defRPr sz="900" b="0" i="0" u="none" strike="noStrike" kern="1200" baseline="0">
+                <a:solidFill>
+                  <a:schemeClr val="tx1">
+                    <a:lumMod val="65000"/>
+                    <a:lumOff val="35000"/>
+                  </a:schemeClr>
+                </a:solidFill>
+                <a:latin typeface="+mn-lt"/>
+                <a:ea typeface="+mn-ea"/>
+                <a:cs typeface="+mn-cs"/>
+              </a:defRPr>
+            </a:pPr>
+            <a:endParaRPr lang="en-US"/>
+          </a:p>
+        </c:txPr>
+        <c:crossAx val="-178919200"/>
+        <c:crosses val="autoZero"/>
+        <c:crossBetween val="midCat"/>
+      </c:valAx>
+      <c:spPr>
+        <a:noFill/>
+        <a:ln>
+          <a:noFill/>
+        </a:ln>
+        <a:effectLst/>
+      </c:spPr>
+    </c:plotArea>
+    <c:legend>
+      <c:legendPos val="b"/>
+      <c:legendEntry>
+        <c:idx val="1"/>
+        <c:delete val="1"/>
+      </c:legendEntry>
+      <c:layout/>
+      <c:overlay val="0"/>
+      <c:spPr>
+        <a:noFill/>
+        <a:ln>
+          <a:noFill/>
+        </a:ln>
+        <a:effectLst/>
+      </c:spPr>
+      <c:txPr>
+        <a:bodyPr rot="0" spcFirstLastPara="1" vertOverflow="ellipsis" vert="horz" wrap="square" anchor="ctr" anchorCtr="1"/>
+        <a:lstStyle/>
+        <a:p>
+          <a:pPr>
+            <a:defRPr sz="900" b="0" i="0" u="none" strike="noStrike" kern="1200" baseline="0">
+              <a:solidFill>
+                <a:schemeClr val="tx1">
+                  <a:lumMod val="65000"/>
+                  <a:lumOff val="35000"/>
+                </a:schemeClr>
+              </a:solidFill>
+              <a:latin typeface="+mn-lt"/>
+              <a:ea typeface="+mn-ea"/>
+              <a:cs typeface="+mn-cs"/>
+            </a:defRPr>
+          </a:pPr>
+          <a:endParaRPr lang="en-US"/>
+        </a:p>
+      </c:txPr>
+    </c:legend>
+    <c:plotVisOnly val="1"/>
+    <c:dispBlanksAs val="gap"/>
+    <c:showDLblsOverMax val="0"/>
+  </c:chart>
+  <c:spPr>
+    <a:noFill/>
+    <a:ln>
+      <a:noFill/>
+    </a:ln>
+    <a:effectLst/>
+  </c:spPr>
+  <c:txPr>
+    <a:bodyPr/>
+    <a:lstStyle/>
+    <a:p>
+      <a:pPr>
+        <a:defRPr/>
+      </a:pPr>
+      <a:endParaRPr lang="en-US"/>
+    </a:p>
+  </c:txPr>
+  <c:externalData r:id="rId3">
+    <c:autoUpdate val="0"/>
+  </c:externalData>
+</c:chartSpace>
+</file>
+
+<file path=ppt/charts/chart5.xml><?xml version="1.0" encoding="utf-8"?>
+<c:chartSpace xmlns:c="http://schemas.openxmlformats.org/drawingml/2006/chart" xmlns:a="http://schemas.openxmlformats.org/drawingml/2006/main" xmlns:r="http://schemas.openxmlformats.org/officeDocument/2006/relationships">
+  <c:date1904 val="0"/>
+  <c:lang val="en-US"/>
+  <c:roundedCorners val="0"/>
+  <mc:AlternateContent xmlns:mc="http://schemas.openxmlformats.org/markup-compatibility/2006">
+    <mc:Choice xmlns:c14="http://schemas.microsoft.com/office/drawing/2007/8/2/chart" Requires="c14">
+      <c14:style val="102"/>
+    </mc:Choice>
+    <mc:Fallback>
+      <c:style val="2"/>
+    </mc:Fallback>
+  </mc:AlternateContent>
+  <c:chart>
+    <c:title>
+      <c:tx>
+        <c:rich>
+          <a:bodyPr rot="0" spcFirstLastPara="1" vertOverflow="ellipsis" vert="horz" wrap="square" anchor="ctr" anchorCtr="1"/>
+          <a:lstStyle/>
+          <a:p>
+            <a:pPr>
+              <a:defRPr sz="1400" b="0" i="0" u="none" strike="noStrike" kern="1200" spc="0" baseline="0">
+                <a:solidFill>
+                  <a:schemeClr val="tx1">
+                    <a:lumMod val="65000"/>
+                    <a:lumOff val="35000"/>
+                  </a:schemeClr>
+                </a:solidFill>
+                <a:latin typeface="+mn-lt"/>
+                <a:ea typeface="+mn-ea"/>
+                <a:cs typeface="+mn-cs"/>
+              </a:defRPr>
+            </a:pPr>
+            <a:r>
+              <a:rPr lang="en-US"/>
+              <a:t>IntArrayBag</a:t>
+            </a:r>
+          </a:p>
+        </c:rich>
+      </c:tx>
+      <c:layout/>
+      <c:overlay val="0"/>
+      <c:spPr>
+        <a:noFill/>
+        <a:ln>
+          <a:noFill/>
+        </a:ln>
+        <a:effectLst/>
+      </c:spPr>
+      <c:txPr>
+        <a:bodyPr rot="0" spcFirstLastPara="1" vertOverflow="ellipsis" vert="horz" wrap="square" anchor="ctr" anchorCtr="1"/>
+        <a:lstStyle/>
+        <a:p>
+          <a:pPr>
+            <a:defRPr sz="1400" b="0" i="0" u="none" strike="noStrike" kern="1200" spc="0" baseline="0">
+              <a:solidFill>
+                <a:schemeClr val="tx1">
+                  <a:lumMod val="65000"/>
+                  <a:lumOff val="35000"/>
+                </a:schemeClr>
+              </a:solidFill>
+              <a:latin typeface="+mn-lt"/>
+              <a:ea typeface="+mn-ea"/>
+              <a:cs typeface="+mn-cs"/>
+            </a:defRPr>
+          </a:pPr>
+          <a:endParaRPr lang="en-US"/>
+        </a:p>
+      </c:txPr>
+    </c:title>
+    <c:autoTitleDeleted val="0"/>
+    <c:plotArea>
+      <c:layout/>
+      <c:scatterChart>
+        <c:scatterStyle val="lineMarker"/>
+        <c:varyColors val="0"/>
+        <c:ser>
+          <c:idx val="2"/>
+          <c:order val="0"/>
+          <c:tx>
+            <c:strRef>
+              <c:f>Sheet1!$T$4</c:f>
+              <c:strCache>
+                <c:ptCount val="1"/>
+                <c:pt idx="0">
+                  <c:v>addAll()</c:v>
+                </c:pt>
+              </c:strCache>
+            </c:strRef>
+          </c:tx>
+          <c:spPr>
+            <a:ln w="31750" cap="rnd">
+              <a:noFill/>
+              <a:round/>
+            </a:ln>
+            <a:effectLst/>
+          </c:spPr>
+          <c:marker>
+            <c:symbol val="circle"/>
+            <c:size val="5"/>
+            <c:spPr>
+              <a:solidFill>
+                <a:schemeClr val="accent3"/>
+              </a:solidFill>
+              <a:ln w="9525">
+                <a:solidFill>
+                  <a:schemeClr val="accent3"/>
+                </a:solidFill>
+              </a:ln>
+              <a:effectLst/>
+            </c:spPr>
+          </c:marker>
+          <c:trendline>
+            <c:spPr>
+              <a:ln w="19050" cap="rnd">
+                <a:solidFill>
+                  <a:schemeClr val="accent3"/>
+                </a:solidFill>
+                <a:prstDash val="sysDot"/>
+              </a:ln>
+              <a:effectLst/>
+            </c:spPr>
+            <c:trendlineType val="log"/>
+            <c:dispRSqr val="0"/>
+            <c:dispEq val="0"/>
+          </c:trendline>
+          <c:xVal>
+            <c:numRef>
+              <c:f>Sheet1!$Q$5:$Q$9</c:f>
+              <c:numCache>
+                <c:formatCode>General</c:formatCode>
+                <c:ptCount val="5"/>
+                <c:pt idx="0">
+                  <c:v>1.0</c:v>
+                </c:pt>
+                <c:pt idx="1">
+                  <c:v>2.0</c:v>
+                </c:pt>
+                <c:pt idx="2">
+                  <c:v>3.0</c:v>
+                </c:pt>
+                <c:pt idx="3">
+                  <c:v>4.0</c:v>
+                </c:pt>
+                <c:pt idx="4">
+                  <c:v>5.0</c:v>
+                </c:pt>
+              </c:numCache>
+            </c:numRef>
+          </c:xVal>
+          <c:yVal>
+            <c:numRef>
+              <c:f>Sheet1!$T$5:$T$9</c:f>
+              <c:numCache>
+                <c:formatCode>General</c:formatCode>
+                <c:ptCount val="5"/>
+                <c:pt idx="0">
+                  <c:v>1.0</c:v>
+                </c:pt>
+                <c:pt idx="1">
+                  <c:v>1.0</c:v>
+                </c:pt>
+                <c:pt idx="2">
+                  <c:v>0.0</c:v>
+                </c:pt>
+                <c:pt idx="3">
+                  <c:v>1.0</c:v>
+                </c:pt>
+                <c:pt idx="4">
+                  <c:v>1.0</c:v>
+                </c:pt>
+              </c:numCache>
+            </c:numRef>
+          </c:yVal>
+          <c:smooth val="0"/>
+        </c:ser>
+        <c:dLbls>
+          <c:showLegendKey val="0"/>
+          <c:showVal val="0"/>
+          <c:showCatName val="0"/>
+          <c:showSerName val="0"/>
+          <c:showPercent val="0"/>
+          <c:showBubbleSize val="0"/>
+        </c:dLbls>
+        <c:axId val="-178014928"/>
+        <c:axId val="-177896832"/>
+      </c:scatterChart>
+      <c:valAx>
+        <c:axId val="-178014928"/>
+        <c:scaling>
+          <c:orientation val="minMax"/>
+        </c:scaling>
+        <c:delete val="0"/>
+        <c:axPos val="b"/>
+        <c:majorGridlines>
+          <c:spPr>
+            <a:ln w="9525" cap="flat" cmpd="sng" algn="ctr">
+              <a:solidFill>
+                <a:schemeClr val="tx1">
+                  <a:lumMod val="15000"/>
+                  <a:lumOff val="85000"/>
+                </a:schemeClr>
+              </a:solidFill>
+              <a:round/>
+            </a:ln>
+            <a:effectLst/>
+          </c:spPr>
+        </c:majorGridlines>
+        <c:majorTickMark val="none"/>
+        <c:minorTickMark val="none"/>
+        <c:tickLblPos val="nextTo"/>
+        <c:spPr>
+          <a:noFill/>
+          <a:ln w="9525" cap="flat" cmpd="sng" algn="ctr">
+            <a:solidFill>
+              <a:schemeClr val="tx1">
+                <a:lumMod val="25000"/>
+                <a:lumOff val="75000"/>
+              </a:schemeClr>
+            </a:solidFill>
+            <a:round/>
+          </a:ln>
+          <a:effectLst/>
+        </c:spPr>
+        <c:txPr>
+          <a:bodyPr rot="-60000000" spcFirstLastPara="1" vertOverflow="ellipsis" vert="horz" wrap="square" anchor="ctr" anchorCtr="1"/>
+          <a:lstStyle/>
+          <a:p>
+            <a:pPr>
+              <a:defRPr sz="900" b="0" i="0" u="none" strike="noStrike" kern="1200" baseline="0">
+                <a:solidFill>
+                  <a:schemeClr val="tx1">
+                    <a:lumMod val="65000"/>
+                    <a:lumOff val="35000"/>
+                  </a:schemeClr>
+                </a:solidFill>
+                <a:latin typeface="+mn-lt"/>
+                <a:ea typeface="+mn-ea"/>
+                <a:cs typeface="+mn-cs"/>
+              </a:defRPr>
+            </a:pPr>
+            <a:endParaRPr lang="en-US"/>
+          </a:p>
+        </c:txPr>
+        <c:crossAx val="-177896832"/>
+        <c:crosses val="autoZero"/>
+        <c:crossBetween val="midCat"/>
+      </c:valAx>
+      <c:valAx>
+        <c:axId val="-177896832"/>
+        <c:scaling>
+          <c:orientation val="minMax"/>
+        </c:scaling>
+        <c:delete val="0"/>
+        <c:axPos val="l"/>
+        <c:majorGridlines>
+          <c:spPr>
+            <a:ln w="9525" cap="flat" cmpd="sng" algn="ctr">
+              <a:solidFill>
+                <a:schemeClr val="tx1">
+                  <a:lumMod val="15000"/>
+                  <a:lumOff val="85000"/>
+                </a:schemeClr>
+              </a:solidFill>
+              <a:round/>
+            </a:ln>
+            <a:effectLst/>
+          </c:spPr>
+        </c:majorGridlines>
+        <c:majorTickMark val="none"/>
+        <c:minorTickMark val="none"/>
+        <c:tickLblPos val="nextTo"/>
+        <c:spPr>
+          <a:noFill/>
+          <a:ln w="9525" cap="flat" cmpd="sng" algn="ctr">
+            <a:solidFill>
+              <a:schemeClr val="tx1">
+                <a:lumMod val="25000"/>
+                <a:lumOff val="75000"/>
+              </a:schemeClr>
+            </a:solidFill>
+            <a:round/>
+          </a:ln>
+          <a:effectLst/>
+        </c:spPr>
+        <c:txPr>
+          <a:bodyPr rot="-60000000" spcFirstLastPara="1" vertOverflow="ellipsis" vert="horz" wrap="square" anchor="ctr" anchorCtr="1"/>
+          <a:lstStyle/>
+          <a:p>
+            <a:pPr>
+              <a:defRPr sz="900" b="0" i="0" u="none" strike="noStrike" kern="1200" baseline="0">
+                <a:solidFill>
+                  <a:schemeClr val="tx1">
+                    <a:lumMod val="65000"/>
+                    <a:lumOff val="35000"/>
+                  </a:schemeClr>
+                </a:solidFill>
+                <a:latin typeface="+mn-lt"/>
+                <a:ea typeface="+mn-ea"/>
+                <a:cs typeface="+mn-cs"/>
+              </a:defRPr>
+            </a:pPr>
+            <a:endParaRPr lang="en-US"/>
+          </a:p>
+        </c:txPr>
+        <c:crossAx val="-178014928"/>
+        <c:crosses val="autoZero"/>
+        <c:crossBetween val="midCat"/>
+      </c:valAx>
+      <c:spPr>
+        <a:noFill/>
+        <a:ln>
+          <a:noFill/>
+        </a:ln>
+        <a:effectLst/>
+      </c:spPr>
+    </c:plotArea>
+    <c:legend>
+      <c:legendPos val="b"/>
+      <c:legendEntry>
+        <c:idx val="1"/>
+        <c:delete val="1"/>
+      </c:legendEntry>
+      <c:layout/>
+      <c:overlay val="0"/>
+      <c:spPr>
+        <a:noFill/>
+        <a:ln>
+          <a:noFill/>
+        </a:ln>
+        <a:effectLst/>
+      </c:spPr>
+      <c:txPr>
+        <a:bodyPr rot="0" spcFirstLastPara="1" vertOverflow="ellipsis" vert="horz" wrap="square" anchor="ctr" anchorCtr="1"/>
+        <a:lstStyle/>
+        <a:p>
+          <a:pPr>
+            <a:defRPr sz="900" b="0" i="0" u="none" strike="noStrike" kern="1200" baseline="0">
+              <a:solidFill>
+                <a:schemeClr val="tx1">
+                  <a:lumMod val="65000"/>
+                  <a:lumOff val="35000"/>
+                </a:schemeClr>
+              </a:solidFill>
+              <a:latin typeface="+mn-lt"/>
+              <a:ea typeface="+mn-ea"/>
+              <a:cs typeface="+mn-cs"/>
+            </a:defRPr>
+          </a:pPr>
+          <a:endParaRPr lang="en-US"/>
+        </a:p>
+      </c:txPr>
+    </c:legend>
+    <c:plotVisOnly val="1"/>
+    <c:dispBlanksAs val="gap"/>
+    <c:showDLblsOverMax val="0"/>
+  </c:chart>
+  <c:spPr>
+    <a:noFill/>
+    <a:ln>
+      <a:noFill/>
+    </a:ln>
+    <a:effectLst/>
+  </c:spPr>
+  <c:txPr>
+    <a:bodyPr/>
+    <a:lstStyle/>
+    <a:p>
+      <a:pPr>
+        <a:defRPr/>
+      </a:pPr>
+      <a:endParaRPr lang="en-US"/>
+    </a:p>
+  </c:txPr>
+  <c:externalData r:id="rId3">
+    <c:autoUpdate val="0"/>
+  </c:externalData>
+</c:chartSpace>
+</file>
+
+<file path=ppt/charts/chart6.xml><?xml version="1.0" encoding="utf-8"?>
 <c:chartSpace xmlns:c="http://schemas.openxmlformats.org/drawingml/2006/chart" xmlns:a="http://schemas.openxmlformats.org/drawingml/2006/main" xmlns:r="http://schemas.openxmlformats.org/officeDocument/2006/relationships">
   <c:date1904 val="0"/>
   <c:lang val="en-US"/>
@@ -1031,24 +2329,15 @@
           </c:trendline>
           <c:yVal>
             <c:numRef>
-              <c:f>Sheet1!$M$4:$M$8</c:f>
+              <c:f>Sheet1!$M$4:$M$5</c:f>
               <c:numCache>
                 <c:formatCode>General</c:formatCode>
-                <c:ptCount val="5"/>
+                <c:ptCount val="2"/>
                 <c:pt idx="0">
-                  <c:v>1.0</c:v>
+                  <c:v>4.0</c:v>
                 </c:pt>
                 <c:pt idx="1">
-                  <c:v>1.0</c:v>
-                </c:pt>
-                <c:pt idx="2">
-                  <c:v>1.0</c:v>
-                </c:pt>
-                <c:pt idx="3">
-                  <c:v>1.0</c:v>
-                </c:pt>
-                <c:pt idx="4">
-                  <c:v>1.0</c:v>
+                  <c:v>3.0</c:v>
                 </c:pt>
               </c:numCache>
             </c:numRef>
@@ -1063,16 +2352,30 @@
           <c:showPercent val="0"/>
           <c:showBubbleSize val="0"/>
         </c:dLbls>
-        <c:axId val="-2032136016"/>
-        <c:axId val="-2114108288"/>
+        <c:axId val="-182532592"/>
+        <c:axId val="-178689904"/>
       </c:scatterChart>
       <c:valAx>
-        <c:axId val="-2032136016"/>
+        <c:axId val="-182532592"/>
         <c:scaling>
           <c:orientation val="minMax"/>
         </c:scaling>
         <c:delete val="0"/>
         <c:axPos val="b"/>
+        <c:majorGridlines>
+          <c:spPr>
+            <a:ln w="9525" cap="flat" cmpd="sng" algn="ctr">
+              <a:solidFill>
+                <a:schemeClr val="tx1">
+                  <a:lumMod val="15000"/>
+                  <a:lumOff val="85000"/>
+                </a:schemeClr>
+              </a:solidFill>
+              <a:round/>
+            </a:ln>
+            <a:effectLst/>
+          </c:spPr>
+        </c:majorGridlines>
         <c:majorTickMark val="none"/>
         <c:minorTickMark val="none"/>
         <c:tickLblPos val="nextTo"/>
@@ -1081,8 +2384,8 @@
           <a:ln w="9525" cap="flat" cmpd="sng" algn="ctr">
             <a:solidFill>
               <a:schemeClr val="tx1">
-                <a:lumMod val="15000"/>
-                <a:lumOff val="85000"/>
+                <a:lumMod val="25000"/>
+                <a:lumOff val="75000"/>
               </a:schemeClr>
             </a:solidFill>
             <a:round/>
@@ -1109,12 +2412,12 @@
             <a:endParaRPr lang="en-US"/>
           </a:p>
         </c:txPr>
-        <c:crossAx val="-2114108288"/>
+        <c:crossAx val="-178689904"/>
         <c:crosses val="autoZero"/>
         <c:crossBetween val="midCat"/>
       </c:valAx>
       <c:valAx>
-        <c:axId val="-2114108288"/>
+        <c:axId val="-178689904"/>
         <c:scaling>
           <c:orientation val="minMax"/>
         </c:scaling>
@@ -1195,8 +2498,14 @@
         <c:tickLblPos val="nextTo"/>
         <c:spPr>
           <a:noFill/>
-          <a:ln>
-            <a:noFill/>
+          <a:ln w="9525" cap="flat" cmpd="sng" algn="ctr">
+            <a:solidFill>
+              <a:schemeClr val="tx1">
+                <a:lumMod val="25000"/>
+                <a:lumOff val="75000"/>
+              </a:schemeClr>
+            </a:solidFill>
+            <a:round/>
           </a:ln>
           <a:effectLst/>
         </c:spPr>
@@ -1220,7 +2529,7 @@
             <a:endParaRPr lang="en-US"/>
           </a:p>
         </c:txPr>
-        <c:crossAx val="-2032136016"/>
+        <c:crossAx val="-182532592"/>
         <c:crosses val="autoZero"/>
         <c:crossBetween val="midCat"/>
       </c:valAx>
@@ -1415,8 +2724,128 @@
 </cs:colorStyle>
 </file>
 
+<file path=ppt/charts/colors4.xml><?xml version="1.0" encoding="utf-8"?>
+<cs:colorStyle xmlns:cs="http://schemas.microsoft.com/office/drawing/2012/chartStyle" xmlns:a="http://schemas.openxmlformats.org/drawingml/2006/main" meth="cycle" id="10">
+  <a:schemeClr val="accent1"/>
+  <a:schemeClr val="accent2"/>
+  <a:schemeClr val="accent3"/>
+  <a:schemeClr val="accent4"/>
+  <a:schemeClr val="accent5"/>
+  <a:schemeClr val="accent6"/>
+  <cs:variation/>
+  <cs:variation>
+    <a:lumMod val="60000"/>
+  </cs:variation>
+  <cs:variation>
+    <a:lumMod val="80000"/>
+    <a:lumOff val="20000"/>
+  </cs:variation>
+  <cs:variation>
+    <a:lumMod val="80000"/>
+  </cs:variation>
+  <cs:variation>
+    <a:lumMod val="60000"/>
+    <a:lumOff val="40000"/>
+  </cs:variation>
+  <cs:variation>
+    <a:lumMod val="50000"/>
+  </cs:variation>
+  <cs:variation>
+    <a:lumMod val="70000"/>
+    <a:lumOff val="30000"/>
+  </cs:variation>
+  <cs:variation>
+    <a:lumMod val="70000"/>
+  </cs:variation>
+  <cs:variation>
+    <a:lumMod val="50000"/>
+    <a:lumOff val="50000"/>
+  </cs:variation>
+</cs:colorStyle>
+</file>
+
+<file path=ppt/charts/colors5.xml><?xml version="1.0" encoding="utf-8"?>
+<cs:colorStyle xmlns:cs="http://schemas.microsoft.com/office/drawing/2012/chartStyle" xmlns:a="http://schemas.openxmlformats.org/drawingml/2006/main" meth="cycle" id="10">
+  <a:schemeClr val="accent1"/>
+  <a:schemeClr val="accent2"/>
+  <a:schemeClr val="accent3"/>
+  <a:schemeClr val="accent4"/>
+  <a:schemeClr val="accent5"/>
+  <a:schemeClr val="accent6"/>
+  <cs:variation/>
+  <cs:variation>
+    <a:lumMod val="60000"/>
+  </cs:variation>
+  <cs:variation>
+    <a:lumMod val="80000"/>
+    <a:lumOff val="20000"/>
+  </cs:variation>
+  <cs:variation>
+    <a:lumMod val="80000"/>
+  </cs:variation>
+  <cs:variation>
+    <a:lumMod val="60000"/>
+    <a:lumOff val="40000"/>
+  </cs:variation>
+  <cs:variation>
+    <a:lumMod val="50000"/>
+  </cs:variation>
+  <cs:variation>
+    <a:lumMod val="70000"/>
+    <a:lumOff val="30000"/>
+  </cs:variation>
+  <cs:variation>
+    <a:lumMod val="70000"/>
+  </cs:variation>
+  <cs:variation>
+    <a:lumMod val="50000"/>
+    <a:lumOff val="50000"/>
+  </cs:variation>
+</cs:colorStyle>
+</file>
+
+<file path=ppt/charts/colors6.xml><?xml version="1.0" encoding="utf-8"?>
+<cs:colorStyle xmlns:cs="http://schemas.microsoft.com/office/drawing/2012/chartStyle" xmlns:a="http://schemas.openxmlformats.org/drawingml/2006/main" meth="cycle" id="10">
+  <a:schemeClr val="accent1"/>
+  <a:schemeClr val="accent2"/>
+  <a:schemeClr val="accent3"/>
+  <a:schemeClr val="accent4"/>
+  <a:schemeClr val="accent5"/>
+  <a:schemeClr val="accent6"/>
+  <cs:variation/>
+  <cs:variation>
+    <a:lumMod val="60000"/>
+  </cs:variation>
+  <cs:variation>
+    <a:lumMod val="80000"/>
+    <a:lumOff val="20000"/>
+  </cs:variation>
+  <cs:variation>
+    <a:lumMod val="80000"/>
+  </cs:variation>
+  <cs:variation>
+    <a:lumMod val="60000"/>
+    <a:lumOff val="40000"/>
+  </cs:variation>
+  <cs:variation>
+    <a:lumMod val="50000"/>
+  </cs:variation>
+  <cs:variation>
+    <a:lumMod val="70000"/>
+    <a:lumOff val="30000"/>
+  </cs:variation>
+  <cs:variation>
+    <a:lumMod val="70000"/>
+  </cs:variation>
+  <cs:variation>
+    <a:lumMod val="50000"/>
+    <a:lumOff val="50000"/>
+  </cs:variation>
+</cs:colorStyle>
+</file>
+
 <file path=ppt/charts/style1.xml><?xml version="1.0" encoding="utf-8"?>
-<cs:chartStyle xmlns:cs="http://schemas.microsoft.com/office/drawing/2012/chartStyle" xmlns:a="http://schemas.openxmlformats.org/drawingml/2006/main" id="332">
+<cs:chartStyle xmlns:cs="http://schemas.microsoft.com/office/drawing/2012/chartStyle" xmlns:a="http://schemas.openxmlformats.org/drawingml/2006/main" id="240">
   <cs:axisTitle>
     <cs:lnRef idx="0"/>
     <cs:fillRef idx="0"/>
@@ -1443,8 +2872,8 @@
       <a:ln w="9525" cap="flat" cmpd="sng" algn="ctr">
         <a:solidFill>
           <a:schemeClr val="tx1">
-            <a:lumMod val="15000"/>
-            <a:lumOff val="85000"/>
+            <a:lumMod val="25000"/>
+            <a:lumOff val="75000"/>
           </a:schemeClr>
         </a:solidFill>
         <a:round/>
@@ -1545,7 +2974,7 @@
       <a:schemeClr val="tx1"/>
     </cs:fontRef>
     <cs:spPr>
-      <a:ln w="28575" cap="rnd">
+      <a:ln w="19050" cap="rnd">
         <a:solidFill>
           <a:schemeClr val="phClr"/>
         </a:solidFill>
@@ -1577,10 +3006,10 @@
     <cs:lnRef idx="0">
       <cs:styleClr val="auto"/>
     </cs:lnRef>
-    <cs:fillRef idx="1"/>
-    <cs:effectRef idx="0"/>
-    <cs:fontRef idx="minor">
-      <a:schemeClr val="tx1"/>
+    <cs:fillRef idx="0"/>
+    <cs:effectRef idx="0"/>
+    <cs:fontRef idx="minor">
+      <a:schemeClr val="dk1"/>
     </cs:fontRef>
     <cs:spPr>
       <a:ln w="9525" cap="rnd">
@@ -1620,22 +3049,23 @@
     <cs:fillRef idx="0"/>
     <cs:effectRef idx="0"/>
     <cs:fontRef idx="minor">
-      <a:schemeClr val="dk1"/>
+      <a:schemeClr val="tx1"/>
     </cs:fontRef>
     <cs:spPr>
       <a:solidFill>
         <a:schemeClr val="dk1">
-          <a:lumMod val="65000"/>
-          <a:lumOff val="35000"/>
+          <a:lumMod val="75000"/>
+          <a:lumOff val="25000"/>
         </a:schemeClr>
       </a:solidFill>
-      <a:ln w="9525">
+      <a:ln w="9525" cap="flat" cmpd="sng" algn="ctr">
         <a:solidFill>
           <a:schemeClr val="tx1">
             <a:lumMod val="65000"/>
             <a:lumOff val="35000"/>
           </a:schemeClr>
         </a:solidFill>
+        <a:round/>
       </a:ln>
     </cs:spPr>
   </cs:downBar>
@@ -1740,8 +3170,8 @@
       <a:ln w="9525" cap="flat" cmpd="sng" algn="ctr">
         <a:solidFill>
           <a:schemeClr val="tx1">
-            <a:lumMod val="75000"/>
-            <a:lumOff val="25000"/>
+            <a:lumMod val="50000"/>
+            <a:lumOff val="50000"/>
           </a:schemeClr>
         </a:solidFill>
         <a:round/>
@@ -1873,19 +3303,20 @@
     <cs:fillRef idx="0"/>
     <cs:effectRef idx="0"/>
     <cs:fontRef idx="minor">
-      <a:schemeClr val="dk1"/>
+      <a:schemeClr val="tx1"/>
     </cs:fontRef>
     <cs:spPr>
       <a:solidFill>
         <a:schemeClr val="lt1"/>
       </a:solidFill>
-      <a:ln w="9525">
+      <a:ln w="9525" cap="flat" cmpd="sng" algn="ctr">
         <a:solidFill>
           <a:schemeClr val="tx1">
-            <a:lumMod val="15000"/>
-            <a:lumOff val="85000"/>
+            <a:lumMod val="65000"/>
+            <a:lumOff val="35000"/>
           </a:schemeClr>
         </a:solidFill>
+        <a:round/>
       </a:ln>
     </cs:spPr>
   </cs:upBar>
@@ -1899,6 +3330,17 @@
         <a:lumOff val="35000"/>
       </a:schemeClr>
     </cs:fontRef>
+    <cs:spPr>
+      <a:ln w="9525" cap="flat" cmpd="sng" algn="ctr">
+        <a:solidFill>
+          <a:schemeClr val="tx1">
+            <a:lumMod val="25000"/>
+            <a:lumOff val="75000"/>
+          </a:schemeClr>
+        </a:solidFill>
+        <a:round/>
+      </a:ln>
+    </cs:spPr>
     <cs:defRPr sz="900" kern="1200"/>
   </cs:valueAxis>
   <cs:wall>
@@ -1919,7 +3361,7 @@
 </file>
 
 <file path=ppt/charts/style2.xml><?xml version="1.0" encoding="utf-8"?>
-<cs:chartStyle xmlns:cs="http://schemas.microsoft.com/office/drawing/2012/chartStyle" xmlns:a="http://schemas.openxmlformats.org/drawingml/2006/main" id="332">
+<cs:chartStyle xmlns:cs="http://schemas.microsoft.com/office/drawing/2012/chartStyle" xmlns:a="http://schemas.openxmlformats.org/drawingml/2006/main" id="240">
   <cs:axisTitle>
     <cs:lnRef idx="0"/>
     <cs:fillRef idx="0"/>
@@ -1946,8 +3388,8 @@
       <a:ln w="9525" cap="flat" cmpd="sng" algn="ctr">
         <a:solidFill>
           <a:schemeClr val="tx1">
-            <a:lumMod val="15000"/>
-            <a:lumOff val="85000"/>
+            <a:lumMod val="25000"/>
+            <a:lumOff val="75000"/>
           </a:schemeClr>
         </a:solidFill>
         <a:round/>
@@ -2048,7 +3490,7 @@
       <a:schemeClr val="tx1"/>
     </cs:fontRef>
     <cs:spPr>
-      <a:ln w="28575" cap="rnd">
+      <a:ln w="19050" cap="rnd">
         <a:solidFill>
           <a:schemeClr val="phClr"/>
         </a:solidFill>
@@ -2080,10 +3522,10 @@
     <cs:lnRef idx="0">
       <cs:styleClr val="auto"/>
     </cs:lnRef>
-    <cs:fillRef idx="1"/>
-    <cs:effectRef idx="0"/>
-    <cs:fontRef idx="minor">
-      <a:schemeClr val="tx1"/>
+    <cs:fillRef idx="0"/>
+    <cs:effectRef idx="0"/>
+    <cs:fontRef idx="minor">
+      <a:schemeClr val="dk1"/>
     </cs:fontRef>
     <cs:spPr>
       <a:ln w="9525" cap="rnd">
@@ -2123,22 +3565,23 @@
     <cs:fillRef idx="0"/>
     <cs:effectRef idx="0"/>
     <cs:fontRef idx="minor">
-      <a:schemeClr val="dk1"/>
+      <a:schemeClr val="tx1"/>
     </cs:fontRef>
     <cs:spPr>
       <a:solidFill>
         <a:schemeClr val="dk1">
-          <a:lumMod val="65000"/>
-          <a:lumOff val="35000"/>
+          <a:lumMod val="75000"/>
+          <a:lumOff val="25000"/>
         </a:schemeClr>
       </a:solidFill>
-      <a:ln w="9525">
+      <a:ln w="9525" cap="flat" cmpd="sng" algn="ctr">
         <a:solidFill>
           <a:schemeClr val="tx1">
             <a:lumMod val="65000"/>
             <a:lumOff val="35000"/>
           </a:schemeClr>
         </a:solidFill>
+        <a:round/>
       </a:ln>
     </cs:spPr>
   </cs:downBar>
@@ -2243,8 +3686,8 @@
       <a:ln w="9525" cap="flat" cmpd="sng" algn="ctr">
         <a:solidFill>
           <a:schemeClr val="tx1">
-            <a:lumMod val="75000"/>
-            <a:lumOff val="25000"/>
+            <a:lumMod val="50000"/>
+            <a:lumOff val="50000"/>
           </a:schemeClr>
         </a:solidFill>
         <a:round/>
@@ -2376,19 +3819,20 @@
     <cs:fillRef idx="0"/>
     <cs:effectRef idx="0"/>
     <cs:fontRef idx="minor">
-      <a:schemeClr val="dk1"/>
+      <a:schemeClr val="tx1"/>
     </cs:fontRef>
     <cs:spPr>
       <a:solidFill>
         <a:schemeClr val="lt1"/>
       </a:solidFill>
-      <a:ln w="9525">
+      <a:ln w="9525" cap="flat" cmpd="sng" algn="ctr">
         <a:solidFill>
           <a:schemeClr val="tx1">
-            <a:lumMod val="15000"/>
-            <a:lumOff val="85000"/>
+            <a:lumMod val="65000"/>
+            <a:lumOff val="35000"/>
           </a:schemeClr>
         </a:solidFill>
+        <a:round/>
       </a:ln>
     </cs:spPr>
   </cs:upBar>
@@ -2402,6 +3846,17 @@
         <a:lumOff val="35000"/>
       </a:schemeClr>
     </cs:fontRef>
+    <cs:spPr>
+      <a:ln w="9525" cap="flat" cmpd="sng" algn="ctr">
+        <a:solidFill>
+          <a:schemeClr val="tx1">
+            <a:lumMod val="25000"/>
+            <a:lumOff val="75000"/>
+          </a:schemeClr>
+        </a:solidFill>
+        <a:round/>
+      </a:ln>
+    </cs:spPr>
     <cs:defRPr sz="900" kern="1200"/>
   </cs:valueAxis>
   <cs:wall>
@@ -2422,7 +3877,7 @@
 </file>
 
 <file path=ppt/charts/style3.xml><?xml version="1.0" encoding="utf-8"?>
-<cs:chartStyle xmlns:cs="http://schemas.microsoft.com/office/drawing/2012/chartStyle" xmlns:a="http://schemas.openxmlformats.org/drawingml/2006/main" id="332">
+<cs:chartStyle xmlns:cs="http://schemas.microsoft.com/office/drawing/2012/chartStyle" xmlns:a="http://schemas.openxmlformats.org/drawingml/2006/main" id="240">
   <cs:axisTitle>
     <cs:lnRef idx="0"/>
     <cs:fillRef idx="0"/>
@@ -2449,8 +3904,8 @@
       <a:ln w="9525" cap="flat" cmpd="sng" algn="ctr">
         <a:solidFill>
           <a:schemeClr val="tx1">
-            <a:lumMod val="15000"/>
-            <a:lumOff val="85000"/>
+            <a:lumMod val="25000"/>
+            <a:lumOff val="75000"/>
           </a:schemeClr>
         </a:solidFill>
         <a:round/>
@@ -2551,7 +4006,7 @@
       <a:schemeClr val="tx1"/>
     </cs:fontRef>
     <cs:spPr>
-      <a:ln w="28575" cap="rnd">
+      <a:ln w="19050" cap="rnd">
         <a:solidFill>
           <a:schemeClr val="phClr"/>
         </a:solidFill>
@@ -2583,10 +4038,10 @@
     <cs:lnRef idx="0">
       <cs:styleClr val="auto"/>
     </cs:lnRef>
-    <cs:fillRef idx="1"/>
-    <cs:effectRef idx="0"/>
-    <cs:fontRef idx="minor">
-      <a:schemeClr val="tx1"/>
+    <cs:fillRef idx="0"/>
+    <cs:effectRef idx="0"/>
+    <cs:fontRef idx="minor">
+      <a:schemeClr val="dk1"/>
     </cs:fontRef>
     <cs:spPr>
       <a:ln w="9525" cap="rnd">
@@ -2626,22 +4081,23 @@
     <cs:fillRef idx="0"/>
     <cs:effectRef idx="0"/>
     <cs:fontRef idx="minor">
-      <a:schemeClr val="dk1"/>
+      <a:schemeClr val="tx1"/>
     </cs:fontRef>
     <cs:spPr>
       <a:solidFill>
         <a:schemeClr val="dk1">
-          <a:lumMod val="65000"/>
-          <a:lumOff val="35000"/>
+          <a:lumMod val="75000"/>
+          <a:lumOff val="25000"/>
         </a:schemeClr>
       </a:solidFill>
-      <a:ln w="9525">
+      <a:ln w="9525" cap="flat" cmpd="sng" algn="ctr">
         <a:solidFill>
           <a:schemeClr val="tx1">
             <a:lumMod val="65000"/>
             <a:lumOff val="35000"/>
           </a:schemeClr>
         </a:solidFill>
+        <a:round/>
       </a:ln>
     </cs:spPr>
   </cs:downBar>
@@ -2746,8 +4202,8 @@
       <a:ln w="9525" cap="flat" cmpd="sng" algn="ctr">
         <a:solidFill>
           <a:schemeClr val="tx1">
-            <a:lumMod val="75000"/>
-            <a:lumOff val="25000"/>
+            <a:lumMod val="50000"/>
+            <a:lumOff val="50000"/>
           </a:schemeClr>
         </a:solidFill>
         <a:round/>
@@ -2879,23 +4335,240 @@
     <cs:fillRef idx="0"/>
     <cs:effectRef idx="0"/>
     <cs:fontRef idx="minor">
-      <a:schemeClr val="dk1"/>
+      <a:schemeClr val="tx1"/>
     </cs:fontRef>
     <cs:spPr>
       <a:solidFill>
         <a:schemeClr val="lt1"/>
       </a:solidFill>
-      <a:ln w="9525">
+      <a:ln w="9525" cap="flat" cmpd="sng" algn="ctr">
+        <a:solidFill>
+          <a:schemeClr val="tx1">
+            <a:lumMod val="65000"/>
+            <a:lumOff val="35000"/>
+          </a:schemeClr>
+        </a:solidFill>
+        <a:round/>
+      </a:ln>
+    </cs:spPr>
+  </cs:upBar>
+  <cs:valueAxis>
+    <cs:lnRef idx="0"/>
+    <cs:fillRef idx="0"/>
+    <cs:effectRef idx="0"/>
+    <cs:fontRef idx="minor">
+      <a:schemeClr val="tx1">
+        <a:lumMod val="65000"/>
+        <a:lumOff val="35000"/>
+      </a:schemeClr>
+    </cs:fontRef>
+    <cs:spPr>
+      <a:ln w="9525" cap="flat" cmpd="sng" algn="ctr">
+        <a:solidFill>
+          <a:schemeClr val="tx1">
+            <a:lumMod val="25000"/>
+            <a:lumOff val="75000"/>
+          </a:schemeClr>
+        </a:solidFill>
+        <a:round/>
+      </a:ln>
+    </cs:spPr>
+    <cs:defRPr sz="900" kern="1200"/>
+  </cs:valueAxis>
+  <cs:wall>
+    <cs:lnRef idx="0"/>
+    <cs:fillRef idx="0"/>
+    <cs:effectRef idx="0"/>
+    <cs:fontRef idx="minor">
+      <a:schemeClr val="tx1"/>
+    </cs:fontRef>
+    <cs:spPr>
+      <a:noFill/>
+      <a:ln>
+        <a:noFill/>
+      </a:ln>
+    </cs:spPr>
+  </cs:wall>
+</cs:chartStyle>
+</file>
+
+<file path=ppt/charts/style4.xml><?xml version="1.0" encoding="utf-8"?>
+<cs:chartStyle xmlns:cs="http://schemas.microsoft.com/office/drawing/2012/chartStyle" xmlns:a="http://schemas.openxmlformats.org/drawingml/2006/main" id="240">
+  <cs:axisTitle>
+    <cs:lnRef idx="0"/>
+    <cs:fillRef idx="0"/>
+    <cs:effectRef idx="0"/>
+    <cs:fontRef idx="minor">
+      <a:schemeClr val="tx1">
+        <a:lumMod val="65000"/>
+        <a:lumOff val="35000"/>
+      </a:schemeClr>
+    </cs:fontRef>
+    <cs:defRPr sz="1000" kern="1200"/>
+  </cs:axisTitle>
+  <cs:categoryAxis>
+    <cs:lnRef idx="0"/>
+    <cs:fillRef idx="0"/>
+    <cs:effectRef idx="0"/>
+    <cs:fontRef idx="minor">
+      <a:schemeClr val="tx1">
+        <a:lumMod val="65000"/>
+        <a:lumOff val="35000"/>
+      </a:schemeClr>
+    </cs:fontRef>
+    <cs:spPr>
+      <a:ln w="9525" cap="flat" cmpd="sng" algn="ctr">
+        <a:solidFill>
+          <a:schemeClr val="tx1">
+            <a:lumMod val="25000"/>
+            <a:lumOff val="75000"/>
+          </a:schemeClr>
+        </a:solidFill>
+        <a:round/>
+      </a:ln>
+    </cs:spPr>
+    <cs:defRPr sz="900" kern="1200"/>
+  </cs:categoryAxis>
+  <cs:chartArea mods="allowNoFillOverride allowNoLineOverride">
+    <cs:lnRef idx="0"/>
+    <cs:fillRef idx="0"/>
+    <cs:effectRef idx="0"/>
+    <cs:fontRef idx="minor">
+      <a:schemeClr val="tx1"/>
+    </cs:fontRef>
+    <cs:spPr>
+      <a:solidFill>
+        <a:schemeClr val="bg1"/>
+      </a:solidFill>
+      <a:ln w="9525" cap="flat" cmpd="sng" algn="ctr">
         <a:solidFill>
           <a:schemeClr val="tx1">
             <a:lumMod val="15000"/>
             <a:lumOff val="85000"/>
           </a:schemeClr>
         </a:solidFill>
-      </a:ln>
-    </cs:spPr>
-  </cs:upBar>
-  <cs:valueAxis>
+        <a:round/>
+      </a:ln>
+    </cs:spPr>
+    <cs:defRPr sz="1000" kern="1200"/>
+  </cs:chartArea>
+  <cs:dataLabel>
+    <cs:lnRef idx="0"/>
+    <cs:fillRef idx="0"/>
+    <cs:effectRef idx="0"/>
+    <cs:fontRef idx="minor">
+      <a:schemeClr val="tx1">
+        <a:lumMod val="75000"/>
+        <a:lumOff val="25000"/>
+      </a:schemeClr>
+    </cs:fontRef>
+    <cs:defRPr sz="900" kern="1200"/>
+  </cs:dataLabel>
+  <cs:dataLabelCallout>
+    <cs:lnRef idx="0"/>
+    <cs:fillRef idx="0"/>
+    <cs:effectRef idx="0"/>
+    <cs:fontRef idx="minor">
+      <a:schemeClr val="dk1">
+        <a:lumMod val="65000"/>
+        <a:lumOff val="35000"/>
+      </a:schemeClr>
+    </cs:fontRef>
+    <cs:spPr>
+      <a:solidFill>
+        <a:schemeClr val="lt1"/>
+      </a:solidFill>
+      <a:ln>
+        <a:solidFill>
+          <a:schemeClr val="dk1">
+            <a:lumMod val="25000"/>
+            <a:lumOff val="75000"/>
+          </a:schemeClr>
+        </a:solidFill>
+      </a:ln>
+    </cs:spPr>
+    <cs:defRPr sz="900" kern="1200"/>
+    <cs:bodyPr rot="0" spcFirstLastPara="1" vertOverflow="clip" horzOverflow="clip" vert="horz" wrap="square" lIns="36576" tIns="18288" rIns="36576" bIns="18288" anchor="ctr" anchorCtr="1">
+      <a:spAutoFit/>
+    </cs:bodyPr>
+  </cs:dataLabelCallout>
+  <cs:dataPoint>
+    <cs:lnRef idx="0"/>
+    <cs:fillRef idx="1">
+      <cs:styleClr val="auto"/>
+    </cs:fillRef>
+    <cs:effectRef idx="0"/>
+    <cs:fontRef idx="minor">
+      <a:schemeClr val="tx1"/>
+    </cs:fontRef>
+  </cs:dataPoint>
+  <cs:dataPoint3D>
+    <cs:lnRef idx="0"/>
+    <cs:fillRef idx="1">
+      <cs:styleClr val="auto"/>
+    </cs:fillRef>
+    <cs:effectRef idx="0"/>
+    <cs:fontRef idx="minor">
+      <a:schemeClr val="tx1"/>
+    </cs:fontRef>
+  </cs:dataPoint3D>
+  <cs:dataPointLine>
+    <cs:lnRef idx="0">
+      <cs:styleClr val="auto"/>
+    </cs:lnRef>
+    <cs:fillRef idx="1"/>
+    <cs:effectRef idx="0"/>
+    <cs:fontRef idx="minor">
+      <a:schemeClr val="tx1"/>
+    </cs:fontRef>
+    <cs:spPr>
+      <a:ln w="19050" cap="rnd">
+        <a:solidFill>
+          <a:schemeClr val="phClr"/>
+        </a:solidFill>
+        <a:round/>
+      </a:ln>
+    </cs:spPr>
+  </cs:dataPointLine>
+  <cs:dataPointMarker>
+    <cs:lnRef idx="0">
+      <cs:styleClr val="auto"/>
+    </cs:lnRef>
+    <cs:fillRef idx="1">
+      <cs:styleClr val="auto"/>
+    </cs:fillRef>
+    <cs:effectRef idx="0"/>
+    <cs:fontRef idx="minor">
+      <a:schemeClr val="tx1"/>
+    </cs:fontRef>
+    <cs:spPr>
+      <a:ln w="9525">
+        <a:solidFill>
+          <a:schemeClr val="phClr"/>
+        </a:solidFill>
+      </a:ln>
+    </cs:spPr>
+  </cs:dataPointMarker>
+  <cs:dataPointMarkerLayout symbol="circle" size="5"/>
+  <cs:dataPointWireframe>
+    <cs:lnRef idx="0">
+      <cs:styleClr val="auto"/>
+    </cs:lnRef>
+    <cs:fillRef idx="0"/>
+    <cs:effectRef idx="0"/>
+    <cs:fontRef idx="minor">
+      <a:schemeClr val="dk1"/>
+    </cs:fontRef>
+    <cs:spPr>
+      <a:ln w="9525" cap="rnd">
+        <a:solidFill>
+          <a:schemeClr val="phClr"/>
+        </a:solidFill>
+        <a:round/>
+      </a:ln>
+    </cs:spPr>
+  </cs:dataPointWireframe>
+  <cs:dataTable>
     <cs:lnRef idx="0"/>
     <cs:fillRef idx="0"/>
     <cs:effectRef idx="0"/>
@@ -2905,6 +4578,1349 @@
         <a:lumOff val="35000"/>
       </a:schemeClr>
     </cs:fontRef>
+    <cs:spPr>
+      <a:noFill/>
+      <a:ln w="9525" cap="flat" cmpd="sng" algn="ctr">
+        <a:solidFill>
+          <a:schemeClr val="tx1">
+            <a:lumMod val="15000"/>
+            <a:lumOff val="85000"/>
+          </a:schemeClr>
+        </a:solidFill>
+        <a:round/>
+      </a:ln>
+    </cs:spPr>
+    <cs:defRPr sz="900" kern="1200"/>
+  </cs:dataTable>
+  <cs:downBar>
+    <cs:lnRef idx="0"/>
+    <cs:fillRef idx="0"/>
+    <cs:effectRef idx="0"/>
+    <cs:fontRef idx="minor">
+      <a:schemeClr val="tx1"/>
+    </cs:fontRef>
+    <cs:spPr>
+      <a:solidFill>
+        <a:schemeClr val="dk1">
+          <a:lumMod val="75000"/>
+          <a:lumOff val="25000"/>
+        </a:schemeClr>
+      </a:solidFill>
+      <a:ln w="9525" cap="flat" cmpd="sng" algn="ctr">
+        <a:solidFill>
+          <a:schemeClr val="tx1">
+            <a:lumMod val="65000"/>
+            <a:lumOff val="35000"/>
+          </a:schemeClr>
+        </a:solidFill>
+        <a:round/>
+      </a:ln>
+    </cs:spPr>
+  </cs:downBar>
+  <cs:dropLine>
+    <cs:lnRef idx="0"/>
+    <cs:fillRef idx="0"/>
+    <cs:effectRef idx="0"/>
+    <cs:fontRef idx="minor">
+      <a:schemeClr val="tx1"/>
+    </cs:fontRef>
+    <cs:spPr>
+      <a:ln w="9525" cap="flat" cmpd="sng" algn="ctr">
+        <a:solidFill>
+          <a:schemeClr val="tx1">
+            <a:lumMod val="35000"/>
+            <a:lumOff val="65000"/>
+          </a:schemeClr>
+        </a:solidFill>
+        <a:round/>
+      </a:ln>
+    </cs:spPr>
+  </cs:dropLine>
+  <cs:errorBar>
+    <cs:lnRef idx="0"/>
+    <cs:fillRef idx="0"/>
+    <cs:effectRef idx="0"/>
+    <cs:fontRef idx="minor">
+      <a:schemeClr val="tx1"/>
+    </cs:fontRef>
+    <cs:spPr>
+      <a:ln w="9525" cap="flat" cmpd="sng" algn="ctr">
+        <a:solidFill>
+          <a:schemeClr val="tx1">
+            <a:lumMod val="65000"/>
+            <a:lumOff val="35000"/>
+          </a:schemeClr>
+        </a:solidFill>
+        <a:round/>
+      </a:ln>
+    </cs:spPr>
+  </cs:errorBar>
+  <cs:floor>
+    <cs:lnRef idx="0"/>
+    <cs:fillRef idx="0"/>
+    <cs:effectRef idx="0"/>
+    <cs:fontRef idx="minor">
+      <a:schemeClr val="tx1"/>
+    </cs:fontRef>
+    <cs:spPr>
+      <a:noFill/>
+      <a:ln>
+        <a:noFill/>
+      </a:ln>
+    </cs:spPr>
+  </cs:floor>
+  <cs:gridlineMajor>
+    <cs:lnRef idx="0"/>
+    <cs:fillRef idx="0"/>
+    <cs:effectRef idx="0"/>
+    <cs:fontRef idx="minor">
+      <a:schemeClr val="tx1"/>
+    </cs:fontRef>
+    <cs:spPr>
+      <a:ln w="9525" cap="flat" cmpd="sng" algn="ctr">
+        <a:solidFill>
+          <a:schemeClr val="tx1">
+            <a:lumMod val="15000"/>
+            <a:lumOff val="85000"/>
+          </a:schemeClr>
+        </a:solidFill>
+        <a:round/>
+      </a:ln>
+    </cs:spPr>
+  </cs:gridlineMajor>
+  <cs:gridlineMinor>
+    <cs:lnRef idx="0"/>
+    <cs:fillRef idx="0"/>
+    <cs:effectRef idx="0"/>
+    <cs:fontRef idx="minor">
+      <a:schemeClr val="tx1"/>
+    </cs:fontRef>
+    <cs:spPr>
+      <a:ln w="9525" cap="flat" cmpd="sng" algn="ctr">
+        <a:solidFill>
+          <a:schemeClr val="tx1">
+            <a:lumMod val="5000"/>
+            <a:lumOff val="95000"/>
+          </a:schemeClr>
+        </a:solidFill>
+        <a:round/>
+      </a:ln>
+    </cs:spPr>
+  </cs:gridlineMinor>
+  <cs:hiLoLine>
+    <cs:lnRef idx="0"/>
+    <cs:fillRef idx="0"/>
+    <cs:effectRef idx="0"/>
+    <cs:fontRef idx="minor">
+      <a:schemeClr val="tx1"/>
+    </cs:fontRef>
+    <cs:spPr>
+      <a:ln w="9525" cap="flat" cmpd="sng" algn="ctr">
+        <a:solidFill>
+          <a:schemeClr val="tx1">
+            <a:lumMod val="50000"/>
+            <a:lumOff val="50000"/>
+          </a:schemeClr>
+        </a:solidFill>
+        <a:round/>
+      </a:ln>
+    </cs:spPr>
+  </cs:hiLoLine>
+  <cs:leaderLine>
+    <cs:lnRef idx="0"/>
+    <cs:fillRef idx="0"/>
+    <cs:effectRef idx="0"/>
+    <cs:fontRef idx="minor">
+      <a:schemeClr val="tx1"/>
+    </cs:fontRef>
+    <cs:spPr>
+      <a:ln w="9525" cap="flat" cmpd="sng" algn="ctr">
+        <a:solidFill>
+          <a:schemeClr val="tx1">
+            <a:lumMod val="35000"/>
+            <a:lumOff val="65000"/>
+          </a:schemeClr>
+        </a:solidFill>
+        <a:round/>
+      </a:ln>
+    </cs:spPr>
+  </cs:leaderLine>
+  <cs:legend>
+    <cs:lnRef idx="0"/>
+    <cs:fillRef idx="0"/>
+    <cs:effectRef idx="0"/>
+    <cs:fontRef idx="minor">
+      <a:schemeClr val="tx1">
+        <a:lumMod val="65000"/>
+        <a:lumOff val="35000"/>
+      </a:schemeClr>
+    </cs:fontRef>
+    <cs:defRPr sz="900" kern="1200"/>
+  </cs:legend>
+  <cs:plotArea mods="allowNoFillOverride allowNoLineOverride">
+    <cs:lnRef idx="0"/>
+    <cs:fillRef idx="0"/>
+    <cs:effectRef idx="0"/>
+    <cs:fontRef idx="minor">
+      <a:schemeClr val="tx1"/>
+    </cs:fontRef>
+  </cs:plotArea>
+  <cs:plotArea3D mods="allowNoFillOverride allowNoLineOverride">
+    <cs:lnRef idx="0"/>
+    <cs:fillRef idx="0"/>
+    <cs:effectRef idx="0"/>
+    <cs:fontRef idx="minor">
+      <a:schemeClr val="tx1"/>
+    </cs:fontRef>
+  </cs:plotArea3D>
+  <cs:seriesAxis>
+    <cs:lnRef idx="0"/>
+    <cs:fillRef idx="0"/>
+    <cs:effectRef idx="0"/>
+    <cs:fontRef idx="minor">
+      <a:schemeClr val="tx1">
+        <a:lumMod val="65000"/>
+        <a:lumOff val="35000"/>
+      </a:schemeClr>
+    </cs:fontRef>
+    <cs:defRPr sz="900" kern="1200"/>
+  </cs:seriesAxis>
+  <cs:seriesLine>
+    <cs:lnRef idx="0"/>
+    <cs:fillRef idx="0"/>
+    <cs:effectRef idx="0"/>
+    <cs:fontRef idx="minor">
+      <a:schemeClr val="tx1"/>
+    </cs:fontRef>
+    <cs:spPr>
+      <a:ln w="9525" cap="flat" cmpd="sng" algn="ctr">
+        <a:solidFill>
+          <a:schemeClr val="tx1">
+            <a:lumMod val="35000"/>
+            <a:lumOff val="65000"/>
+          </a:schemeClr>
+        </a:solidFill>
+        <a:round/>
+      </a:ln>
+    </cs:spPr>
+  </cs:seriesLine>
+  <cs:title>
+    <cs:lnRef idx="0"/>
+    <cs:fillRef idx="0"/>
+    <cs:effectRef idx="0"/>
+    <cs:fontRef idx="minor">
+      <a:schemeClr val="tx1">
+        <a:lumMod val="65000"/>
+        <a:lumOff val="35000"/>
+      </a:schemeClr>
+    </cs:fontRef>
+    <cs:defRPr sz="1400" b="0" kern="1200" spc="0" baseline="0"/>
+  </cs:title>
+  <cs:trendline>
+    <cs:lnRef idx="0">
+      <cs:styleClr val="auto"/>
+    </cs:lnRef>
+    <cs:fillRef idx="0"/>
+    <cs:effectRef idx="0"/>
+    <cs:fontRef idx="minor">
+      <a:schemeClr val="tx1"/>
+    </cs:fontRef>
+    <cs:spPr>
+      <a:ln w="19050" cap="rnd">
+        <a:solidFill>
+          <a:schemeClr val="phClr"/>
+        </a:solidFill>
+        <a:prstDash val="sysDot"/>
+      </a:ln>
+    </cs:spPr>
+  </cs:trendline>
+  <cs:trendlineLabel>
+    <cs:lnRef idx="0"/>
+    <cs:fillRef idx="0"/>
+    <cs:effectRef idx="0"/>
+    <cs:fontRef idx="minor">
+      <a:schemeClr val="tx1">
+        <a:lumMod val="65000"/>
+        <a:lumOff val="35000"/>
+      </a:schemeClr>
+    </cs:fontRef>
+    <cs:defRPr sz="900" kern="1200"/>
+  </cs:trendlineLabel>
+  <cs:upBar>
+    <cs:lnRef idx="0"/>
+    <cs:fillRef idx="0"/>
+    <cs:effectRef idx="0"/>
+    <cs:fontRef idx="minor">
+      <a:schemeClr val="tx1"/>
+    </cs:fontRef>
+    <cs:spPr>
+      <a:solidFill>
+        <a:schemeClr val="lt1"/>
+      </a:solidFill>
+      <a:ln w="9525" cap="flat" cmpd="sng" algn="ctr">
+        <a:solidFill>
+          <a:schemeClr val="tx1">
+            <a:lumMod val="65000"/>
+            <a:lumOff val="35000"/>
+          </a:schemeClr>
+        </a:solidFill>
+        <a:round/>
+      </a:ln>
+    </cs:spPr>
+  </cs:upBar>
+  <cs:valueAxis>
+    <cs:lnRef idx="0"/>
+    <cs:fillRef idx="0"/>
+    <cs:effectRef idx="0"/>
+    <cs:fontRef idx="minor">
+      <a:schemeClr val="tx1">
+        <a:lumMod val="65000"/>
+        <a:lumOff val="35000"/>
+      </a:schemeClr>
+    </cs:fontRef>
+    <cs:spPr>
+      <a:ln w="9525" cap="flat" cmpd="sng" algn="ctr">
+        <a:solidFill>
+          <a:schemeClr val="tx1">
+            <a:lumMod val="25000"/>
+            <a:lumOff val="75000"/>
+          </a:schemeClr>
+        </a:solidFill>
+        <a:round/>
+      </a:ln>
+    </cs:spPr>
+    <cs:defRPr sz="900" kern="1200"/>
+  </cs:valueAxis>
+  <cs:wall>
+    <cs:lnRef idx="0"/>
+    <cs:fillRef idx="0"/>
+    <cs:effectRef idx="0"/>
+    <cs:fontRef idx="minor">
+      <a:schemeClr val="tx1"/>
+    </cs:fontRef>
+    <cs:spPr>
+      <a:noFill/>
+      <a:ln>
+        <a:noFill/>
+      </a:ln>
+    </cs:spPr>
+  </cs:wall>
+</cs:chartStyle>
+</file>
+
+<file path=ppt/charts/style5.xml><?xml version="1.0" encoding="utf-8"?>
+<cs:chartStyle xmlns:cs="http://schemas.microsoft.com/office/drawing/2012/chartStyle" xmlns:a="http://schemas.openxmlformats.org/drawingml/2006/main" id="240">
+  <cs:axisTitle>
+    <cs:lnRef idx="0"/>
+    <cs:fillRef idx="0"/>
+    <cs:effectRef idx="0"/>
+    <cs:fontRef idx="minor">
+      <a:schemeClr val="tx1">
+        <a:lumMod val="65000"/>
+        <a:lumOff val="35000"/>
+      </a:schemeClr>
+    </cs:fontRef>
+    <cs:defRPr sz="1000" kern="1200"/>
+  </cs:axisTitle>
+  <cs:categoryAxis>
+    <cs:lnRef idx="0"/>
+    <cs:fillRef idx="0"/>
+    <cs:effectRef idx="0"/>
+    <cs:fontRef idx="minor">
+      <a:schemeClr val="tx1">
+        <a:lumMod val="65000"/>
+        <a:lumOff val="35000"/>
+      </a:schemeClr>
+    </cs:fontRef>
+    <cs:spPr>
+      <a:ln w="9525" cap="flat" cmpd="sng" algn="ctr">
+        <a:solidFill>
+          <a:schemeClr val="tx1">
+            <a:lumMod val="25000"/>
+            <a:lumOff val="75000"/>
+          </a:schemeClr>
+        </a:solidFill>
+        <a:round/>
+      </a:ln>
+    </cs:spPr>
+    <cs:defRPr sz="900" kern="1200"/>
+  </cs:categoryAxis>
+  <cs:chartArea mods="allowNoFillOverride allowNoLineOverride">
+    <cs:lnRef idx="0"/>
+    <cs:fillRef idx="0"/>
+    <cs:effectRef idx="0"/>
+    <cs:fontRef idx="minor">
+      <a:schemeClr val="tx1"/>
+    </cs:fontRef>
+    <cs:spPr>
+      <a:solidFill>
+        <a:schemeClr val="bg1"/>
+      </a:solidFill>
+      <a:ln w="9525" cap="flat" cmpd="sng" algn="ctr">
+        <a:solidFill>
+          <a:schemeClr val="tx1">
+            <a:lumMod val="15000"/>
+            <a:lumOff val="85000"/>
+          </a:schemeClr>
+        </a:solidFill>
+        <a:round/>
+      </a:ln>
+    </cs:spPr>
+    <cs:defRPr sz="1000" kern="1200"/>
+  </cs:chartArea>
+  <cs:dataLabel>
+    <cs:lnRef idx="0"/>
+    <cs:fillRef idx="0"/>
+    <cs:effectRef idx="0"/>
+    <cs:fontRef idx="minor">
+      <a:schemeClr val="tx1">
+        <a:lumMod val="75000"/>
+        <a:lumOff val="25000"/>
+      </a:schemeClr>
+    </cs:fontRef>
+    <cs:defRPr sz="900" kern="1200"/>
+  </cs:dataLabel>
+  <cs:dataLabelCallout>
+    <cs:lnRef idx="0"/>
+    <cs:fillRef idx="0"/>
+    <cs:effectRef idx="0"/>
+    <cs:fontRef idx="minor">
+      <a:schemeClr val="dk1">
+        <a:lumMod val="65000"/>
+        <a:lumOff val="35000"/>
+      </a:schemeClr>
+    </cs:fontRef>
+    <cs:spPr>
+      <a:solidFill>
+        <a:schemeClr val="lt1"/>
+      </a:solidFill>
+      <a:ln>
+        <a:solidFill>
+          <a:schemeClr val="dk1">
+            <a:lumMod val="25000"/>
+            <a:lumOff val="75000"/>
+          </a:schemeClr>
+        </a:solidFill>
+      </a:ln>
+    </cs:spPr>
+    <cs:defRPr sz="900" kern="1200"/>
+    <cs:bodyPr rot="0" spcFirstLastPara="1" vertOverflow="clip" horzOverflow="clip" vert="horz" wrap="square" lIns="36576" tIns="18288" rIns="36576" bIns="18288" anchor="ctr" anchorCtr="1">
+      <a:spAutoFit/>
+    </cs:bodyPr>
+  </cs:dataLabelCallout>
+  <cs:dataPoint>
+    <cs:lnRef idx="0"/>
+    <cs:fillRef idx="1">
+      <cs:styleClr val="auto"/>
+    </cs:fillRef>
+    <cs:effectRef idx="0"/>
+    <cs:fontRef idx="minor">
+      <a:schemeClr val="tx1"/>
+    </cs:fontRef>
+  </cs:dataPoint>
+  <cs:dataPoint3D>
+    <cs:lnRef idx="0"/>
+    <cs:fillRef idx="1">
+      <cs:styleClr val="auto"/>
+    </cs:fillRef>
+    <cs:effectRef idx="0"/>
+    <cs:fontRef idx="minor">
+      <a:schemeClr val="tx1"/>
+    </cs:fontRef>
+  </cs:dataPoint3D>
+  <cs:dataPointLine>
+    <cs:lnRef idx="0">
+      <cs:styleClr val="auto"/>
+    </cs:lnRef>
+    <cs:fillRef idx="1"/>
+    <cs:effectRef idx="0"/>
+    <cs:fontRef idx="minor">
+      <a:schemeClr val="tx1"/>
+    </cs:fontRef>
+    <cs:spPr>
+      <a:ln w="19050" cap="rnd">
+        <a:solidFill>
+          <a:schemeClr val="phClr"/>
+        </a:solidFill>
+        <a:round/>
+      </a:ln>
+    </cs:spPr>
+  </cs:dataPointLine>
+  <cs:dataPointMarker>
+    <cs:lnRef idx="0">
+      <cs:styleClr val="auto"/>
+    </cs:lnRef>
+    <cs:fillRef idx="1">
+      <cs:styleClr val="auto"/>
+    </cs:fillRef>
+    <cs:effectRef idx="0"/>
+    <cs:fontRef idx="minor">
+      <a:schemeClr val="tx1"/>
+    </cs:fontRef>
+    <cs:spPr>
+      <a:ln w="9525">
+        <a:solidFill>
+          <a:schemeClr val="phClr"/>
+        </a:solidFill>
+      </a:ln>
+    </cs:spPr>
+  </cs:dataPointMarker>
+  <cs:dataPointMarkerLayout symbol="circle" size="5"/>
+  <cs:dataPointWireframe>
+    <cs:lnRef idx="0">
+      <cs:styleClr val="auto"/>
+    </cs:lnRef>
+    <cs:fillRef idx="0"/>
+    <cs:effectRef idx="0"/>
+    <cs:fontRef idx="minor">
+      <a:schemeClr val="dk1"/>
+    </cs:fontRef>
+    <cs:spPr>
+      <a:ln w="9525" cap="rnd">
+        <a:solidFill>
+          <a:schemeClr val="phClr"/>
+        </a:solidFill>
+        <a:round/>
+      </a:ln>
+    </cs:spPr>
+  </cs:dataPointWireframe>
+  <cs:dataTable>
+    <cs:lnRef idx="0"/>
+    <cs:fillRef idx="0"/>
+    <cs:effectRef idx="0"/>
+    <cs:fontRef idx="minor">
+      <a:schemeClr val="tx1">
+        <a:lumMod val="65000"/>
+        <a:lumOff val="35000"/>
+      </a:schemeClr>
+    </cs:fontRef>
+    <cs:spPr>
+      <a:noFill/>
+      <a:ln w="9525" cap="flat" cmpd="sng" algn="ctr">
+        <a:solidFill>
+          <a:schemeClr val="tx1">
+            <a:lumMod val="15000"/>
+            <a:lumOff val="85000"/>
+          </a:schemeClr>
+        </a:solidFill>
+        <a:round/>
+      </a:ln>
+    </cs:spPr>
+    <cs:defRPr sz="900" kern="1200"/>
+  </cs:dataTable>
+  <cs:downBar>
+    <cs:lnRef idx="0"/>
+    <cs:fillRef idx="0"/>
+    <cs:effectRef idx="0"/>
+    <cs:fontRef idx="minor">
+      <a:schemeClr val="tx1"/>
+    </cs:fontRef>
+    <cs:spPr>
+      <a:solidFill>
+        <a:schemeClr val="dk1">
+          <a:lumMod val="75000"/>
+          <a:lumOff val="25000"/>
+        </a:schemeClr>
+      </a:solidFill>
+      <a:ln w="9525" cap="flat" cmpd="sng" algn="ctr">
+        <a:solidFill>
+          <a:schemeClr val="tx1">
+            <a:lumMod val="65000"/>
+            <a:lumOff val="35000"/>
+          </a:schemeClr>
+        </a:solidFill>
+        <a:round/>
+      </a:ln>
+    </cs:spPr>
+  </cs:downBar>
+  <cs:dropLine>
+    <cs:lnRef idx="0"/>
+    <cs:fillRef idx="0"/>
+    <cs:effectRef idx="0"/>
+    <cs:fontRef idx="minor">
+      <a:schemeClr val="tx1"/>
+    </cs:fontRef>
+    <cs:spPr>
+      <a:ln w="9525" cap="flat" cmpd="sng" algn="ctr">
+        <a:solidFill>
+          <a:schemeClr val="tx1">
+            <a:lumMod val="35000"/>
+            <a:lumOff val="65000"/>
+          </a:schemeClr>
+        </a:solidFill>
+        <a:round/>
+      </a:ln>
+    </cs:spPr>
+  </cs:dropLine>
+  <cs:errorBar>
+    <cs:lnRef idx="0"/>
+    <cs:fillRef idx="0"/>
+    <cs:effectRef idx="0"/>
+    <cs:fontRef idx="minor">
+      <a:schemeClr val="tx1"/>
+    </cs:fontRef>
+    <cs:spPr>
+      <a:ln w="9525" cap="flat" cmpd="sng" algn="ctr">
+        <a:solidFill>
+          <a:schemeClr val="tx1">
+            <a:lumMod val="65000"/>
+            <a:lumOff val="35000"/>
+          </a:schemeClr>
+        </a:solidFill>
+        <a:round/>
+      </a:ln>
+    </cs:spPr>
+  </cs:errorBar>
+  <cs:floor>
+    <cs:lnRef idx="0"/>
+    <cs:fillRef idx="0"/>
+    <cs:effectRef idx="0"/>
+    <cs:fontRef idx="minor">
+      <a:schemeClr val="tx1"/>
+    </cs:fontRef>
+    <cs:spPr>
+      <a:noFill/>
+      <a:ln>
+        <a:noFill/>
+      </a:ln>
+    </cs:spPr>
+  </cs:floor>
+  <cs:gridlineMajor>
+    <cs:lnRef idx="0"/>
+    <cs:fillRef idx="0"/>
+    <cs:effectRef idx="0"/>
+    <cs:fontRef idx="minor">
+      <a:schemeClr val="tx1"/>
+    </cs:fontRef>
+    <cs:spPr>
+      <a:ln w="9525" cap="flat" cmpd="sng" algn="ctr">
+        <a:solidFill>
+          <a:schemeClr val="tx1">
+            <a:lumMod val="15000"/>
+            <a:lumOff val="85000"/>
+          </a:schemeClr>
+        </a:solidFill>
+        <a:round/>
+      </a:ln>
+    </cs:spPr>
+  </cs:gridlineMajor>
+  <cs:gridlineMinor>
+    <cs:lnRef idx="0"/>
+    <cs:fillRef idx="0"/>
+    <cs:effectRef idx="0"/>
+    <cs:fontRef idx="minor">
+      <a:schemeClr val="tx1"/>
+    </cs:fontRef>
+    <cs:spPr>
+      <a:ln w="9525" cap="flat" cmpd="sng" algn="ctr">
+        <a:solidFill>
+          <a:schemeClr val="tx1">
+            <a:lumMod val="5000"/>
+            <a:lumOff val="95000"/>
+          </a:schemeClr>
+        </a:solidFill>
+        <a:round/>
+      </a:ln>
+    </cs:spPr>
+  </cs:gridlineMinor>
+  <cs:hiLoLine>
+    <cs:lnRef idx="0"/>
+    <cs:fillRef idx="0"/>
+    <cs:effectRef idx="0"/>
+    <cs:fontRef idx="minor">
+      <a:schemeClr val="tx1"/>
+    </cs:fontRef>
+    <cs:spPr>
+      <a:ln w="9525" cap="flat" cmpd="sng" algn="ctr">
+        <a:solidFill>
+          <a:schemeClr val="tx1">
+            <a:lumMod val="50000"/>
+            <a:lumOff val="50000"/>
+          </a:schemeClr>
+        </a:solidFill>
+        <a:round/>
+      </a:ln>
+    </cs:spPr>
+  </cs:hiLoLine>
+  <cs:leaderLine>
+    <cs:lnRef idx="0"/>
+    <cs:fillRef idx="0"/>
+    <cs:effectRef idx="0"/>
+    <cs:fontRef idx="minor">
+      <a:schemeClr val="tx1"/>
+    </cs:fontRef>
+    <cs:spPr>
+      <a:ln w="9525" cap="flat" cmpd="sng" algn="ctr">
+        <a:solidFill>
+          <a:schemeClr val="tx1">
+            <a:lumMod val="35000"/>
+            <a:lumOff val="65000"/>
+          </a:schemeClr>
+        </a:solidFill>
+        <a:round/>
+      </a:ln>
+    </cs:spPr>
+  </cs:leaderLine>
+  <cs:legend>
+    <cs:lnRef idx="0"/>
+    <cs:fillRef idx="0"/>
+    <cs:effectRef idx="0"/>
+    <cs:fontRef idx="minor">
+      <a:schemeClr val="tx1">
+        <a:lumMod val="65000"/>
+        <a:lumOff val="35000"/>
+      </a:schemeClr>
+    </cs:fontRef>
+    <cs:defRPr sz="900" kern="1200"/>
+  </cs:legend>
+  <cs:plotArea mods="allowNoFillOverride allowNoLineOverride">
+    <cs:lnRef idx="0"/>
+    <cs:fillRef idx="0"/>
+    <cs:effectRef idx="0"/>
+    <cs:fontRef idx="minor">
+      <a:schemeClr val="tx1"/>
+    </cs:fontRef>
+  </cs:plotArea>
+  <cs:plotArea3D mods="allowNoFillOverride allowNoLineOverride">
+    <cs:lnRef idx="0"/>
+    <cs:fillRef idx="0"/>
+    <cs:effectRef idx="0"/>
+    <cs:fontRef idx="minor">
+      <a:schemeClr val="tx1"/>
+    </cs:fontRef>
+  </cs:plotArea3D>
+  <cs:seriesAxis>
+    <cs:lnRef idx="0"/>
+    <cs:fillRef idx="0"/>
+    <cs:effectRef idx="0"/>
+    <cs:fontRef idx="minor">
+      <a:schemeClr val="tx1">
+        <a:lumMod val="65000"/>
+        <a:lumOff val="35000"/>
+      </a:schemeClr>
+    </cs:fontRef>
+    <cs:defRPr sz="900" kern="1200"/>
+  </cs:seriesAxis>
+  <cs:seriesLine>
+    <cs:lnRef idx="0"/>
+    <cs:fillRef idx="0"/>
+    <cs:effectRef idx="0"/>
+    <cs:fontRef idx="minor">
+      <a:schemeClr val="tx1"/>
+    </cs:fontRef>
+    <cs:spPr>
+      <a:ln w="9525" cap="flat" cmpd="sng" algn="ctr">
+        <a:solidFill>
+          <a:schemeClr val="tx1">
+            <a:lumMod val="35000"/>
+            <a:lumOff val="65000"/>
+          </a:schemeClr>
+        </a:solidFill>
+        <a:round/>
+      </a:ln>
+    </cs:spPr>
+  </cs:seriesLine>
+  <cs:title>
+    <cs:lnRef idx="0"/>
+    <cs:fillRef idx="0"/>
+    <cs:effectRef idx="0"/>
+    <cs:fontRef idx="minor">
+      <a:schemeClr val="tx1">
+        <a:lumMod val="65000"/>
+        <a:lumOff val="35000"/>
+      </a:schemeClr>
+    </cs:fontRef>
+    <cs:defRPr sz="1400" b="0" kern="1200" spc="0" baseline="0"/>
+  </cs:title>
+  <cs:trendline>
+    <cs:lnRef idx="0">
+      <cs:styleClr val="auto"/>
+    </cs:lnRef>
+    <cs:fillRef idx="0"/>
+    <cs:effectRef idx="0"/>
+    <cs:fontRef idx="minor">
+      <a:schemeClr val="tx1"/>
+    </cs:fontRef>
+    <cs:spPr>
+      <a:ln w="19050" cap="rnd">
+        <a:solidFill>
+          <a:schemeClr val="phClr"/>
+        </a:solidFill>
+        <a:prstDash val="sysDot"/>
+      </a:ln>
+    </cs:spPr>
+  </cs:trendline>
+  <cs:trendlineLabel>
+    <cs:lnRef idx="0"/>
+    <cs:fillRef idx="0"/>
+    <cs:effectRef idx="0"/>
+    <cs:fontRef idx="minor">
+      <a:schemeClr val="tx1">
+        <a:lumMod val="65000"/>
+        <a:lumOff val="35000"/>
+      </a:schemeClr>
+    </cs:fontRef>
+    <cs:defRPr sz="900" kern="1200"/>
+  </cs:trendlineLabel>
+  <cs:upBar>
+    <cs:lnRef idx="0"/>
+    <cs:fillRef idx="0"/>
+    <cs:effectRef idx="0"/>
+    <cs:fontRef idx="minor">
+      <a:schemeClr val="tx1"/>
+    </cs:fontRef>
+    <cs:spPr>
+      <a:solidFill>
+        <a:schemeClr val="lt1"/>
+      </a:solidFill>
+      <a:ln w="9525" cap="flat" cmpd="sng" algn="ctr">
+        <a:solidFill>
+          <a:schemeClr val="tx1">
+            <a:lumMod val="65000"/>
+            <a:lumOff val="35000"/>
+          </a:schemeClr>
+        </a:solidFill>
+        <a:round/>
+      </a:ln>
+    </cs:spPr>
+  </cs:upBar>
+  <cs:valueAxis>
+    <cs:lnRef idx="0"/>
+    <cs:fillRef idx="0"/>
+    <cs:effectRef idx="0"/>
+    <cs:fontRef idx="minor">
+      <a:schemeClr val="tx1">
+        <a:lumMod val="65000"/>
+        <a:lumOff val="35000"/>
+      </a:schemeClr>
+    </cs:fontRef>
+    <cs:spPr>
+      <a:ln w="9525" cap="flat" cmpd="sng" algn="ctr">
+        <a:solidFill>
+          <a:schemeClr val="tx1">
+            <a:lumMod val="25000"/>
+            <a:lumOff val="75000"/>
+          </a:schemeClr>
+        </a:solidFill>
+        <a:round/>
+      </a:ln>
+    </cs:spPr>
+    <cs:defRPr sz="900" kern="1200"/>
+  </cs:valueAxis>
+  <cs:wall>
+    <cs:lnRef idx="0"/>
+    <cs:fillRef idx="0"/>
+    <cs:effectRef idx="0"/>
+    <cs:fontRef idx="minor">
+      <a:schemeClr val="tx1"/>
+    </cs:fontRef>
+    <cs:spPr>
+      <a:noFill/>
+      <a:ln>
+        <a:noFill/>
+      </a:ln>
+    </cs:spPr>
+  </cs:wall>
+</cs:chartStyle>
+</file>
+
+<file path=ppt/charts/style6.xml><?xml version="1.0" encoding="utf-8"?>
+<cs:chartStyle xmlns:cs="http://schemas.microsoft.com/office/drawing/2012/chartStyle" xmlns:a="http://schemas.openxmlformats.org/drawingml/2006/main" id="240">
+  <cs:axisTitle>
+    <cs:lnRef idx="0"/>
+    <cs:fillRef idx="0"/>
+    <cs:effectRef idx="0"/>
+    <cs:fontRef idx="minor">
+      <a:schemeClr val="tx1">
+        <a:lumMod val="65000"/>
+        <a:lumOff val="35000"/>
+      </a:schemeClr>
+    </cs:fontRef>
+    <cs:defRPr sz="1000" kern="1200"/>
+  </cs:axisTitle>
+  <cs:categoryAxis>
+    <cs:lnRef idx="0"/>
+    <cs:fillRef idx="0"/>
+    <cs:effectRef idx="0"/>
+    <cs:fontRef idx="minor">
+      <a:schemeClr val="tx1">
+        <a:lumMod val="65000"/>
+        <a:lumOff val="35000"/>
+      </a:schemeClr>
+    </cs:fontRef>
+    <cs:spPr>
+      <a:ln w="9525" cap="flat" cmpd="sng" algn="ctr">
+        <a:solidFill>
+          <a:schemeClr val="tx1">
+            <a:lumMod val="25000"/>
+            <a:lumOff val="75000"/>
+          </a:schemeClr>
+        </a:solidFill>
+        <a:round/>
+      </a:ln>
+    </cs:spPr>
+    <cs:defRPr sz="900" kern="1200"/>
+  </cs:categoryAxis>
+  <cs:chartArea mods="allowNoFillOverride allowNoLineOverride">
+    <cs:lnRef idx="0"/>
+    <cs:fillRef idx="0"/>
+    <cs:effectRef idx="0"/>
+    <cs:fontRef idx="minor">
+      <a:schemeClr val="tx1"/>
+    </cs:fontRef>
+    <cs:spPr>
+      <a:solidFill>
+        <a:schemeClr val="bg1"/>
+      </a:solidFill>
+      <a:ln w="9525" cap="flat" cmpd="sng" algn="ctr">
+        <a:solidFill>
+          <a:schemeClr val="tx1">
+            <a:lumMod val="15000"/>
+            <a:lumOff val="85000"/>
+          </a:schemeClr>
+        </a:solidFill>
+        <a:round/>
+      </a:ln>
+    </cs:spPr>
+    <cs:defRPr sz="1000" kern="1200"/>
+  </cs:chartArea>
+  <cs:dataLabel>
+    <cs:lnRef idx="0"/>
+    <cs:fillRef idx="0"/>
+    <cs:effectRef idx="0"/>
+    <cs:fontRef idx="minor">
+      <a:schemeClr val="tx1">
+        <a:lumMod val="75000"/>
+        <a:lumOff val="25000"/>
+      </a:schemeClr>
+    </cs:fontRef>
+    <cs:defRPr sz="900" kern="1200"/>
+  </cs:dataLabel>
+  <cs:dataLabelCallout>
+    <cs:lnRef idx="0"/>
+    <cs:fillRef idx="0"/>
+    <cs:effectRef idx="0"/>
+    <cs:fontRef idx="minor">
+      <a:schemeClr val="dk1">
+        <a:lumMod val="65000"/>
+        <a:lumOff val="35000"/>
+      </a:schemeClr>
+    </cs:fontRef>
+    <cs:spPr>
+      <a:solidFill>
+        <a:schemeClr val="lt1"/>
+      </a:solidFill>
+      <a:ln>
+        <a:solidFill>
+          <a:schemeClr val="dk1">
+            <a:lumMod val="25000"/>
+            <a:lumOff val="75000"/>
+          </a:schemeClr>
+        </a:solidFill>
+      </a:ln>
+    </cs:spPr>
+    <cs:defRPr sz="900" kern="1200"/>
+    <cs:bodyPr rot="0" spcFirstLastPara="1" vertOverflow="clip" horzOverflow="clip" vert="horz" wrap="square" lIns="36576" tIns="18288" rIns="36576" bIns="18288" anchor="ctr" anchorCtr="1">
+      <a:spAutoFit/>
+    </cs:bodyPr>
+  </cs:dataLabelCallout>
+  <cs:dataPoint>
+    <cs:lnRef idx="0"/>
+    <cs:fillRef idx="1">
+      <cs:styleClr val="auto"/>
+    </cs:fillRef>
+    <cs:effectRef idx="0"/>
+    <cs:fontRef idx="minor">
+      <a:schemeClr val="tx1"/>
+    </cs:fontRef>
+  </cs:dataPoint>
+  <cs:dataPoint3D>
+    <cs:lnRef idx="0"/>
+    <cs:fillRef idx="1">
+      <cs:styleClr val="auto"/>
+    </cs:fillRef>
+    <cs:effectRef idx="0"/>
+    <cs:fontRef idx="minor">
+      <a:schemeClr val="tx1"/>
+    </cs:fontRef>
+  </cs:dataPoint3D>
+  <cs:dataPointLine>
+    <cs:lnRef idx="0">
+      <cs:styleClr val="auto"/>
+    </cs:lnRef>
+    <cs:fillRef idx="1"/>
+    <cs:effectRef idx="0"/>
+    <cs:fontRef idx="minor">
+      <a:schemeClr val="tx1"/>
+    </cs:fontRef>
+    <cs:spPr>
+      <a:ln w="19050" cap="rnd">
+        <a:solidFill>
+          <a:schemeClr val="phClr"/>
+        </a:solidFill>
+        <a:round/>
+      </a:ln>
+    </cs:spPr>
+  </cs:dataPointLine>
+  <cs:dataPointMarker>
+    <cs:lnRef idx="0">
+      <cs:styleClr val="auto"/>
+    </cs:lnRef>
+    <cs:fillRef idx="1">
+      <cs:styleClr val="auto"/>
+    </cs:fillRef>
+    <cs:effectRef idx="0"/>
+    <cs:fontRef idx="minor">
+      <a:schemeClr val="tx1"/>
+    </cs:fontRef>
+    <cs:spPr>
+      <a:ln w="9525">
+        <a:solidFill>
+          <a:schemeClr val="phClr"/>
+        </a:solidFill>
+      </a:ln>
+    </cs:spPr>
+  </cs:dataPointMarker>
+  <cs:dataPointMarkerLayout symbol="circle" size="5"/>
+  <cs:dataPointWireframe>
+    <cs:lnRef idx="0">
+      <cs:styleClr val="auto"/>
+    </cs:lnRef>
+    <cs:fillRef idx="0"/>
+    <cs:effectRef idx="0"/>
+    <cs:fontRef idx="minor">
+      <a:schemeClr val="dk1"/>
+    </cs:fontRef>
+    <cs:spPr>
+      <a:ln w="9525" cap="rnd">
+        <a:solidFill>
+          <a:schemeClr val="phClr"/>
+        </a:solidFill>
+        <a:round/>
+      </a:ln>
+    </cs:spPr>
+  </cs:dataPointWireframe>
+  <cs:dataTable>
+    <cs:lnRef idx="0"/>
+    <cs:fillRef idx="0"/>
+    <cs:effectRef idx="0"/>
+    <cs:fontRef idx="minor">
+      <a:schemeClr val="tx1">
+        <a:lumMod val="65000"/>
+        <a:lumOff val="35000"/>
+      </a:schemeClr>
+    </cs:fontRef>
+    <cs:spPr>
+      <a:noFill/>
+      <a:ln w="9525" cap="flat" cmpd="sng" algn="ctr">
+        <a:solidFill>
+          <a:schemeClr val="tx1">
+            <a:lumMod val="15000"/>
+            <a:lumOff val="85000"/>
+          </a:schemeClr>
+        </a:solidFill>
+        <a:round/>
+      </a:ln>
+    </cs:spPr>
+    <cs:defRPr sz="900" kern="1200"/>
+  </cs:dataTable>
+  <cs:downBar>
+    <cs:lnRef idx="0"/>
+    <cs:fillRef idx="0"/>
+    <cs:effectRef idx="0"/>
+    <cs:fontRef idx="minor">
+      <a:schemeClr val="tx1"/>
+    </cs:fontRef>
+    <cs:spPr>
+      <a:solidFill>
+        <a:schemeClr val="dk1">
+          <a:lumMod val="75000"/>
+          <a:lumOff val="25000"/>
+        </a:schemeClr>
+      </a:solidFill>
+      <a:ln w="9525" cap="flat" cmpd="sng" algn="ctr">
+        <a:solidFill>
+          <a:schemeClr val="tx1">
+            <a:lumMod val="65000"/>
+            <a:lumOff val="35000"/>
+          </a:schemeClr>
+        </a:solidFill>
+        <a:round/>
+      </a:ln>
+    </cs:spPr>
+  </cs:downBar>
+  <cs:dropLine>
+    <cs:lnRef idx="0"/>
+    <cs:fillRef idx="0"/>
+    <cs:effectRef idx="0"/>
+    <cs:fontRef idx="minor">
+      <a:schemeClr val="tx1"/>
+    </cs:fontRef>
+    <cs:spPr>
+      <a:ln w="9525" cap="flat" cmpd="sng" algn="ctr">
+        <a:solidFill>
+          <a:schemeClr val="tx1">
+            <a:lumMod val="35000"/>
+            <a:lumOff val="65000"/>
+          </a:schemeClr>
+        </a:solidFill>
+        <a:round/>
+      </a:ln>
+    </cs:spPr>
+  </cs:dropLine>
+  <cs:errorBar>
+    <cs:lnRef idx="0"/>
+    <cs:fillRef idx="0"/>
+    <cs:effectRef idx="0"/>
+    <cs:fontRef idx="minor">
+      <a:schemeClr val="tx1"/>
+    </cs:fontRef>
+    <cs:spPr>
+      <a:ln w="9525" cap="flat" cmpd="sng" algn="ctr">
+        <a:solidFill>
+          <a:schemeClr val="tx1">
+            <a:lumMod val="65000"/>
+            <a:lumOff val="35000"/>
+          </a:schemeClr>
+        </a:solidFill>
+        <a:round/>
+      </a:ln>
+    </cs:spPr>
+  </cs:errorBar>
+  <cs:floor>
+    <cs:lnRef idx="0"/>
+    <cs:fillRef idx="0"/>
+    <cs:effectRef idx="0"/>
+    <cs:fontRef idx="minor">
+      <a:schemeClr val="tx1"/>
+    </cs:fontRef>
+    <cs:spPr>
+      <a:noFill/>
+      <a:ln>
+        <a:noFill/>
+      </a:ln>
+    </cs:spPr>
+  </cs:floor>
+  <cs:gridlineMajor>
+    <cs:lnRef idx="0"/>
+    <cs:fillRef idx="0"/>
+    <cs:effectRef idx="0"/>
+    <cs:fontRef idx="minor">
+      <a:schemeClr val="tx1"/>
+    </cs:fontRef>
+    <cs:spPr>
+      <a:ln w="9525" cap="flat" cmpd="sng" algn="ctr">
+        <a:solidFill>
+          <a:schemeClr val="tx1">
+            <a:lumMod val="15000"/>
+            <a:lumOff val="85000"/>
+          </a:schemeClr>
+        </a:solidFill>
+        <a:round/>
+      </a:ln>
+    </cs:spPr>
+  </cs:gridlineMajor>
+  <cs:gridlineMinor>
+    <cs:lnRef idx="0"/>
+    <cs:fillRef idx="0"/>
+    <cs:effectRef idx="0"/>
+    <cs:fontRef idx="minor">
+      <a:schemeClr val="tx1"/>
+    </cs:fontRef>
+    <cs:spPr>
+      <a:ln w="9525" cap="flat" cmpd="sng" algn="ctr">
+        <a:solidFill>
+          <a:schemeClr val="tx1">
+            <a:lumMod val="5000"/>
+            <a:lumOff val="95000"/>
+          </a:schemeClr>
+        </a:solidFill>
+        <a:round/>
+      </a:ln>
+    </cs:spPr>
+  </cs:gridlineMinor>
+  <cs:hiLoLine>
+    <cs:lnRef idx="0"/>
+    <cs:fillRef idx="0"/>
+    <cs:effectRef idx="0"/>
+    <cs:fontRef idx="minor">
+      <a:schemeClr val="tx1"/>
+    </cs:fontRef>
+    <cs:spPr>
+      <a:ln w="9525" cap="flat" cmpd="sng" algn="ctr">
+        <a:solidFill>
+          <a:schemeClr val="tx1">
+            <a:lumMod val="50000"/>
+            <a:lumOff val="50000"/>
+          </a:schemeClr>
+        </a:solidFill>
+        <a:round/>
+      </a:ln>
+    </cs:spPr>
+  </cs:hiLoLine>
+  <cs:leaderLine>
+    <cs:lnRef idx="0"/>
+    <cs:fillRef idx="0"/>
+    <cs:effectRef idx="0"/>
+    <cs:fontRef idx="minor">
+      <a:schemeClr val="tx1"/>
+    </cs:fontRef>
+    <cs:spPr>
+      <a:ln w="9525" cap="flat" cmpd="sng" algn="ctr">
+        <a:solidFill>
+          <a:schemeClr val="tx1">
+            <a:lumMod val="35000"/>
+            <a:lumOff val="65000"/>
+          </a:schemeClr>
+        </a:solidFill>
+        <a:round/>
+      </a:ln>
+    </cs:spPr>
+  </cs:leaderLine>
+  <cs:legend>
+    <cs:lnRef idx="0"/>
+    <cs:fillRef idx="0"/>
+    <cs:effectRef idx="0"/>
+    <cs:fontRef idx="minor">
+      <a:schemeClr val="tx1">
+        <a:lumMod val="65000"/>
+        <a:lumOff val="35000"/>
+      </a:schemeClr>
+    </cs:fontRef>
+    <cs:defRPr sz="900" kern="1200"/>
+  </cs:legend>
+  <cs:plotArea mods="allowNoFillOverride allowNoLineOverride">
+    <cs:lnRef idx="0"/>
+    <cs:fillRef idx="0"/>
+    <cs:effectRef idx="0"/>
+    <cs:fontRef idx="minor">
+      <a:schemeClr val="tx1"/>
+    </cs:fontRef>
+  </cs:plotArea>
+  <cs:plotArea3D mods="allowNoFillOverride allowNoLineOverride">
+    <cs:lnRef idx="0"/>
+    <cs:fillRef idx="0"/>
+    <cs:effectRef idx="0"/>
+    <cs:fontRef idx="minor">
+      <a:schemeClr val="tx1"/>
+    </cs:fontRef>
+  </cs:plotArea3D>
+  <cs:seriesAxis>
+    <cs:lnRef idx="0"/>
+    <cs:fillRef idx="0"/>
+    <cs:effectRef idx="0"/>
+    <cs:fontRef idx="minor">
+      <a:schemeClr val="tx1">
+        <a:lumMod val="65000"/>
+        <a:lumOff val="35000"/>
+      </a:schemeClr>
+    </cs:fontRef>
+    <cs:defRPr sz="900" kern="1200"/>
+  </cs:seriesAxis>
+  <cs:seriesLine>
+    <cs:lnRef idx="0"/>
+    <cs:fillRef idx="0"/>
+    <cs:effectRef idx="0"/>
+    <cs:fontRef idx="minor">
+      <a:schemeClr val="tx1"/>
+    </cs:fontRef>
+    <cs:spPr>
+      <a:ln w="9525" cap="flat" cmpd="sng" algn="ctr">
+        <a:solidFill>
+          <a:schemeClr val="tx1">
+            <a:lumMod val="35000"/>
+            <a:lumOff val="65000"/>
+          </a:schemeClr>
+        </a:solidFill>
+        <a:round/>
+      </a:ln>
+    </cs:spPr>
+  </cs:seriesLine>
+  <cs:title>
+    <cs:lnRef idx="0"/>
+    <cs:fillRef idx="0"/>
+    <cs:effectRef idx="0"/>
+    <cs:fontRef idx="minor">
+      <a:schemeClr val="tx1">
+        <a:lumMod val="65000"/>
+        <a:lumOff val="35000"/>
+      </a:schemeClr>
+    </cs:fontRef>
+    <cs:defRPr sz="1400" b="0" kern="1200" spc="0" baseline="0"/>
+  </cs:title>
+  <cs:trendline>
+    <cs:lnRef idx="0">
+      <cs:styleClr val="auto"/>
+    </cs:lnRef>
+    <cs:fillRef idx="0"/>
+    <cs:effectRef idx="0"/>
+    <cs:fontRef idx="minor">
+      <a:schemeClr val="tx1"/>
+    </cs:fontRef>
+    <cs:spPr>
+      <a:ln w="19050" cap="rnd">
+        <a:solidFill>
+          <a:schemeClr val="phClr"/>
+        </a:solidFill>
+        <a:prstDash val="sysDot"/>
+      </a:ln>
+    </cs:spPr>
+  </cs:trendline>
+  <cs:trendlineLabel>
+    <cs:lnRef idx="0"/>
+    <cs:fillRef idx="0"/>
+    <cs:effectRef idx="0"/>
+    <cs:fontRef idx="minor">
+      <a:schemeClr val="tx1">
+        <a:lumMod val="65000"/>
+        <a:lumOff val="35000"/>
+      </a:schemeClr>
+    </cs:fontRef>
+    <cs:defRPr sz="900" kern="1200"/>
+  </cs:trendlineLabel>
+  <cs:upBar>
+    <cs:lnRef idx="0"/>
+    <cs:fillRef idx="0"/>
+    <cs:effectRef idx="0"/>
+    <cs:fontRef idx="minor">
+      <a:schemeClr val="tx1"/>
+    </cs:fontRef>
+    <cs:spPr>
+      <a:solidFill>
+        <a:schemeClr val="lt1"/>
+      </a:solidFill>
+      <a:ln w="9525" cap="flat" cmpd="sng" algn="ctr">
+        <a:solidFill>
+          <a:schemeClr val="tx1">
+            <a:lumMod val="65000"/>
+            <a:lumOff val="35000"/>
+          </a:schemeClr>
+        </a:solidFill>
+        <a:round/>
+      </a:ln>
+    </cs:spPr>
+  </cs:upBar>
+  <cs:valueAxis>
+    <cs:lnRef idx="0"/>
+    <cs:fillRef idx="0"/>
+    <cs:effectRef idx="0"/>
+    <cs:fontRef idx="minor">
+      <a:schemeClr val="tx1">
+        <a:lumMod val="65000"/>
+        <a:lumOff val="35000"/>
+      </a:schemeClr>
+    </cs:fontRef>
+    <cs:spPr>
+      <a:ln w="9525" cap="flat" cmpd="sng" algn="ctr">
+        <a:solidFill>
+          <a:schemeClr val="tx1">
+            <a:lumMod val="25000"/>
+            <a:lumOff val="75000"/>
+          </a:schemeClr>
+        </a:solidFill>
+        <a:round/>
+      </a:ln>
+    </cs:spPr>
     <cs:defRPr sz="900" kern="1200"/>
   </cs:valueAxis>
   <cs:wall>
@@ -3006,7 +6022,7 @@
           <a:p>
             <a:fld id="{3F9726CE-E92C-F541-95A4-C1A8E5805F34}" type="datetimeFigureOut">
               <a:rPr lang="en-US" smtClean="0"/>
-              <a:t>12/3/17</a:t>
+              <a:t>12/4/17</a:t>
             </a:fld>
             <a:endParaRPr lang="en-US"/>
           </a:p>
@@ -3272,6 +6288,118 @@
     </a:lvl9pPr>
   </p:notesStyle>
 </p:notesMaster>
+</file>
+
+<file path=ppt/notesSlides/notesSlide1.xml><?xml version="1.0" encoding="utf-8"?>
+<p:notes xmlns:a="http://schemas.openxmlformats.org/drawingml/2006/main" xmlns:r="http://schemas.openxmlformats.org/officeDocument/2006/relationships" xmlns:p="http://schemas.openxmlformats.org/presentationml/2006/main">
+  <p:cSld>
+    <p:spTree>
+      <p:nvGrpSpPr>
+        <p:cNvPr id="1" name=""/>
+        <p:cNvGrpSpPr/>
+        <p:nvPr/>
+      </p:nvGrpSpPr>
+      <p:grpSpPr>
+        <a:xfrm>
+          <a:off x="0" y="0"/>
+          <a:ext cx="0" cy="0"/>
+          <a:chOff x="0" y="0"/>
+          <a:chExt cx="0" cy="0"/>
+        </a:xfrm>
+      </p:grpSpPr>
+      <p:sp>
+        <p:nvSpPr>
+          <p:cNvPr id="2" name="Slide Image Placeholder 1"/>
+          <p:cNvSpPr>
+            <a:spLocks noGrp="1" noRot="1" noChangeAspect="1"/>
+          </p:cNvSpPr>
+          <p:nvPr>
+            <p:ph type="sldImg"/>
+          </p:nvPr>
+        </p:nvSpPr>
+        <p:spPr/>
+      </p:sp>
+      <p:sp>
+        <p:nvSpPr>
+          <p:cNvPr id="3" name="Notes Placeholder 2"/>
+          <p:cNvSpPr>
+            <a:spLocks noGrp="1"/>
+          </p:cNvSpPr>
+          <p:nvPr>
+            <p:ph type="body" idx="1"/>
+          </p:nvPr>
+        </p:nvSpPr>
+        <p:spPr/>
+        <p:txBody>
+          <a:bodyPr/>
+          <a:lstStyle/>
+          <a:p>
+            <a:r>
+              <a:rPr lang="en-US" dirty="0" smtClean="0"/>
+              <a:t>We could not get data</a:t>
+            </a:r>
+            <a:r>
+              <a:rPr lang="en-US" baseline="0" dirty="0" smtClean="0"/>
+              <a:t> for N &gt; 3000 for </a:t>
+            </a:r>
+            <a:r>
+              <a:rPr lang="en-US" baseline="0" dirty="0" err="1" smtClean="0"/>
+              <a:t>addAll</a:t>
+            </a:r>
+            <a:r>
+              <a:rPr lang="en-US" baseline="0" dirty="0" smtClean="0"/>
+              <a:t>() in </a:t>
+            </a:r>
+            <a:r>
+              <a:rPr lang="en-US" baseline="0" dirty="0" err="1" smtClean="0"/>
+              <a:t>IntLinkedBag</a:t>
+            </a:r>
+            <a:r>
+              <a:rPr lang="en-US" baseline="0" dirty="0" smtClean="0"/>
+              <a:t> because of stack overflow </a:t>
+            </a:r>
+            <a:r>
+              <a:rPr lang="en-US" baseline="0" dirty="0" err="1" smtClean="0"/>
+              <a:t>execption</a:t>
+            </a:r>
+            <a:endParaRPr lang="en-US" dirty="0"/>
+          </a:p>
+        </p:txBody>
+      </p:sp>
+      <p:sp>
+        <p:nvSpPr>
+          <p:cNvPr id="4" name="Slide Number Placeholder 3"/>
+          <p:cNvSpPr>
+            <a:spLocks noGrp="1"/>
+          </p:cNvSpPr>
+          <p:nvPr>
+            <p:ph type="sldNum" sz="quarter" idx="10"/>
+          </p:nvPr>
+        </p:nvSpPr>
+        <p:spPr/>
+        <p:txBody>
+          <a:bodyPr/>
+          <a:lstStyle/>
+          <a:p>
+            <a:fld id="{632B7A1F-BD22-C242-A1EF-AD048F16FAF9}" type="slidenum">
+              <a:rPr lang="en-US" smtClean="0"/>
+              <a:t>8</a:t>
+            </a:fld>
+            <a:endParaRPr lang="en-US"/>
+          </a:p>
+        </p:txBody>
+      </p:sp>
+    </p:spTree>
+    <p:extLst>
+      <p:ext uri="{BB962C8B-B14F-4D97-AF65-F5344CB8AC3E}">
+        <p14:creationId xmlns:p14="http://schemas.microsoft.com/office/powerpoint/2010/main" val="1370449970"/>
+      </p:ext>
+    </p:extLst>
+  </p:cSld>
+  <p:clrMapOvr>
+    <a:masterClrMapping/>
+  </p:clrMapOvr>
+</p:notes>
 </file>
 
 <file path=ppt/slideLayouts/slideLayout1.xml><?xml version="1.0" encoding="utf-8"?>
@@ -3405,7 +6533,7 @@
           <a:p>
             <a:fld id="{743A99F8-0EC0-B744-8A98-18C028B72F51}" type="datetimeFigureOut">
               <a:rPr lang="en-US" smtClean="0"/>
-              <a:t>12/3/17</a:t>
+              <a:t>12/4/17</a:t>
             </a:fld>
             <a:endParaRPr lang="en-US"/>
           </a:p>
@@ -3575,7 +6703,7 @@
           <a:p>
             <a:fld id="{743A99F8-0EC0-B744-8A98-18C028B72F51}" type="datetimeFigureOut">
               <a:rPr lang="en-US" smtClean="0"/>
-              <a:t>12/3/17</a:t>
+              <a:t>12/4/17</a:t>
             </a:fld>
             <a:endParaRPr lang="en-US"/>
           </a:p>
@@ -3755,7 +6883,7 @@
           <a:p>
             <a:fld id="{743A99F8-0EC0-B744-8A98-18C028B72F51}" type="datetimeFigureOut">
               <a:rPr lang="en-US" smtClean="0"/>
-              <a:t>12/3/17</a:t>
+              <a:t>12/4/17</a:t>
             </a:fld>
             <a:endParaRPr lang="en-US"/>
           </a:p>
@@ -3925,7 +7053,7 @@
           <a:p>
             <a:fld id="{743A99F8-0EC0-B744-8A98-18C028B72F51}" type="datetimeFigureOut">
               <a:rPr lang="en-US" smtClean="0"/>
-              <a:t>12/3/17</a:t>
+              <a:t>12/4/17</a:t>
             </a:fld>
             <a:endParaRPr lang="en-US"/>
           </a:p>
@@ -4171,7 +7299,7 @@
           <a:p>
             <a:fld id="{743A99F8-0EC0-B744-8A98-18C028B72F51}" type="datetimeFigureOut">
               <a:rPr lang="en-US" smtClean="0"/>
-              <a:t>12/3/17</a:t>
+              <a:t>12/4/17</a:t>
             </a:fld>
             <a:endParaRPr lang="en-US"/>
           </a:p>
@@ -4403,7 +7531,7 @@
           <a:p>
             <a:fld id="{743A99F8-0EC0-B744-8A98-18C028B72F51}" type="datetimeFigureOut">
               <a:rPr lang="en-US" smtClean="0"/>
-              <a:t>12/3/17</a:t>
+              <a:t>12/4/17</a:t>
             </a:fld>
             <a:endParaRPr lang="en-US"/>
           </a:p>
@@ -4770,7 +7898,7 @@
           <a:p>
             <a:fld id="{743A99F8-0EC0-B744-8A98-18C028B72F51}" type="datetimeFigureOut">
               <a:rPr lang="en-US" smtClean="0"/>
-              <a:t>12/3/17</a:t>
+              <a:t>12/4/17</a:t>
             </a:fld>
             <a:endParaRPr lang="en-US"/>
           </a:p>
@@ -4888,7 +8016,7 @@
           <a:p>
             <a:fld id="{743A99F8-0EC0-B744-8A98-18C028B72F51}" type="datetimeFigureOut">
               <a:rPr lang="en-US" smtClean="0"/>
-              <a:t>12/3/17</a:t>
+              <a:t>12/4/17</a:t>
             </a:fld>
             <a:endParaRPr lang="en-US"/>
           </a:p>
@@ -4983,7 +8111,7 @@
           <a:p>
             <a:fld id="{743A99F8-0EC0-B744-8A98-18C028B72F51}" type="datetimeFigureOut">
               <a:rPr lang="en-US" smtClean="0"/>
-              <a:t>12/3/17</a:t>
+              <a:t>12/4/17</a:t>
             </a:fld>
             <a:endParaRPr lang="en-US"/>
           </a:p>
@@ -5260,7 +8388,7 @@
           <a:p>
             <a:fld id="{743A99F8-0EC0-B744-8A98-18C028B72F51}" type="datetimeFigureOut">
               <a:rPr lang="en-US" smtClean="0"/>
-              <a:t>12/3/17</a:t>
+              <a:t>12/4/17</a:t>
             </a:fld>
             <a:endParaRPr lang="en-US"/>
           </a:p>
@@ -5513,7 +8641,7 @@
           <a:p>
             <a:fld id="{743A99F8-0EC0-B744-8A98-18C028B72F51}" type="datetimeFigureOut">
               <a:rPr lang="en-US" smtClean="0"/>
-              <a:t>12/3/17</a:t>
+              <a:t>12/4/17</a:t>
             </a:fld>
             <a:endParaRPr lang="en-US"/>
           </a:p>
@@ -5726,7 +8854,7 @@
           <a:p>
             <a:fld id="{743A99F8-0EC0-B744-8A98-18C028B72F51}" type="datetimeFigureOut">
               <a:rPr lang="en-US" smtClean="0"/>
-              <a:t>12/3/17</a:t>
+              <a:t>12/4/17</a:t>
             </a:fld>
             <a:endParaRPr lang="en-US"/>
           </a:p>
@@ -6408,7 +9536,15 @@
             </a:r>
             <a:r>
               <a:rPr lang="en-US" dirty="0" smtClean="0"/>
-              <a:t> element) run time: O(N) as first the method find where to put the element, and then it pushes all the other elements to the next position.</a:t>
+              <a:t> element</a:t>
+            </a:r>
+            <a:r>
+              <a:rPr lang="en-US" dirty="0" smtClean="0"/>
+              <a:t>): </a:t>
+            </a:r>
+            <a:r>
+              <a:rPr lang="en-US" dirty="0" smtClean="0"/>
+              <a:t>O(N) as first the method find where to put the element, and then it pushes all the other elements to the next position.</a:t>
             </a:r>
           </a:p>
           <a:p>
@@ -6426,7 +9562,15 @@
             </a:r>
             <a:r>
               <a:rPr lang="en-US" dirty="0" smtClean="0"/>
-              <a:t> element) run time: O(N) as the method has to find the value in the bag that is greater than the element, which could be all the elements in the bag.</a:t>
+              <a:t> element</a:t>
+            </a:r>
+            <a:r>
+              <a:rPr lang="en-US" dirty="0" smtClean="0"/>
+              <a:t>): </a:t>
+            </a:r>
+            <a:r>
+              <a:rPr lang="en-US" dirty="0" smtClean="0"/>
+              <a:t>O(N) as the method has to find the value in the bag that is greater than the element, which could be all the elements in the bag.</a:t>
             </a:r>
             <a:endParaRPr lang="en-US" dirty="0"/>
           </a:p>
@@ -6495,25 +9639,49 @@
       </p:sp>
       <p:graphicFrame>
         <p:nvGraphicFramePr>
-          <p:cNvPr id="6" name="Chart 5"/>
+          <p:cNvPr id="7" name="Chart 6"/>
           <p:cNvGraphicFramePr>
             <a:graphicFrameLocks/>
           </p:cNvGraphicFramePr>
           <p:nvPr>
             <p:extLst>
               <p:ext uri="{D42A27DB-BD31-4B8C-83A1-F6EECF244321}">
-                <p14:modId xmlns:p14="http://schemas.microsoft.com/office/powerpoint/2010/main" val="922085140"/>
+                <p14:modId xmlns:p14="http://schemas.microsoft.com/office/powerpoint/2010/main" val="490537337"/>
               </p:ext>
             </p:extLst>
           </p:nvPr>
         </p:nvGraphicFramePr>
         <p:xfrm>
-          <a:off x="838199" y="1690688"/>
-          <a:ext cx="4909457" cy="4460730"/>
+          <a:off x="6020790" y="1690686"/>
+          <a:ext cx="5333009" cy="3950091"/>
         </p:xfrm>
         <a:graphic>
           <a:graphicData uri="http://schemas.openxmlformats.org/drawingml/2006/chart">
             <c:chart xmlns:c="http://schemas.openxmlformats.org/drawingml/2006/chart" xmlns:r="http://schemas.openxmlformats.org/officeDocument/2006/relationships" r:id="rId2"/>
+          </a:graphicData>
+        </a:graphic>
+      </p:graphicFrame>
+      <p:graphicFrame>
+        <p:nvGraphicFramePr>
+          <p:cNvPr id="8" name="Chart 7"/>
+          <p:cNvGraphicFramePr>
+            <a:graphicFrameLocks/>
+          </p:cNvGraphicFramePr>
+          <p:nvPr>
+            <p:extLst>
+              <p:ext uri="{D42A27DB-BD31-4B8C-83A1-F6EECF244321}">
+                <p14:modId xmlns:p14="http://schemas.microsoft.com/office/powerpoint/2010/main" val="188187625"/>
+              </p:ext>
+            </p:extLst>
+          </p:nvPr>
+        </p:nvGraphicFramePr>
+        <p:xfrm>
+          <a:off x="838199" y="1690686"/>
+          <a:ext cx="4850082" cy="3950090"/>
+        </p:xfrm>
+        <a:graphic>
+          <a:graphicData uri="http://schemas.openxmlformats.org/drawingml/2006/chart">
+            <c:chart xmlns:c="http://schemas.openxmlformats.org/drawingml/2006/chart" xmlns:r="http://schemas.openxmlformats.org/officeDocument/2006/relationships" r:id="rId3"/>
           </a:graphicData>
         </a:graphic>
       </p:graphicFrame>
@@ -6698,25 +9866,49 @@
       </p:sp>
       <p:graphicFrame>
         <p:nvGraphicFramePr>
-          <p:cNvPr id="4" name="Chart 3"/>
+          <p:cNvPr id="5" name="Chart 4"/>
           <p:cNvGraphicFramePr>
             <a:graphicFrameLocks/>
           </p:cNvGraphicFramePr>
           <p:nvPr>
             <p:extLst>
               <p:ext uri="{D42A27DB-BD31-4B8C-83A1-F6EECF244321}">
-                <p14:modId xmlns:p14="http://schemas.microsoft.com/office/powerpoint/2010/main" val="2103724963"/>
+                <p14:modId xmlns:p14="http://schemas.microsoft.com/office/powerpoint/2010/main" val="612952356"/>
               </p:ext>
             </p:extLst>
           </p:nvPr>
         </p:nvGraphicFramePr>
         <p:xfrm>
           <a:off x="838200" y="1690688"/>
-          <a:ext cx="5135088" cy="4330102"/>
+          <a:ext cx="4790704" cy="4223224"/>
         </p:xfrm>
         <a:graphic>
           <a:graphicData uri="http://schemas.openxmlformats.org/drawingml/2006/chart">
             <c:chart xmlns:c="http://schemas.openxmlformats.org/drawingml/2006/chart" xmlns:r="http://schemas.openxmlformats.org/officeDocument/2006/relationships" r:id="rId2"/>
+          </a:graphicData>
+        </a:graphic>
+      </p:graphicFrame>
+      <p:graphicFrame>
+        <p:nvGraphicFramePr>
+          <p:cNvPr id="7" name="Chart 6"/>
+          <p:cNvGraphicFramePr>
+            <a:graphicFrameLocks/>
+          </p:cNvGraphicFramePr>
+          <p:nvPr>
+            <p:extLst>
+              <p:ext uri="{D42A27DB-BD31-4B8C-83A1-F6EECF244321}">
+                <p14:modId xmlns:p14="http://schemas.microsoft.com/office/powerpoint/2010/main" val="327063672"/>
+              </p:ext>
+            </p:extLst>
+          </p:nvPr>
+        </p:nvGraphicFramePr>
+        <p:xfrm>
+          <a:off x="6365174" y="1690688"/>
+          <a:ext cx="4988626" cy="4223224"/>
+        </p:xfrm>
+        <a:graphic>
+          <a:graphicData uri="http://schemas.openxmlformats.org/drawingml/2006/chart">
+            <c:chart xmlns:c="http://schemas.openxmlformats.org/drawingml/2006/chart" xmlns:r="http://schemas.openxmlformats.org/officeDocument/2006/relationships" r:id="rId3"/>
           </a:graphicData>
         </a:graphic>
       </p:graphicFrame>
@@ -6775,15 +9967,7 @@
             </a:r>
             <a:r>
               <a:rPr lang="en-US" dirty="0" smtClean="0"/>
-              <a:t>(</a:t>
-            </a:r>
-            <a:r>
-              <a:rPr lang="en-US" dirty="0" err="1" smtClean="0"/>
-              <a:t>int</a:t>
-            </a:r>
-            <a:r>
-              <a:rPr lang="en-US" dirty="0" smtClean="0"/>
-              <a:t> target)</a:t>
+              <a:t>(bag)</a:t>
             </a:r>
             <a:endParaRPr lang="en-US" dirty="0"/>
           </a:p>
@@ -6801,7 +9985,9 @@
         </p:nvSpPr>
         <p:spPr/>
         <p:txBody>
-          <a:bodyPr/>
+          <a:bodyPr>
+            <a:normAutofit/>
+          </a:bodyPr>
           <a:lstStyle/>
           <a:p>
             <a:r>
@@ -6824,7 +10010,51 @@
             </a:r>
             <a:r>
               <a:rPr lang="en-US" dirty="0" smtClean="0"/>
-              <a:t>(): O(N</a:t>
+              <a:t>(): </a:t>
+            </a:r>
+            <a:r>
+              <a:rPr lang="en-US" dirty="0" smtClean="0"/>
+              <a:t>O</a:t>
+            </a:r>
+            <a:r>
+              <a:rPr lang="en-US" dirty="0"/>
+              <a:t>[(N</a:t>
+            </a:r>
+            <a:r>
+              <a:rPr lang="en-US" baseline="-25000" dirty="0"/>
+              <a:t>1</a:t>
+            </a:r>
+            <a:r>
+              <a:rPr lang="en-US" dirty="0"/>
+              <a:t>+N</a:t>
+            </a:r>
+            <a:r>
+              <a:rPr lang="en-US" baseline="-25000" dirty="0"/>
+              <a:t>2</a:t>
+            </a:r>
+            <a:r>
+              <a:rPr lang="en-US" dirty="0"/>
+              <a:t>)log(N</a:t>
+            </a:r>
+            <a:r>
+              <a:rPr lang="en-US" baseline="-25000" dirty="0"/>
+              <a:t>1</a:t>
+            </a:r>
+            <a:r>
+              <a:rPr lang="en-US" dirty="0"/>
+              <a:t>+N</a:t>
+            </a:r>
+            <a:r>
+              <a:rPr lang="en-US" baseline="-25000" dirty="0"/>
+              <a:t>2</a:t>
+            </a:r>
+            <a:r>
+              <a:rPr lang="en-US" dirty="0"/>
+              <a:t>)] </a:t>
+            </a:r>
+            <a:r>
+              <a:rPr lang="en-US" dirty="0" smtClean="0"/>
+              <a:t>as N</a:t>
             </a:r>
             <a:r>
               <a:rPr lang="en-US" baseline="-25000" dirty="0" smtClean="0"/>
@@ -6832,7 +10062,43 @@
             </a:r>
             <a:r>
               <a:rPr lang="en-US" dirty="0" smtClean="0"/>
-              <a:t>+N</a:t>
+              <a:t> </a:t>
+            </a:r>
+            <a:r>
+              <a:rPr lang="en-US" dirty="0"/>
+              <a:t>e</a:t>
+            </a:r>
+            <a:r>
+              <a:rPr lang="en-US" dirty="0" smtClean="0"/>
+              <a:t>lements are added to the end of the bag </a:t>
+            </a:r>
+            <a:r>
+              <a:rPr lang="en-US" dirty="0" smtClean="0"/>
+              <a:t>first, </a:t>
+            </a:r>
+            <a:r>
+              <a:rPr lang="en-US" dirty="0"/>
+              <a:t>and N</a:t>
+            </a:r>
+            <a:r>
+              <a:rPr lang="en-US" baseline="-25000" dirty="0"/>
+              <a:t>2</a:t>
+            </a:r>
+            <a:r>
+              <a:rPr lang="en-US" dirty="0" smtClean="0"/>
+              <a:t> are the elements already in the bag. </a:t>
+            </a:r>
+            <a:r>
+              <a:rPr lang="en-US" dirty="0" smtClean="0"/>
+              <a:t>Then </a:t>
+            </a:r>
+            <a:r>
+              <a:rPr lang="en-US" dirty="0" err="1" smtClean="0"/>
+              <a:t>mergesort</a:t>
+            </a:r>
+            <a:r>
+              <a:rPr lang="en-US" dirty="0" smtClean="0"/>
+              <a:t> is called to sort the final array with N</a:t>
             </a:r>
             <a:r>
               <a:rPr lang="en-US" baseline="-25000" dirty="0" smtClean="0"/>
@@ -6840,15 +10106,57 @@
             </a:r>
             <a:r>
               <a:rPr lang="en-US" dirty="0" smtClean="0"/>
-              <a:t>logN</a:t>
-            </a:r>
-            <a:r>
-              <a:rPr lang="en-US" baseline="-25000" dirty="0" smtClean="0"/>
+              <a:t> elements.</a:t>
+            </a:r>
+          </a:p>
+          <a:p>
+            <a:r>
+              <a:rPr lang="en-US" dirty="0" err="1" smtClean="0"/>
+              <a:t>IntLinkedBag.mergeSort</a:t>
+            </a:r>
+            <a:r>
+              <a:rPr lang="en-US" dirty="0" smtClean="0"/>
+              <a:t>(): </a:t>
+            </a:r>
+            <a:r>
+              <a:rPr lang="en-US" dirty="0"/>
+              <a:t>O[(N</a:t>
+            </a:r>
+            <a:r>
+              <a:rPr lang="en-US" baseline="-25000" dirty="0"/>
+              <a:t>1</a:t>
+            </a:r>
+            <a:r>
+              <a:rPr lang="en-US" dirty="0"/>
+              <a:t>+N</a:t>
+            </a:r>
+            <a:r>
+              <a:rPr lang="en-US" baseline="-25000" dirty="0"/>
               <a:t>2</a:t>
             </a:r>
             <a:r>
+              <a:rPr lang="en-US" dirty="0"/>
+              <a:t>)log(N</a:t>
+            </a:r>
+            <a:r>
+              <a:rPr lang="en-US" baseline="-25000" dirty="0"/>
+              <a:t>1</a:t>
+            </a:r>
+            <a:r>
+              <a:rPr lang="en-US" dirty="0"/>
+              <a:t>+N</a:t>
+            </a:r>
+            <a:r>
+              <a:rPr lang="en-US" baseline="-25000" dirty="0"/>
+              <a:t>2</a:t>
+            </a:r>
+            <a:r>
+              <a:rPr lang="en-US" dirty="0"/>
+              <a:t>)] as </a:t>
+            </a:r>
+            <a:r>
               <a:rPr lang="en-US" dirty="0" smtClean="0"/>
-              <a:t>) as N</a:t>
+              <a:t>the linked list elements (N</a:t>
             </a:r>
             <a:r>
               <a:rPr lang="en-US" baseline="-25000" dirty="0" smtClean="0"/>
@@ -6856,15 +10164,15 @@
             </a:r>
             <a:r>
               <a:rPr lang="en-US" dirty="0" smtClean="0"/>
-              <a:t> </a:t>
-            </a:r>
-            <a:r>
-              <a:rPr lang="en-US" dirty="0"/>
-              <a:t>e</a:t>
+              <a:t>) are added to the start of the </a:t>
             </a:r>
             <a:r>
               <a:rPr lang="en-US" dirty="0" smtClean="0"/>
-              <a:t>lements are added to the end of the bag first. Then </a:t>
+              <a:t>array. </a:t>
+            </a:r>
+            <a:r>
+              <a:rPr lang="en-US" dirty="0" smtClean="0"/>
+              <a:t>Then </a:t>
             </a:r>
             <a:r>
               <a:rPr lang="en-US" dirty="0" err="1" smtClean="0"/>
@@ -6872,85 +10180,11 @@
             </a:r>
             <a:r>
               <a:rPr lang="en-US" dirty="0" smtClean="0"/>
-              <a:t> is called to sort the final array with N</a:t>
-            </a:r>
-            <a:r>
-              <a:rPr lang="en-US" baseline="-25000" dirty="0" smtClean="0"/>
-              <a:t>2</a:t>
+              <a:t> is </a:t>
             </a:r>
             <a:r>
               <a:rPr lang="en-US" dirty="0" smtClean="0"/>
-              <a:t> elements.</a:t>
-            </a:r>
-          </a:p>
-          <a:p>
-            <a:r>
-              <a:rPr lang="en-US" dirty="0" err="1" smtClean="0"/>
-              <a:t>IntLinkedBag.mergeSort</a:t>
-            </a:r>
-            <a:r>
-              <a:rPr lang="en-US" dirty="0" smtClean="0"/>
-              <a:t>(): O(</a:t>
-            </a:r>
-            <a:r>
-              <a:rPr lang="en-US" dirty="0" smtClean="0"/>
-              <a:t>N</a:t>
-            </a:r>
-            <a:r>
-              <a:rPr lang="en-US" baseline="-25000" dirty="0" smtClean="0"/>
-              <a:t>1</a:t>
-            </a:r>
-            <a:r>
-              <a:rPr lang="en-US" dirty="0" smtClean="0"/>
-              <a:t>+N</a:t>
-            </a:r>
-            <a:r>
-              <a:rPr lang="en-US" baseline="-25000" dirty="0" smtClean="0"/>
-              <a:t>2</a:t>
-            </a:r>
-            <a:r>
-              <a:rPr lang="en-US" dirty="0" smtClean="0"/>
-              <a:t>logN</a:t>
-            </a:r>
-            <a:r>
-              <a:rPr lang="en-US" baseline="-25000" dirty="0" smtClean="0"/>
-              <a:t>2</a:t>
-            </a:r>
-            <a:r>
-              <a:rPr lang="en-US" dirty="0" smtClean="0"/>
-              <a:t>) as the linked list elements (N</a:t>
-            </a:r>
-            <a:r>
-              <a:rPr lang="en-US" baseline="-25000" dirty="0" smtClean="0"/>
-              <a:t>1</a:t>
-            </a:r>
-            <a:r>
-              <a:rPr lang="en-US" dirty="0" smtClean="0"/>
-              <a:t>) are added to the start of the array, which needs us to get the last link in the elements to be added. Then </a:t>
-            </a:r>
-            <a:r>
-              <a:rPr lang="en-US" dirty="0" err="1" smtClean="0"/>
-              <a:t>mergesort</a:t>
-            </a:r>
-            <a:r>
-              <a:rPr lang="en-US" dirty="0" smtClean="0"/>
-              <a:t> is called to the final array with </a:t>
-            </a:r>
-            <a:r>
-              <a:rPr lang="en-US" dirty="0" smtClean="0"/>
-              <a:t>N</a:t>
-            </a:r>
-            <a:r>
-              <a:rPr lang="en-US" baseline="-25000" dirty="0" smtClean="0"/>
-              <a:t>2</a:t>
-            </a:r>
-            <a:r>
-              <a:rPr lang="en-US" dirty="0"/>
-              <a:t> </a:t>
-            </a:r>
-            <a:r>
-              <a:rPr lang="en-US" dirty="0" smtClean="0"/>
-              <a:t>elements.</a:t>
+              <a:t>called.</a:t>
             </a:r>
             <a:endParaRPr lang="en-US" dirty="0" smtClean="0"/>
           </a:p>
@@ -7003,15 +10237,15 @@
           <a:p>
             <a:r>
               <a:rPr lang="en-US" dirty="0" smtClean="0"/>
-              <a:t>Experimental Run Time: remove(</a:t>
+              <a:t>Experimental Run Time: </a:t>
             </a:r>
             <a:r>
               <a:rPr lang="en-US" dirty="0" err="1" smtClean="0"/>
-              <a:t>int</a:t>
+              <a:t>addAll</a:t>
             </a:r>
             <a:r>
               <a:rPr lang="en-US" dirty="0" smtClean="0"/>
-              <a:t> target)</a:t>
+              <a:t>()</a:t>
             </a:r>
             <a:endParaRPr lang="en-US" dirty="0"/>
           </a:p>
@@ -7019,25 +10253,49 @@
       </p:sp>
       <p:graphicFrame>
         <p:nvGraphicFramePr>
-          <p:cNvPr id="4" name="Chart 3"/>
+          <p:cNvPr id="8" name="Chart 7"/>
           <p:cNvGraphicFramePr>
             <a:graphicFrameLocks/>
           </p:cNvGraphicFramePr>
           <p:nvPr>
             <p:extLst>
               <p:ext uri="{D42A27DB-BD31-4B8C-83A1-F6EECF244321}">
-                <p14:modId xmlns:p14="http://schemas.microsoft.com/office/powerpoint/2010/main" val="872405445"/>
+                <p14:modId xmlns:p14="http://schemas.microsoft.com/office/powerpoint/2010/main" val="599378939"/>
               </p:ext>
             </p:extLst>
           </p:nvPr>
         </p:nvGraphicFramePr>
         <p:xfrm>
-          <a:off x="838200" y="1690687"/>
-          <a:ext cx="4933208" cy="4508231"/>
+          <a:off x="6448301" y="1690688"/>
+          <a:ext cx="4905499" cy="4140096"/>
         </p:xfrm>
         <a:graphic>
           <a:graphicData uri="http://schemas.openxmlformats.org/drawingml/2006/chart">
-            <c:chart xmlns:c="http://schemas.openxmlformats.org/drawingml/2006/chart" xmlns:r="http://schemas.openxmlformats.org/officeDocument/2006/relationships" r:id="rId2"/>
+            <c:chart xmlns:c="http://schemas.openxmlformats.org/drawingml/2006/chart" xmlns:r="http://schemas.openxmlformats.org/officeDocument/2006/relationships" r:id="rId3"/>
+          </a:graphicData>
+        </a:graphic>
+      </p:graphicFrame>
+      <p:graphicFrame>
+        <p:nvGraphicFramePr>
+          <p:cNvPr id="9" name="Chart 8"/>
+          <p:cNvGraphicFramePr>
+            <a:graphicFrameLocks/>
+          </p:cNvGraphicFramePr>
+          <p:nvPr>
+            <p:extLst>
+              <p:ext uri="{D42A27DB-BD31-4B8C-83A1-F6EECF244321}">
+                <p14:modId xmlns:p14="http://schemas.microsoft.com/office/powerpoint/2010/main" val="1070729819"/>
+              </p:ext>
+            </p:extLst>
+          </p:nvPr>
+        </p:nvGraphicFramePr>
+        <p:xfrm>
+          <a:off x="838200" y="1690688"/>
+          <a:ext cx="5028210" cy="4258850"/>
+        </p:xfrm>
+        <a:graphic>
+          <a:graphicData uri="http://schemas.openxmlformats.org/drawingml/2006/chart">
+            <c:chart xmlns:c="http://schemas.openxmlformats.org/drawingml/2006/chart" xmlns:r="http://schemas.openxmlformats.org/officeDocument/2006/relationships" r:id="rId4"/>
           </a:graphicData>
         </a:graphic>
       </p:graphicFrame>
@@ -7045,6 +10303,156 @@
     <p:extLst>
       <p:ext uri="{BB962C8B-B14F-4D97-AF65-F5344CB8AC3E}">
         <p14:creationId xmlns:p14="http://schemas.microsoft.com/office/powerpoint/2010/main" val="766041025"/>
+      </p:ext>
+    </p:extLst>
+  </p:cSld>
+  <p:clrMapOvr>
+    <a:masterClrMapping/>
+  </p:clrMapOvr>
+</p:sld>
+</file>
+
+<file path=ppt/slides/slide9.xml><?xml version="1.0" encoding="utf-8"?>
+<p:sld xmlns:a="http://schemas.openxmlformats.org/drawingml/2006/main" xmlns:r="http://schemas.openxmlformats.org/officeDocument/2006/relationships" xmlns:p="http://schemas.openxmlformats.org/presentationml/2006/main">
+  <p:cSld>
+    <p:spTree>
+      <p:nvGrpSpPr>
+        <p:cNvPr id="1" name=""/>
+        <p:cNvGrpSpPr/>
+        <p:nvPr/>
+      </p:nvGrpSpPr>
+      <p:grpSpPr>
+        <a:xfrm>
+          <a:off x="0" y="0"/>
+          <a:ext cx="0" cy="0"/>
+          <a:chOff x="0" y="0"/>
+          <a:chExt cx="0" cy="0"/>
+        </a:xfrm>
+      </p:grpSpPr>
+      <p:sp>
+        <p:nvSpPr>
+          <p:cNvPr id="2" name="Title 1"/>
+          <p:cNvSpPr>
+            <a:spLocks noGrp="1"/>
+          </p:cNvSpPr>
+          <p:nvPr>
+            <p:ph type="title"/>
+          </p:nvPr>
+        </p:nvSpPr>
+        <p:spPr/>
+        <p:txBody>
+          <a:bodyPr/>
+          <a:lstStyle/>
+          <a:p>
+            <a:r>
+              <a:rPr lang="en-US" dirty="0" err="1" smtClean="0"/>
+              <a:t>IntLinkedBag.addAll</a:t>
+            </a:r>
+            <a:r>
+              <a:rPr lang="en-US" dirty="0" smtClean="0"/>
+              <a:t>(bag) problem!</a:t>
+            </a:r>
+            <a:endParaRPr lang="en-US" dirty="0"/>
+          </a:p>
+        </p:txBody>
+      </p:sp>
+      <p:sp>
+        <p:nvSpPr>
+          <p:cNvPr id="3" name="Content Placeholder 2"/>
+          <p:cNvSpPr>
+            <a:spLocks noGrp="1"/>
+          </p:cNvSpPr>
+          <p:nvPr>
+            <p:ph idx="1"/>
+          </p:nvPr>
+        </p:nvSpPr>
+        <p:spPr/>
+        <p:txBody>
+          <a:bodyPr/>
+          <a:lstStyle/>
+          <a:p>
+            <a:r>
+              <a:rPr lang="en-US" dirty="0" smtClean="0"/>
+              <a:t>Cannot use </a:t>
+            </a:r>
+            <a:r>
+              <a:rPr lang="en-US" dirty="0" err="1" smtClean="0"/>
+              <a:t>mergsort</a:t>
+            </a:r>
+            <a:r>
+              <a:rPr lang="en-US" dirty="0" smtClean="0"/>
+              <a:t> because of stack overflow </a:t>
+            </a:r>
+            <a:r>
+              <a:rPr lang="en-US" dirty="0" err="1" smtClean="0"/>
+              <a:t>excpetion</a:t>
+            </a:r>
+            <a:r>
+              <a:rPr lang="en-US" dirty="0" smtClean="0"/>
+              <a:t> for N &gt; 3000.</a:t>
+            </a:r>
+          </a:p>
+          <a:p>
+            <a:r>
+              <a:rPr lang="en-US" dirty="0" smtClean="0"/>
+              <a:t>Different implementation required, like add each element from the new bag using the the add() method.</a:t>
+            </a:r>
+          </a:p>
+          <a:p>
+            <a:r>
+              <a:rPr lang="en-US" dirty="0" smtClean="0"/>
+              <a:t>But given the run time difference between sorted </a:t>
+            </a:r>
+            <a:r>
+              <a:rPr lang="en-US" dirty="0" err="1" smtClean="0"/>
+              <a:t>implemnations</a:t>
+            </a:r>
+            <a:r>
+              <a:rPr lang="en-US" dirty="0" smtClean="0"/>
+              <a:t> of </a:t>
+            </a:r>
+            <a:r>
+              <a:rPr lang="en-US" dirty="0" err="1" smtClean="0"/>
+              <a:t>IntLinkedBag</a:t>
+            </a:r>
+            <a:r>
+              <a:rPr lang="en-US" dirty="0" smtClean="0"/>
+              <a:t> and </a:t>
+            </a:r>
+            <a:r>
+              <a:rPr lang="en-US" dirty="0" err="1" smtClean="0"/>
+              <a:t>IntArrayBag</a:t>
+            </a:r>
+            <a:r>
+              <a:rPr lang="en-US" dirty="0" smtClean="0"/>
+              <a:t> we should use the, the </a:t>
+            </a:r>
+            <a:r>
+              <a:rPr lang="en-US" dirty="0" err="1" smtClean="0"/>
+              <a:t>IntArrayBag</a:t>
+            </a:r>
+            <a:r>
+              <a:rPr lang="en-US" dirty="0" smtClean="0"/>
+              <a:t> as it has faster add(), remove() and </a:t>
+            </a:r>
+            <a:r>
+              <a:rPr lang="en-US" dirty="0" err="1" smtClean="0"/>
+              <a:t>addAll</a:t>
+            </a:r>
+            <a:r>
+              <a:rPr lang="en-US" dirty="0" smtClean="0"/>
+              <a:t>() run times.</a:t>
+            </a:r>
+          </a:p>
+          <a:p>
+            <a:endParaRPr lang="en-US" dirty="0"/>
+          </a:p>
+        </p:txBody>
+      </p:sp>
+    </p:spTree>
+    <p:extLst>
+      <p:ext uri="{BB962C8B-B14F-4D97-AF65-F5344CB8AC3E}">
+        <p14:creationId xmlns:p14="http://schemas.microsoft.com/office/powerpoint/2010/main" val="1736464335"/>
       </p:ext>
     </p:extLst>
   </p:cSld>

--- a/FinalProjectPresentation.pptx
+++ b/FinalProjectPresentation.pptx
@@ -5,7 +5,7 @@
     <p:sldMasterId id="2147483648" r:id="rId1"/>
   </p:sldMasterIdLst>
   <p:notesMasterIdLst>
-    <p:notesMasterId r:id="rId11"/>
+    <p:notesMasterId r:id="rId14"/>
   </p:notesMasterIdLst>
   <p:sldIdLst>
     <p:sldId id="256" r:id="rId2"/>
@@ -15,8 +15,11 @@
     <p:sldId id="260" r:id="rId6"/>
     <p:sldId id="261" r:id="rId7"/>
     <p:sldId id="262" r:id="rId8"/>
-    <p:sldId id="263" r:id="rId9"/>
-    <p:sldId id="264" r:id="rId10"/>
+    <p:sldId id="265" r:id="rId9"/>
+    <p:sldId id="263" r:id="rId10"/>
+    <p:sldId id="267" r:id="rId11"/>
+    <p:sldId id="266" r:id="rId12"/>
+    <p:sldId id="264" r:id="rId13"/>
   </p:sldIdLst>
   <p:sldSz cx="12192000" cy="6858000"/>
   <p:notesSz cx="6858000" cy="9144000"/>
@@ -308,11 +311,11 @@
           <c:showPercent val="0"/>
           <c:showBubbleSize val="0"/>
         </c:dLbls>
-        <c:axId val="-183308416"/>
-        <c:axId val="-182792112"/>
+        <c:axId val="-800736560"/>
+        <c:axId val="-800734240"/>
       </c:scatterChart>
       <c:valAx>
-        <c:axId val="-183308416"/>
+        <c:axId val="-800736560"/>
         <c:scaling>
           <c:orientation val="minMax"/>
         </c:scaling>
@@ -368,12 +371,12 @@
             <a:endParaRPr lang="en-US"/>
           </a:p>
         </c:txPr>
-        <c:crossAx val="-182792112"/>
+        <c:crossAx val="-800734240"/>
         <c:crosses val="autoZero"/>
         <c:crossBetween val="midCat"/>
       </c:valAx>
       <c:valAx>
-        <c:axId val="-182792112"/>
+        <c:axId val="-800734240"/>
         <c:scaling>
           <c:orientation val="minMax"/>
         </c:scaling>
@@ -449,6 +452,7 @@
             </a:p>
           </c:txPr>
         </c:title>
+        <c:numFmt formatCode="General" sourceLinked="0"/>
         <c:majorTickMark val="none"/>
         <c:minorTickMark val="none"/>
         <c:tickLblPos val="nextTo"/>
@@ -485,7 +489,7 @@
             <a:endParaRPr lang="en-US"/>
           </a:p>
         </c:txPr>
-        <c:crossAx val="-183308416"/>
+        <c:crossAx val="-800736560"/>
         <c:crosses val="autoZero"/>
         <c:crossBetween val="midCat"/>
       </c:valAx>
@@ -720,11 +724,11 @@
           <c:showPercent val="0"/>
           <c:showBubbleSize val="0"/>
         </c:dLbls>
-        <c:axId val="-179981312"/>
-        <c:axId val="-179979536"/>
+        <c:axId val="-801043152"/>
+        <c:axId val="-801029840"/>
       </c:scatterChart>
       <c:valAx>
-        <c:axId val="-179981312"/>
+        <c:axId val="-801043152"/>
         <c:scaling>
           <c:orientation val="minMax"/>
         </c:scaling>
@@ -780,12 +784,12 @@
             <a:endParaRPr lang="en-US"/>
           </a:p>
         </c:txPr>
-        <c:crossAx val="-179979536"/>
+        <c:crossAx val="-801029840"/>
         <c:crosses val="autoZero"/>
         <c:crossBetween val="midCat"/>
       </c:valAx>
       <c:valAx>
-        <c:axId val="-179979536"/>
+        <c:axId val="-801029840"/>
         <c:scaling>
           <c:orientation val="minMax"/>
         </c:scaling>
@@ -897,7 +901,7 @@
             <a:endParaRPr lang="en-US"/>
           </a:p>
         </c:txPr>
-        <c:crossAx val="-179981312"/>
+        <c:crossAx val="-801043152"/>
         <c:crosses val="autoZero"/>
         <c:crossBetween val="midCat"/>
       </c:valAx>
@@ -1132,11 +1136,11 @@
           <c:showPercent val="0"/>
           <c:showBubbleSize val="0"/>
         </c:dLbls>
-        <c:axId val="-178027376"/>
-        <c:axId val="-178025056"/>
+        <c:axId val="-804102272"/>
+        <c:axId val="-804099040"/>
       </c:scatterChart>
       <c:valAx>
-        <c:axId val="-178027376"/>
+        <c:axId val="-804102272"/>
         <c:scaling>
           <c:orientation val="minMax"/>
         </c:scaling>
@@ -1192,12 +1196,12 @@
             <a:endParaRPr lang="en-US"/>
           </a:p>
         </c:txPr>
-        <c:crossAx val="-178025056"/>
+        <c:crossAx val="-804099040"/>
         <c:crosses val="autoZero"/>
         <c:crossBetween val="midCat"/>
       </c:valAx>
       <c:valAx>
-        <c:axId val="-178025056"/>
+        <c:axId val="-804099040"/>
         <c:scaling>
           <c:orientation val="minMax"/>
         </c:scaling>
@@ -1310,7 +1314,7 @@
             <a:endParaRPr lang="en-US"/>
           </a:p>
         </c:txPr>
-        <c:crossAx val="-178027376"/>
+        <c:crossAx val="-804102272"/>
         <c:crosses val="autoZero"/>
         <c:crossBetween val="midCat"/>
       </c:valAx>
@@ -1569,11 +1573,11 @@
           <c:showPercent val="0"/>
           <c:showBubbleSize val="0"/>
         </c:dLbls>
-        <c:axId val="-178919200"/>
-        <c:axId val="-178833440"/>
+        <c:axId val="-798697840"/>
+        <c:axId val="-798695520"/>
       </c:scatterChart>
       <c:valAx>
-        <c:axId val="-178919200"/>
+        <c:axId val="-798697840"/>
         <c:scaling>
           <c:orientation val="minMax"/>
         </c:scaling>
@@ -1593,6 +1597,7 @@
             <a:effectLst/>
           </c:spPr>
         </c:majorGridlines>
+        <c:numFmt formatCode="General" sourceLinked="0"/>
         <c:majorTickMark val="none"/>
         <c:minorTickMark val="none"/>
         <c:tickLblPos val="nextTo"/>
@@ -1629,12 +1634,12 @@
             <a:endParaRPr lang="en-US"/>
           </a:p>
         </c:txPr>
-        <c:crossAx val="-178833440"/>
+        <c:crossAx val="-798695520"/>
         <c:crosses val="autoZero"/>
         <c:crossBetween val="midCat"/>
       </c:valAx>
       <c:valAx>
-        <c:axId val="-178833440"/>
+        <c:axId val="-798695520"/>
         <c:scaling>
           <c:orientation val="minMax"/>
         </c:scaling>
@@ -1746,7 +1751,7 @@
             <a:endParaRPr lang="en-US"/>
           </a:p>
         </c:txPr>
-        <c:crossAx val="-178919200"/>
+        <c:crossAx val="-798697840"/>
         <c:crosses val="autoZero"/>
         <c:crossBetween val="midCat"/>
       </c:valAx>
@@ -2005,11 +2010,11 @@
           <c:showPercent val="0"/>
           <c:showBubbleSize val="0"/>
         </c:dLbls>
-        <c:axId val="-178014928"/>
-        <c:axId val="-177896832"/>
+        <c:axId val="-798671680"/>
+        <c:axId val="-798669360"/>
       </c:scatterChart>
       <c:valAx>
-        <c:axId val="-178014928"/>
+        <c:axId val="-798671680"/>
         <c:scaling>
           <c:orientation val="minMax"/>
         </c:scaling>
@@ -2065,12 +2070,12 @@
             <a:endParaRPr lang="en-US"/>
           </a:p>
         </c:txPr>
-        <c:crossAx val="-177896832"/>
+        <c:crossAx val="-798669360"/>
         <c:crosses val="autoZero"/>
         <c:crossBetween val="midCat"/>
       </c:valAx>
       <c:valAx>
-        <c:axId val="-177896832"/>
+        <c:axId val="-798669360"/>
         <c:scaling>
           <c:orientation val="minMax"/>
         </c:scaling>
@@ -2090,6 +2095,7 @@
             <a:effectLst/>
           </c:spPr>
         </c:majorGridlines>
+        <c:numFmt formatCode="General" sourceLinked="0"/>
         <c:majorTickMark val="none"/>
         <c:minorTickMark val="none"/>
         <c:tickLblPos val="nextTo"/>
@@ -2126,7 +2132,7 @@
             <a:endParaRPr lang="en-US"/>
           </a:p>
         </c:txPr>
-        <c:crossAx val="-178014928"/>
+        <c:crossAx val="-798671680"/>
         <c:crosses val="autoZero"/>
         <c:crossBetween val="midCat"/>
       </c:valAx>
@@ -2352,11 +2358,11 @@
           <c:showPercent val="0"/>
           <c:showBubbleSize val="0"/>
         </c:dLbls>
-        <c:axId val="-182532592"/>
-        <c:axId val="-178689904"/>
+        <c:axId val="-803282192"/>
+        <c:axId val="-884212256"/>
       </c:scatterChart>
       <c:valAx>
-        <c:axId val="-182532592"/>
+        <c:axId val="-803282192"/>
         <c:scaling>
           <c:orientation val="minMax"/>
         </c:scaling>
@@ -2412,12 +2418,12 @@
             <a:endParaRPr lang="en-US"/>
           </a:p>
         </c:txPr>
-        <c:crossAx val="-178689904"/>
+        <c:crossAx val="-884212256"/>
         <c:crosses val="autoZero"/>
         <c:crossBetween val="midCat"/>
       </c:valAx>
       <c:valAx>
-        <c:axId val="-178689904"/>
+        <c:axId val="-884212256"/>
         <c:scaling>
           <c:orientation val="minMax"/>
         </c:scaling>
@@ -2529,7 +2535,7 @@
             <a:endParaRPr lang="en-US"/>
           </a:p>
         </c:txPr>
-        <c:crossAx val="-182532592"/>
+        <c:crossAx val="-803282192"/>
         <c:crosses val="autoZero"/>
         <c:crossBetween val="midCat"/>
       </c:valAx>
@@ -6022,7 +6028,7 @@
           <a:p>
             <a:fld id="{3F9726CE-E92C-F541-95A4-C1A8E5805F34}" type="datetimeFigureOut">
               <a:rPr lang="en-US" smtClean="0"/>
-              <a:t>12/4/17</a:t>
+              <a:t>12/5/17</a:t>
             </a:fld>
             <a:endParaRPr lang="en-US"/>
           </a:p>
@@ -6383,7 +6389,7 @@
           <a:p>
             <a:fld id="{632B7A1F-BD22-C242-A1EF-AD048F16FAF9}" type="slidenum">
               <a:rPr lang="en-US" smtClean="0"/>
-              <a:t>8</a:t>
+              <a:t>9</a:t>
             </a:fld>
             <a:endParaRPr lang="en-US"/>
           </a:p>
@@ -6533,7 +6539,7 @@
           <a:p>
             <a:fld id="{743A99F8-0EC0-B744-8A98-18C028B72F51}" type="datetimeFigureOut">
               <a:rPr lang="en-US" smtClean="0"/>
-              <a:t>12/4/17</a:t>
+              <a:t>12/5/17</a:t>
             </a:fld>
             <a:endParaRPr lang="en-US"/>
           </a:p>
@@ -6703,7 +6709,7 @@
           <a:p>
             <a:fld id="{743A99F8-0EC0-B744-8A98-18C028B72F51}" type="datetimeFigureOut">
               <a:rPr lang="en-US" smtClean="0"/>
-              <a:t>12/4/17</a:t>
+              <a:t>12/5/17</a:t>
             </a:fld>
             <a:endParaRPr lang="en-US"/>
           </a:p>
@@ -6883,7 +6889,7 @@
           <a:p>
             <a:fld id="{743A99F8-0EC0-B744-8A98-18C028B72F51}" type="datetimeFigureOut">
               <a:rPr lang="en-US" smtClean="0"/>
-              <a:t>12/4/17</a:t>
+              <a:t>12/5/17</a:t>
             </a:fld>
             <a:endParaRPr lang="en-US"/>
           </a:p>
@@ -7053,7 +7059,7 @@
           <a:p>
             <a:fld id="{743A99F8-0EC0-B744-8A98-18C028B72F51}" type="datetimeFigureOut">
               <a:rPr lang="en-US" smtClean="0"/>
-              <a:t>12/4/17</a:t>
+              <a:t>12/5/17</a:t>
             </a:fld>
             <a:endParaRPr lang="en-US"/>
           </a:p>
@@ -7299,7 +7305,7 @@
           <a:p>
             <a:fld id="{743A99F8-0EC0-B744-8A98-18C028B72F51}" type="datetimeFigureOut">
               <a:rPr lang="en-US" smtClean="0"/>
-              <a:t>12/4/17</a:t>
+              <a:t>12/5/17</a:t>
             </a:fld>
             <a:endParaRPr lang="en-US"/>
           </a:p>
@@ -7531,7 +7537,7 @@
           <a:p>
             <a:fld id="{743A99F8-0EC0-B744-8A98-18C028B72F51}" type="datetimeFigureOut">
               <a:rPr lang="en-US" smtClean="0"/>
-              <a:t>12/4/17</a:t>
+              <a:t>12/5/17</a:t>
             </a:fld>
             <a:endParaRPr lang="en-US"/>
           </a:p>
@@ -7898,7 +7904,7 @@
           <a:p>
             <a:fld id="{743A99F8-0EC0-B744-8A98-18C028B72F51}" type="datetimeFigureOut">
               <a:rPr lang="en-US" smtClean="0"/>
-              <a:t>12/4/17</a:t>
+              <a:t>12/5/17</a:t>
             </a:fld>
             <a:endParaRPr lang="en-US"/>
           </a:p>
@@ -8016,7 +8022,7 @@
           <a:p>
             <a:fld id="{743A99F8-0EC0-B744-8A98-18C028B72F51}" type="datetimeFigureOut">
               <a:rPr lang="en-US" smtClean="0"/>
-              <a:t>12/4/17</a:t>
+              <a:t>12/5/17</a:t>
             </a:fld>
             <a:endParaRPr lang="en-US"/>
           </a:p>
@@ -8111,7 +8117,7 @@
           <a:p>
             <a:fld id="{743A99F8-0EC0-B744-8A98-18C028B72F51}" type="datetimeFigureOut">
               <a:rPr lang="en-US" smtClean="0"/>
-              <a:t>12/4/17</a:t>
+              <a:t>12/5/17</a:t>
             </a:fld>
             <a:endParaRPr lang="en-US"/>
           </a:p>
@@ -8388,7 +8394,7 @@
           <a:p>
             <a:fld id="{743A99F8-0EC0-B744-8A98-18C028B72F51}" type="datetimeFigureOut">
               <a:rPr lang="en-US" smtClean="0"/>
-              <a:t>12/4/17</a:t>
+              <a:t>12/5/17</a:t>
             </a:fld>
             <a:endParaRPr lang="en-US"/>
           </a:p>
@@ -8641,7 +8647,7 @@
           <a:p>
             <a:fld id="{743A99F8-0EC0-B744-8A98-18C028B72F51}" type="datetimeFigureOut">
               <a:rPr lang="en-US" smtClean="0"/>
-              <a:t>12/4/17</a:t>
+              <a:t>12/5/17</a:t>
             </a:fld>
             <a:endParaRPr lang="en-US"/>
           </a:p>
@@ -8854,7 +8860,7 @@
           <a:p>
             <a:fld id="{743A99F8-0EC0-B744-8A98-18C028B72F51}" type="datetimeFigureOut">
               <a:rPr lang="en-US" smtClean="0"/>
-              <a:t>12/4/17</a:t>
+              <a:t>12/5/17</a:t>
             </a:fld>
             <a:endParaRPr lang="en-US"/>
           </a:p>
@@ -9318,6 +9324,225 @@
 </p:sld>
 </file>
 
+<file path=ppt/slides/slide10.xml><?xml version="1.0" encoding="utf-8"?>
+<p:sld xmlns:a="http://schemas.openxmlformats.org/drawingml/2006/main" xmlns:r="http://schemas.openxmlformats.org/officeDocument/2006/relationships" xmlns:p="http://schemas.openxmlformats.org/presentationml/2006/main">
+  <p:cSld>
+    <p:spTree>
+      <p:nvGrpSpPr>
+        <p:cNvPr id="1" name=""/>
+        <p:cNvGrpSpPr/>
+        <p:nvPr/>
+      </p:nvGrpSpPr>
+      <p:grpSpPr>
+        <a:xfrm>
+          <a:off x="0" y="0"/>
+          <a:ext cx="0" cy="0"/>
+          <a:chOff x="0" y="0"/>
+          <a:chExt cx="0" cy="0"/>
+        </a:xfrm>
+      </p:grpSpPr>
+      <p:sp>
+        <p:nvSpPr>
+          <p:cNvPr id="4" name="Title 3"/>
+          <p:cNvSpPr>
+            <a:spLocks noGrp="1"/>
+          </p:cNvSpPr>
+          <p:nvPr>
+            <p:ph type="title"/>
+          </p:nvPr>
+        </p:nvSpPr>
+        <p:spPr>
+          <a:xfrm>
+            <a:off x="966787" y="2408237"/>
+            <a:ext cx="10515600" cy="1325563"/>
+          </a:xfrm>
+        </p:spPr>
+        <p:txBody>
+          <a:bodyPr/>
+          <a:lstStyle/>
+          <a:p>
+            <a:pPr algn="ctr"/>
+            <a:r>
+              <a:rPr lang="en-US" dirty="0" smtClean="0"/>
+              <a:t>Experimentation Code</a:t>
+            </a:r>
+            <a:endParaRPr lang="en-US" dirty="0"/>
+          </a:p>
+        </p:txBody>
+      </p:sp>
+    </p:spTree>
+    <p:extLst>
+      <p:ext uri="{BB962C8B-B14F-4D97-AF65-F5344CB8AC3E}">
+        <p14:creationId xmlns:p14="http://schemas.microsoft.com/office/powerpoint/2010/main" val="246604000"/>
+      </p:ext>
+    </p:extLst>
+  </p:cSld>
+  <p:clrMapOvr>
+    <a:masterClrMapping/>
+  </p:clrMapOvr>
+</p:sld>
+</file>
+
+<file path=ppt/slides/slide11.xml><?xml version="1.0" encoding="utf-8"?>
+<p:sld xmlns:a="http://schemas.openxmlformats.org/drawingml/2006/main" xmlns:r="http://schemas.openxmlformats.org/officeDocument/2006/relationships" xmlns:p="http://schemas.openxmlformats.org/presentationml/2006/main">
+  <p:cSld>
+    <p:spTree>
+      <p:nvGrpSpPr>
+        <p:cNvPr id="1" name=""/>
+        <p:cNvGrpSpPr/>
+        <p:nvPr/>
+      </p:nvGrpSpPr>
+      <p:grpSpPr>
+        <a:xfrm>
+          <a:off x="0" y="0"/>
+          <a:ext cx="0" cy="0"/>
+          <a:chOff x="0" y="0"/>
+          <a:chExt cx="0" cy="0"/>
+        </a:xfrm>
+      </p:grpSpPr>
+      <p:pic>
+        <p:nvPicPr>
+          <p:cNvPr id="4" name="Picture 3"/>
+          <p:cNvPicPr>
+            <a:picLocks noChangeAspect="1"/>
+          </p:cNvPicPr>
+          <p:nvPr/>
+        </p:nvPicPr>
+        <p:blipFill>
+          <a:blip r:embed="rId2"/>
+          <a:stretch>
+            <a:fillRect/>
+          </a:stretch>
+        </p:blipFill>
+        <p:spPr>
+          <a:xfrm>
+            <a:off x="2288324" y="0"/>
+            <a:ext cx="7643925" cy="6643687"/>
+          </a:xfrm>
+          <a:prstGeom prst="rect">
+            <a:avLst/>
+          </a:prstGeom>
+        </p:spPr>
+      </p:pic>
+    </p:spTree>
+    <p:extLst>
+      <p:ext uri="{BB962C8B-B14F-4D97-AF65-F5344CB8AC3E}">
+        <p14:creationId xmlns:p14="http://schemas.microsoft.com/office/powerpoint/2010/main" val="550035781"/>
+      </p:ext>
+    </p:extLst>
+  </p:cSld>
+  <p:clrMapOvr>
+    <a:masterClrMapping/>
+  </p:clrMapOvr>
+</p:sld>
+</file>
+
+<file path=ppt/slides/slide12.xml><?xml version="1.0" encoding="utf-8"?>
+<p:sld xmlns:a="http://schemas.openxmlformats.org/drawingml/2006/main" xmlns:r="http://schemas.openxmlformats.org/officeDocument/2006/relationships" xmlns:p="http://schemas.openxmlformats.org/presentationml/2006/main">
+  <p:cSld>
+    <p:spTree>
+      <p:nvGrpSpPr>
+        <p:cNvPr id="1" name=""/>
+        <p:cNvGrpSpPr/>
+        <p:nvPr/>
+      </p:nvGrpSpPr>
+      <p:grpSpPr>
+        <a:xfrm>
+          <a:off x="0" y="0"/>
+          <a:ext cx="0" cy="0"/>
+          <a:chOff x="0" y="0"/>
+          <a:chExt cx="0" cy="0"/>
+        </a:xfrm>
+      </p:grpSpPr>
+      <p:sp>
+        <p:nvSpPr>
+          <p:cNvPr id="2" name="Title 1"/>
+          <p:cNvSpPr>
+            <a:spLocks noGrp="1"/>
+          </p:cNvSpPr>
+          <p:nvPr>
+            <p:ph type="title"/>
+          </p:nvPr>
+        </p:nvSpPr>
+        <p:spPr/>
+        <p:txBody>
+          <a:bodyPr/>
+          <a:lstStyle/>
+          <a:p>
+            <a:r>
+              <a:rPr lang="en-US" dirty="0" err="1" smtClean="0"/>
+              <a:t>IntLinkedBag.addAll</a:t>
+            </a:r>
+            <a:r>
+              <a:rPr lang="en-US" dirty="0" smtClean="0"/>
+              <a:t>(bag) problem!</a:t>
+            </a:r>
+            <a:endParaRPr lang="en-US" dirty="0"/>
+          </a:p>
+        </p:txBody>
+      </p:sp>
+      <p:sp>
+        <p:nvSpPr>
+          <p:cNvPr id="3" name="Content Placeholder 2"/>
+          <p:cNvSpPr>
+            <a:spLocks noGrp="1"/>
+          </p:cNvSpPr>
+          <p:nvPr>
+            <p:ph idx="1"/>
+          </p:nvPr>
+        </p:nvSpPr>
+        <p:spPr/>
+        <p:txBody>
+          <a:bodyPr/>
+          <a:lstStyle/>
+          <a:p>
+            <a:r>
+              <a:rPr lang="en-US" dirty="0" smtClean="0"/>
+              <a:t>Cannot use </a:t>
+            </a:r>
+            <a:r>
+              <a:rPr lang="en-US" dirty="0" err="1" smtClean="0"/>
+              <a:t>mergsort</a:t>
+            </a:r>
+            <a:r>
+              <a:rPr lang="en-US" dirty="0" smtClean="0"/>
+              <a:t> because of stack overflow </a:t>
+            </a:r>
+            <a:r>
+              <a:rPr lang="en-US" dirty="0" err="1" smtClean="0"/>
+              <a:t>excpetion</a:t>
+            </a:r>
+            <a:r>
+              <a:rPr lang="en-US" dirty="0" smtClean="0"/>
+              <a:t> for N &gt; 3000.</a:t>
+            </a:r>
+          </a:p>
+          <a:p>
+            <a:r>
+              <a:rPr lang="en-US" dirty="0" smtClean="0"/>
+              <a:t>Different implementation required, like add each element from the new bag using the the add() method</a:t>
+            </a:r>
+            <a:r>
+              <a:rPr lang="en-US" dirty="0" smtClean="0"/>
+              <a:t>.</a:t>
+            </a:r>
+            <a:endParaRPr lang="en-US" dirty="0" smtClean="0"/>
+          </a:p>
+        </p:txBody>
+      </p:sp>
+    </p:spTree>
+    <p:extLst>
+      <p:ext uri="{BB962C8B-B14F-4D97-AF65-F5344CB8AC3E}">
+        <p14:creationId xmlns:p14="http://schemas.microsoft.com/office/powerpoint/2010/main" val="1736464335"/>
+      </p:ext>
+    </p:extLst>
+  </p:cSld>
+  <p:clrMapOvr>
+    <a:masterClrMapping/>
+  </p:clrMapOvr>
+</p:sld>
+</file>
+
 <file path=ppt/slides/slide2.xml><?xml version="1.0" encoding="utf-8"?>
 <p:sld xmlns:a="http://schemas.openxmlformats.org/drawingml/2006/main" xmlns:r="http://schemas.openxmlformats.org/officeDocument/2006/relationships" xmlns:p="http://schemas.openxmlformats.org/presentationml/2006/main">
   <p:cSld>
@@ -9375,7 +9600,19 @@
           <a:p>
             <a:r>
               <a:rPr lang="en-US" dirty="0" smtClean="0"/>
-              <a:t>Created implementations of order integer lists of:</a:t>
+              <a:t>Created implementations </a:t>
+            </a:r>
+            <a:r>
+              <a:rPr lang="en-US" smtClean="0"/>
+              <a:t>of </a:t>
+            </a:r>
+            <a:r>
+              <a:rPr lang="en-US" smtClean="0"/>
+              <a:t>ordered </a:t>
+            </a:r>
+            <a:r>
+              <a:rPr lang="en-US" dirty="0" smtClean="0"/>
+              <a:t>integer lists of:</a:t>
             </a:r>
           </a:p>
           <a:p>
@@ -9536,15 +9773,7 @@
             </a:r>
             <a:r>
               <a:rPr lang="en-US" dirty="0" smtClean="0"/>
-              <a:t> element</a:t>
-            </a:r>
-            <a:r>
-              <a:rPr lang="en-US" dirty="0" smtClean="0"/>
-              <a:t>): </a:t>
-            </a:r>
-            <a:r>
-              <a:rPr lang="en-US" dirty="0" smtClean="0"/>
-              <a:t>O(N) as first the method find where to put the element, and then it pushes all the other elements to the next position.</a:t>
+              <a:t> element): O(N) as first the method find where to put the element, and then it pushes all the other elements to the next position.</a:t>
             </a:r>
           </a:p>
           <a:p>
@@ -9562,15 +9791,7 @@
             </a:r>
             <a:r>
               <a:rPr lang="en-US" dirty="0" smtClean="0"/>
-              <a:t> element</a:t>
-            </a:r>
-            <a:r>
-              <a:rPr lang="en-US" dirty="0" smtClean="0"/>
-              <a:t>): </a:t>
-            </a:r>
-            <a:r>
-              <a:rPr lang="en-US" dirty="0" smtClean="0"/>
-              <a:t>O(N) as the method has to find the value in the bag that is greater than the element, which could be all the elements in the bag.</a:t>
+              <a:t> element): O(N) as the method has to find the value in the bag that is greater than the element, which could be all the elements in the bag.</a:t>
             </a:r>
             <a:endParaRPr lang="en-US" dirty="0"/>
           </a:p>
@@ -10010,11 +10231,7 @@
             </a:r>
             <a:r>
               <a:rPr lang="en-US" dirty="0" smtClean="0"/>
-              <a:t>(): </a:t>
-            </a:r>
-            <a:r>
-              <a:rPr lang="en-US" dirty="0" smtClean="0"/>
-              <a:t>O</a:t>
+              <a:t>(): O</a:t>
             </a:r>
             <a:r>
               <a:rPr lang="en-US" dirty="0"/>
@@ -10070,11 +10287,7 @@
             </a:r>
             <a:r>
               <a:rPr lang="en-US" dirty="0" smtClean="0"/>
-              <a:t>lements are added to the end of the bag </a:t>
-            </a:r>
-            <a:r>
-              <a:rPr lang="en-US" dirty="0" smtClean="0"/>
-              <a:t>first, </a:t>
+              <a:t>lements are added to the end of the bag first, </a:t>
             </a:r>
             <a:r>
               <a:rPr lang="en-US" dirty="0"/>
@@ -10086,11 +10299,7 @@
             </a:r>
             <a:r>
               <a:rPr lang="en-US" dirty="0" smtClean="0"/>
-              <a:t> are the elements already in the bag. </a:t>
-            </a:r>
-            <a:r>
-              <a:rPr lang="en-US" dirty="0" smtClean="0"/>
-              <a:t>Then </a:t>
+              <a:t> are the elements already in the bag. Then </a:t>
             </a:r>
             <a:r>
               <a:rPr lang="en-US" dirty="0" err="1" smtClean="0"/>
@@ -10164,15 +10373,7 @@
             </a:r>
             <a:r>
               <a:rPr lang="en-US" dirty="0" smtClean="0"/>
-              <a:t>) are added to the start of the </a:t>
-            </a:r>
-            <a:r>
-              <a:rPr lang="en-US" dirty="0" smtClean="0"/>
-              <a:t>array. </a:t>
-            </a:r>
-            <a:r>
-              <a:rPr lang="en-US" dirty="0" smtClean="0"/>
-              <a:t>Then </a:t>
+              <a:t>) are added to the start of the array. Then </a:t>
             </a:r>
             <a:r>
               <a:rPr lang="en-US" dirty="0" err="1" smtClean="0"/>
@@ -10180,13 +10381,8 @@
             </a:r>
             <a:r>
               <a:rPr lang="en-US" dirty="0" smtClean="0"/>
-              <a:t> is </a:t>
-            </a:r>
-            <a:r>
-              <a:rPr lang="en-US" dirty="0" smtClean="0"/>
-              <a:t>called.</a:t>
-            </a:r>
-            <a:endParaRPr lang="en-US" dirty="0" smtClean="0"/>
+              <a:t> is called.</a:t>
+            </a:r>
           </a:p>
         </p:txBody>
       </p:sp>
@@ -10204,6 +10400,84 @@
 </file>
 
 <file path=ppt/slides/slide8.xml><?xml version="1.0" encoding="utf-8"?>
+<p:sld xmlns:a="http://schemas.openxmlformats.org/drawingml/2006/main" xmlns:r="http://schemas.openxmlformats.org/officeDocument/2006/relationships" xmlns:p="http://schemas.openxmlformats.org/presentationml/2006/main">
+  <p:cSld>
+    <p:spTree>
+      <p:nvGrpSpPr>
+        <p:cNvPr id="1" name=""/>
+        <p:cNvGrpSpPr/>
+        <p:nvPr/>
+      </p:nvGrpSpPr>
+      <p:grpSpPr>
+        <a:xfrm>
+          <a:off x="0" y="0"/>
+          <a:ext cx="0" cy="0"/>
+          <a:chOff x="0" y="0"/>
+          <a:chExt cx="0" cy="0"/>
+        </a:xfrm>
+      </p:grpSpPr>
+      <p:pic>
+        <p:nvPicPr>
+          <p:cNvPr id="4" name="Picture 3"/>
+          <p:cNvPicPr>
+            <a:picLocks noChangeAspect="1"/>
+          </p:cNvPicPr>
+          <p:nvPr/>
+        </p:nvPicPr>
+        <p:blipFill>
+          <a:blip r:embed="rId2"/>
+          <a:stretch>
+            <a:fillRect/>
+          </a:stretch>
+        </p:blipFill>
+        <p:spPr>
+          <a:xfrm>
+            <a:off x="358775" y="668337"/>
+            <a:ext cx="5588000" cy="5207000"/>
+          </a:xfrm>
+          <a:prstGeom prst="rect">
+            <a:avLst/>
+          </a:prstGeom>
+        </p:spPr>
+      </p:pic>
+      <p:pic>
+        <p:nvPicPr>
+          <p:cNvPr id="5" name="Picture 4"/>
+          <p:cNvPicPr>
+            <a:picLocks noChangeAspect="1"/>
+          </p:cNvPicPr>
+          <p:nvPr/>
+        </p:nvPicPr>
+        <p:blipFill>
+          <a:blip r:embed="rId3"/>
+          <a:stretch>
+            <a:fillRect/>
+          </a:stretch>
+        </p:blipFill>
+        <p:spPr>
+          <a:xfrm>
+            <a:off x="7042970" y="257175"/>
+            <a:ext cx="3948495" cy="6415087"/>
+          </a:xfrm>
+          <a:prstGeom prst="rect">
+            <a:avLst/>
+          </a:prstGeom>
+        </p:spPr>
+      </p:pic>
+    </p:spTree>
+    <p:extLst>
+      <p:ext uri="{BB962C8B-B14F-4D97-AF65-F5344CB8AC3E}">
+        <p14:creationId xmlns:p14="http://schemas.microsoft.com/office/powerpoint/2010/main" val="1560706794"/>
+      </p:ext>
+    </p:extLst>
+  </p:cSld>
+  <p:clrMapOvr>
+    <a:masterClrMapping/>
+  </p:clrMapOvr>
+</p:sld>
+</file>
+
+<file path=ppt/slides/slide9.xml><?xml version="1.0" encoding="utf-8"?>
 <p:sld xmlns:a="http://schemas.openxmlformats.org/drawingml/2006/main" xmlns:r="http://schemas.openxmlformats.org/officeDocument/2006/relationships" xmlns:p="http://schemas.openxmlformats.org/presentationml/2006/main">
   <p:cSld>
     <p:spTree>
@@ -10303,156 +10577,6 @@
     <p:extLst>
       <p:ext uri="{BB962C8B-B14F-4D97-AF65-F5344CB8AC3E}">
         <p14:creationId xmlns:p14="http://schemas.microsoft.com/office/powerpoint/2010/main" val="766041025"/>
-      </p:ext>
-    </p:extLst>
-  </p:cSld>
-  <p:clrMapOvr>
-    <a:masterClrMapping/>
-  </p:clrMapOvr>
-</p:sld>
-</file>
-
-<file path=ppt/slides/slide9.xml><?xml version="1.0" encoding="utf-8"?>
-<p:sld xmlns:a="http://schemas.openxmlformats.org/drawingml/2006/main" xmlns:r="http://schemas.openxmlformats.org/officeDocument/2006/relationships" xmlns:p="http://schemas.openxmlformats.org/presentationml/2006/main">
-  <p:cSld>
-    <p:spTree>
-      <p:nvGrpSpPr>
-        <p:cNvPr id="1" name=""/>
-        <p:cNvGrpSpPr/>
-        <p:nvPr/>
-      </p:nvGrpSpPr>
-      <p:grpSpPr>
-        <a:xfrm>
-          <a:off x="0" y="0"/>
-          <a:ext cx="0" cy="0"/>
-          <a:chOff x="0" y="0"/>
-          <a:chExt cx="0" cy="0"/>
-        </a:xfrm>
-      </p:grpSpPr>
-      <p:sp>
-        <p:nvSpPr>
-          <p:cNvPr id="2" name="Title 1"/>
-          <p:cNvSpPr>
-            <a:spLocks noGrp="1"/>
-          </p:cNvSpPr>
-          <p:nvPr>
-            <p:ph type="title"/>
-          </p:nvPr>
-        </p:nvSpPr>
-        <p:spPr/>
-        <p:txBody>
-          <a:bodyPr/>
-          <a:lstStyle/>
-          <a:p>
-            <a:r>
-              <a:rPr lang="en-US" dirty="0" err="1" smtClean="0"/>
-              <a:t>IntLinkedBag.addAll</a:t>
-            </a:r>
-            <a:r>
-              <a:rPr lang="en-US" dirty="0" smtClean="0"/>
-              <a:t>(bag) problem!</a:t>
-            </a:r>
-            <a:endParaRPr lang="en-US" dirty="0"/>
-          </a:p>
-        </p:txBody>
-      </p:sp>
-      <p:sp>
-        <p:nvSpPr>
-          <p:cNvPr id="3" name="Content Placeholder 2"/>
-          <p:cNvSpPr>
-            <a:spLocks noGrp="1"/>
-          </p:cNvSpPr>
-          <p:nvPr>
-            <p:ph idx="1"/>
-          </p:nvPr>
-        </p:nvSpPr>
-        <p:spPr/>
-        <p:txBody>
-          <a:bodyPr/>
-          <a:lstStyle/>
-          <a:p>
-            <a:r>
-              <a:rPr lang="en-US" dirty="0" smtClean="0"/>
-              <a:t>Cannot use </a:t>
-            </a:r>
-            <a:r>
-              <a:rPr lang="en-US" dirty="0" err="1" smtClean="0"/>
-              <a:t>mergsort</a:t>
-            </a:r>
-            <a:r>
-              <a:rPr lang="en-US" dirty="0" smtClean="0"/>
-              <a:t> because of stack overflow </a:t>
-            </a:r>
-            <a:r>
-              <a:rPr lang="en-US" dirty="0" err="1" smtClean="0"/>
-              <a:t>excpetion</a:t>
-            </a:r>
-            <a:r>
-              <a:rPr lang="en-US" dirty="0" smtClean="0"/>
-              <a:t> for N &gt; 3000.</a:t>
-            </a:r>
-          </a:p>
-          <a:p>
-            <a:r>
-              <a:rPr lang="en-US" dirty="0" smtClean="0"/>
-              <a:t>Different implementation required, like add each element from the new bag using the the add() method.</a:t>
-            </a:r>
-          </a:p>
-          <a:p>
-            <a:r>
-              <a:rPr lang="en-US" dirty="0" smtClean="0"/>
-              <a:t>But given the run time difference between sorted </a:t>
-            </a:r>
-            <a:r>
-              <a:rPr lang="en-US" dirty="0" err="1" smtClean="0"/>
-              <a:t>implemnations</a:t>
-            </a:r>
-            <a:r>
-              <a:rPr lang="en-US" dirty="0" smtClean="0"/>
-              <a:t> of </a:t>
-            </a:r>
-            <a:r>
-              <a:rPr lang="en-US" dirty="0" err="1" smtClean="0"/>
-              <a:t>IntLinkedBag</a:t>
-            </a:r>
-            <a:r>
-              <a:rPr lang="en-US" dirty="0" smtClean="0"/>
-              <a:t> and </a:t>
-            </a:r>
-            <a:r>
-              <a:rPr lang="en-US" dirty="0" err="1" smtClean="0"/>
-              <a:t>IntArrayBag</a:t>
-            </a:r>
-            <a:r>
-              <a:rPr lang="en-US" dirty="0" smtClean="0"/>
-              <a:t> we should use the, the </a:t>
-            </a:r>
-            <a:r>
-              <a:rPr lang="en-US" dirty="0" err="1" smtClean="0"/>
-              <a:t>IntArrayBag</a:t>
-            </a:r>
-            <a:r>
-              <a:rPr lang="en-US" dirty="0" smtClean="0"/>
-              <a:t> as it has faster add(), remove() and </a:t>
-            </a:r>
-            <a:r>
-              <a:rPr lang="en-US" dirty="0" err="1" smtClean="0"/>
-              <a:t>addAll</a:t>
-            </a:r>
-            <a:r>
-              <a:rPr lang="en-US" dirty="0" smtClean="0"/>
-              <a:t>() run times.</a:t>
-            </a:r>
-          </a:p>
-          <a:p>
-            <a:endParaRPr lang="en-US" dirty="0"/>
-          </a:p>
-        </p:txBody>
-      </p:sp>
-    </p:spTree>
-    <p:extLst>
-      <p:ext uri="{BB962C8B-B14F-4D97-AF65-F5344CB8AC3E}">
-        <p14:creationId xmlns:p14="http://schemas.microsoft.com/office/powerpoint/2010/main" val="1736464335"/>
       </p:ext>
     </p:extLst>
   </p:cSld>
